--- a/Sew_Projekt.pptx
+++ b/Sew_Projekt.pptx
@@ -2,27 +2,28 @@
 <file path=ppt/presentation.xml><?xml version="1.0" encoding="utf-8"?>
 <p:presentation xmlns:a="http://schemas.openxmlformats.org/drawingml/2006/main" xmlns:r="http://schemas.openxmlformats.org/officeDocument/2006/relationships" xmlns:p="http://schemas.openxmlformats.org/presentationml/2006/main" saveSubsetFonts="1">
   <p:sldMasterIdLst>
-    <p:sldMasterId id="2147483648" r:id="rId1"/>
+    <p:sldMasterId id="2147483660" r:id="rId1"/>
   </p:sldMasterIdLst>
   <p:notesMasterIdLst>
-    <p:notesMasterId r:id="rId9"/>
+    <p:notesMasterId r:id="rId10"/>
   </p:notesMasterIdLst>
   <p:sldIdLst>
     <p:sldId id="256" r:id="rId2"/>
     <p:sldId id="257" r:id="rId3"/>
     <p:sldId id="258" r:id="rId4"/>
-    <p:sldId id="259" r:id="rId5"/>
-    <p:sldId id="260" r:id="rId6"/>
-    <p:sldId id="261" r:id="rId7"/>
-    <p:sldId id="262" r:id="rId8"/>
+    <p:sldId id="263" r:id="rId5"/>
+    <p:sldId id="259" r:id="rId6"/>
+    <p:sldId id="260" r:id="rId7"/>
+    <p:sldId id="261" r:id="rId8"/>
+    <p:sldId id="262" r:id="rId9"/>
   </p:sldIdLst>
   <p:sldSz cx="12192000" cy="6858000"/>
   <p:notesSz cx="6858000" cy="9144000"/>
   <p:defaultTextStyle>
     <a:defPPr>
-      <a:defRPr lang="de-DE"/>
+      <a:defRPr lang="en-US"/>
     </a:defPPr>
-    <a:lvl1pPr marL="0" algn="l" defTabSz="914400" rtl="0" eaLnBrk="1" latinLnBrk="0" hangingPunct="1">
+    <a:lvl1pPr marL="0" algn="l" defTabSz="457200" rtl="0" eaLnBrk="1" latinLnBrk="0" hangingPunct="1">
       <a:defRPr sz="1800" kern="1200">
         <a:solidFill>
           <a:schemeClr val="tx1"/>
@@ -32,7 +33,7 @@
         <a:cs typeface="+mn-cs"/>
       </a:defRPr>
     </a:lvl1pPr>
-    <a:lvl2pPr marL="457200" algn="l" defTabSz="914400" rtl="0" eaLnBrk="1" latinLnBrk="0" hangingPunct="1">
+    <a:lvl2pPr marL="457200" algn="l" defTabSz="457200" rtl="0" eaLnBrk="1" latinLnBrk="0" hangingPunct="1">
       <a:defRPr sz="1800" kern="1200">
         <a:solidFill>
           <a:schemeClr val="tx1"/>
@@ -42,7 +43,7 @@
         <a:cs typeface="+mn-cs"/>
       </a:defRPr>
     </a:lvl2pPr>
-    <a:lvl3pPr marL="914400" algn="l" defTabSz="914400" rtl="0" eaLnBrk="1" latinLnBrk="0" hangingPunct="1">
+    <a:lvl3pPr marL="914400" algn="l" defTabSz="457200" rtl="0" eaLnBrk="1" latinLnBrk="0" hangingPunct="1">
       <a:defRPr sz="1800" kern="1200">
         <a:solidFill>
           <a:schemeClr val="tx1"/>
@@ -52,7 +53,7 @@
         <a:cs typeface="+mn-cs"/>
       </a:defRPr>
     </a:lvl3pPr>
-    <a:lvl4pPr marL="1371600" algn="l" defTabSz="914400" rtl="0" eaLnBrk="1" latinLnBrk="0" hangingPunct="1">
+    <a:lvl4pPr marL="1371600" algn="l" defTabSz="457200" rtl="0" eaLnBrk="1" latinLnBrk="0" hangingPunct="1">
       <a:defRPr sz="1800" kern="1200">
         <a:solidFill>
           <a:schemeClr val="tx1"/>
@@ -62,7 +63,7 @@
         <a:cs typeface="+mn-cs"/>
       </a:defRPr>
     </a:lvl4pPr>
-    <a:lvl5pPr marL="1828800" algn="l" defTabSz="914400" rtl="0" eaLnBrk="1" latinLnBrk="0" hangingPunct="1">
+    <a:lvl5pPr marL="1828800" algn="l" defTabSz="457200" rtl="0" eaLnBrk="1" latinLnBrk="0" hangingPunct="1">
       <a:defRPr sz="1800" kern="1200">
         <a:solidFill>
           <a:schemeClr val="tx1"/>
@@ -72,7 +73,7 @@
         <a:cs typeface="+mn-cs"/>
       </a:defRPr>
     </a:lvl5pPr>
-    <a:lvl6pPr marL="2286000" algn="l" defTabSz="914400" rtl="0" eaLnBrk="1" latinLnBrk="0" hangingPunct="1">
+    <a:lvl6pPr marL="2286000" algn="l" defTabSz="457200" rtl="0" eaLnBrk="1" latinLnBrk="0" hangingPunct="1">
       <a:defRPr sz="1800" kern="1200">
         <a:solidFill>
           <a:schemeClr val="tx1"/>
@@ -82,7 +83,7 @@
         <a:cs typeface="+mn-cs"/>
       </a:defRPr>
     </a:lvl6pPr>
-    <a:lvl7pPr marL="2743200" algn="l" defTabSz="914400" rtl="0" eaLnBrk="1" latinLnBrk="0" hangingPunct="1">
+    <a:lvl7pPr marL="2743200" algn="l" defTabSz="457200" rtl="0" eaLnBrk="1" latinLnBrk="0" hangingPunct="1">
       <a:defRPr sz="1800" kern="1200">
         <a:solidFill>
           <a:schemeClr val="tx1"/>
@@ -92,7 +93,7 @@
         <a:cs typeface="+mn-cs"/>
       </a:defRPr>
     </a:lvl7pPr>
-    <a:lvl8pPr marL="3200400" algn="l" defTabSz="914400" rtl="0" eaLnBrk="1" latinLnBrk="0" hangingPunct="1">
+    <a:lvl8pPr marL="3200400" algn="l" defTabSz="457200" rtl="0" eaLnBrk="1" latinLnBrk="0" hangingPunct="1">
       <a:defRPr sz="1800" kern="1200">
         <a:solidFill>
           <a:schemeClr val="tx1"/>
@@ -102,7 +103,7 @@
         <a:cs typeface="+mn-cs"/>
       </a:defRPr>
     </a:lvl8pPr>
-    <a:lvl9pPr marL="3657600" algn="l" defTabSz="914400" rtl="0" eaLnBrk="1" latinLnBrk="0" hangingPunct="1">
+    <a:lvl9pPr marL="3657600" algn="l" defTabSz="457200" rtl="0" eaLnBrk="1" latinLnBrk="0" hangingPunct="1">
       <a:defRPr sz="1800" kern="1200">
         <a:solidFill>
           <a:schemeClr val="tx1"/>
@@ -203,7 +204,7 @@
           <a:p>
             <a:fld id="{108A9A57-3CF4-4034-9C65-D334998C39D8}" type="datetimeFigureOut">
               <a:rPr lang="de-AT" smtClean="0"/>
-              <a:t>15.06.2020</a:t>
+              <a:t>23.06.2020</a:t>
             </a:fld>
             <a:endParaRPr lang="de-AT"/>
           </a:p>
@@ -834,7 +835,7 @@
           <a:p>
             <a:fld id="{DA9F513B-CC98-47FF-AB2D-522EE7017519}" type="slidenum">
               <a:rPr lang="de-AT" smtClean="0"/>
-              <a:t>4</a:t>
+              <a:t>5</a:t>
             </a:fld>
             <a:endParaRPr lang="de-AT"/>
           </a:p>
@@ -949,7 +950,7 @@
           <a:p>
             <a:fld id="{DA9F513B-CC98-47FF-AB2D-522EE7017519}" type="slidenum">
               <a:rPr lang="de-AT" smtClean="0"/>
-              <a:t>5</a:t>
+              <a:t>6</a:t>
             </a:fld>
             <a:endParaRPr lang="de-AT"/>
           </a:p>
@@ -1044,7 +1045,7 @@
           <a:p>
             <a:fld id="{DA9F513B-CC98-47FF-AB2D-522EE7017519}" type="slidenum">
               <a:rPr lang="de-AT" smtClean="0"/>
-              <a:t>6</a:t>
+              <a:t>7</a:t>
             </a:fld>
             <a:endParaRPr lang="de-AT"/>
           </a:p>
@@ -1139,7 +1140,7 @@
           <a:p>
             <a:fld id="{DA9F513B-CC98-47FF-AB2D-522EE7017519}" type="slidenum">
               <a:rPr lang="de-AT" smtClean="0"/>
-              <a:t>7</a:t>
+              <a:t>8</a:t>
             </a:fld>
             <a:endParaRPr lang="de-AT"/>
           </a:p>
@@ -1159,8 +1160,16 @@
 </file>
 
 <file path=ppt/slideLayouts/slideLayout1.xml><?xml version="1.0" encoding="utf-8"?>
-<p:sldLayout xmlns:a="http://schemas.openxmlformats.org/drawingml/2006/main" xmlns:r="http://schemas.openxmlformats.org/officeDocument/2006/relationships" xmlns:p="http://schemas.openxmlformats.org/presentationml/2006/main" type="title" preserve="1">
+<p:sldLayout xmlns:a="http://schemas.openxmlformats.org/drawingml/2006/main" xmlns:r="http://schemas.openxmlformats.org/officeDocument/2006/relationships" xmlns:p="http://schemas.openxmlformats.org/presentationml/2006/main" showMasterSp="0" type="title" preserve="1">
   <p:cSld name="Titelfolie">
+    <p:bg>
+      <p:bgPr>
+        <a:solidFill>
+          <a:schemeClr val="bg2"/>
+        </a:solidFill>
+        <a:effectLst/>
+      </p:bgPr>
+    </p:bg>
     <p:spTree>
       <p:nvGrpSpPr>
         <p:cNvPr id="1" name=""/>
@@ -1177,13 +1186,7 @@
       </p:grpSpPr>
       <p:sp>
         <p:nvSpPr>
-          <p:cNvPr id="2" name="Titel 1">
-            <a:extLst>
-              <a:ext uri="{FF2B5EF4-FFF2-40B4-BE49-F238E27FC236}">
-                <a16:creationId xmlns:a16="http://schemas.microsoft.com/office/drawing/2014/main" id="{B04A6F7D-7228-42DF-9061-8EFAFC764DA2}"/>
-              </a:ext>
-            </a:extLst>
-          </p:cNvPr>
+          <p:cNvPr id="2" name="Title 1"/>
           <p:cNvSpPr>
             <a:spLocks noGrp="1"/>
           </p:cNvSpPr>
@@ -1193,15 +1196,21 @@
         </p:nvSpPr>
         <p:spPr>
           <a:xfrm>
-            <a:off x="1524000" y="1122363"/>
-            <a:ext cx="9144000" cy="2387600"/>
+            <a:off x="1915128" y="1788454"/>
+            <a:ext cx="8361229" cy="2098226"/>
           </a:xfrm>
         </p:spPr>
         <p:txBody>
-          <a:bodyPr anchor="b"/>
+          <a:bodyPr anchor="b">
+            <a:noAutofit/>
+          </a:bodyPr>
           <a:lstStyle>
             <a:lvl1pPr algn="ctr">
-              <a:defRPr sz="6000"/>
+              <a:defRPr sz="7200" cap="all" baseline="0">
+                <a:solidFill>
+                  <a:schemeClr val="tx2"/>
+                </a:solidFill>
+              </a:defRPr>
             </a:lvl1pPr>
           </a:lstStyle>
           <a:p>
@@ -1209,19 +1218,13 @@
               <a:rPr lang="de-DE"/>
               <a:t>Mastertitelformat bearbeiten</a:t>
             </a:r>
-            <a:endParaRPr lang="de-AT"/>
-          </a:p>
-        </p:txBody>
-      </p:sp>
-      <p:sp>
-        <p:nvSpPr>
-          <p:cNvPr id="3" name="Untertitel 2">
-            <a:extLst>
-              <a:ext uri="{FF2B5EF4-FFF2-40B4-BE49-F238E27FC236}">
-                <a16:creationId xmlns:a16="http://schemas.microsoft.com/office/drawing/2014/main" id="{624ECBB2-8CF8-4FAC-8A11-2E8BC04D0DA9}"/>
-              </a:ext>
-            </a:extLst>
-          </p:cNvPr>
+            <a:endParaRPr lang="en-US" dirty="0"/>
+          </a:p>
+        </p:txBody>
+      </p:sp>
+      <p:sp>
+        <p:nvSpPr>
+          <p:cNvPr id="3" name="Subtitle 2"/>
           <p:cNvSpPr>
             <a:spLocks noGrp="1"/>
           </p:cNvSpPr>
@@ -1231,16 +1234,27 @@
         </p:nvSpPr>
         <p:spPr>
           <a:xfrm>
-            <a:off x="1524000" y="3602038"/>
-            <a:ext cx="9144000" cy="1655762"/>
+            <a:off x="2679906" y="3956279"/>
+            <a:ext cx="6831673" cy="1086237"/>
           </a:xfrm>
         </p:spPr>
         <p:txBody>
-          <a:bodyPr/>
+          <a:bodyPr>
+            <a:normAutofit/>
+          </a:bodyPr>
           <a:lstStyle>
             <a:lvl1pPr marL="0" indent="0" algn="ctr">
+              <a:lnSpc>
+                <a:spcPct val="112000"/>
+              </a:lnSpc>
+              <a:spcBef>
+                <a:spcPts val="0"/>
+              </a:spcBef>
+              <a:spcAft>
+                <a:spcPts val="0"/>
+              </a:spcAft>
               <a:buNone/>
-              <a:defRPr sz="2400"/>
+              <a:defRPr sz="2300"/>
             </a:lvl1pPr>
             <a:lvl2pPr marL="457200" indent="0" algn="ctr">
               <a:buNone/>
@@ -1280,19 +1294,13 @@
               <a:rPr lang="de-DE"/>
               <a:t>Master-Untertitelformat bearbeiten</a:t>
             </a:r>
-            <a:endParaRPr lang="de-AT"/>
-          </a:p>
-        </p:txBody>
-      </p:sp>
-      <p:sp>
-        <p:nvSpPr>
-          <p:cNvPr id="4" name="Datumsplatzhalter 3">
-            <a:extLst>
-              <a:ext uri="{FF2B5EF4-FFF2-40B4-BE49-F238E27FC236}">
-                <a16:creationId xmlns:a16="http://schemas.microsoft.com/office/drawing/2014/main" id="{7810E89F-988A-46C5-888B-8B44BCDAD44A}"/>
-              </a:ext>
-            </a:extLst>
-          </p:cNvPr>
+            <a:endParaRPr lang="en-US" dirty="0"/>
+          </a:p>
+        </p:txBody>
+      </p:sp>
+      <p:sp>
+        <p:nvSpPr>
+          <p:cNvPr id="4" name="Date Placeholder 3"/>
           <p:cNvSpPr>
             <a:spLocks noGrp="1"/>
           </p:cNvSpPr>
@@ -1300,14 +1308,27 @@
             <p:ph type="dt" sz="half" idx="10"/>
           </p:nvPr>
         </p:nvSpPr>
-        <p:spPr/>
-        <p:txBody>
-          <a:bodyPr/>
-          <a:lstStyle/>
+        <p:spPr>
+          <a:xfrm>
+            <a:off x="752858" y="6453386"/>
+            <a:ext cx="1607944" cy="404614"/>
+          </a:xfrm>
+        </p:spPr>
+        <p:txBody>
+          <a:bodyPr/>
+          <a:lstStyle>
+            <a:lvl1pPr>
+              <a:defRPr baseline="0">
+                <a:solidFill>
+                  <a:schemeClr val="tx2"/>
+                </a:solidFill>
+              </a:defRPr>
+            </a:lvl1pPr>
+          </a:lstStyle>
           <a:p>
             <a:fld id="{93EC8732-2F66-47E8-AAF3-8EC162126838}" type="datetimeFigureOut">
               <a:rPr lang="de-AT" smtClean="0"/>
-              <a:t>15.06.2020</a:t>
+              <a:t>23.06.2020</a:t>
             </a:fld>
             <a:endParaRPr lang="de-AT"/>
           </a:p>
@@ -1315,13 +1336,7 @@
       </p:sp>
       <p:sp>
         <p:nvSpPr>
-          <p:cNvPr id="5" name="Fußzeilenplatzhalter 4">
-            <a:extLst>
-              <a:ext uri="{FF2B5EF4-FFF2-40B4-BE49-F238E27FC236}">
-                <a16:creationId xmlns:a16="http://schemas.microsoft.com/office/drawing/2014/main" id="{8768C474-D19F-4BD8-B74E-EBB676F778D7}"/>
-              </a:ext>
-            </a:extLst>
-          </p:cNvPr>
+          <p:cNvPr id="5" name="Footer Placeholder 4"/>
           <p:cNvSpPr>
             <a:spLocks noGrp="1"/>
           </p:cNvSpPr>
@@ -1329,10 +1344,23 @@
             <p:ph type="ftr" sz="quarter" idx="11"/>
           </p:nvPr>
         </p:nvSpPr>
-        <p:spPr/>
-        <p:txBody>
-          <a:bodyPr/>
-          <a:lstStyle/>
+        <p:spPr>
+          <a:xfrm>
+            <a:off x="2584054" y="6453386"/>
+            <a:ext cx="7023377" cy="404614"/>
+          </a:xfrm>
+        </p:spPr>
+        <p:txBody>
+          <a:bodyPr/>
+          <a:lstStyle>
+            <a:lvl1pPr algn="ctr">
+              <a:defRPr baseline="0">
+                <a:solidFill>
+                  <a:schemeClr val="tx2"/>
+                </a:solidFill>
+              </a:defRPr>
+            </a:lvl1pPr>
+          </a:lstStyle>
           <a:p>
             <a:endParaRPr lang="de-AT"/>
           </a:p>
@@ -1340,13 +1368,7 @@
       </p:sp>
       <p:sp>
         <p:nvSpPr>
-          <p:cNvPr id="6" name="Foliennummernplatzhalter 5">
-            <a:extLst>
-              <a:ext uri="{FF2B5EF4-FFF2-40B4-BE49-F238E27FC236}">
-                <a16:creationId xmlns:a16="http://schemas.microsoft.com/office/drawing/2014/main" id="{DB13AC96-1637-499A-8E2E-2BB8B74C4DAD}"/>
-              </a:ext>
-            </a:extLst>
-          </p:cNvPr>
+          <p:cNvPr id="6" name="Slide Number Placeholder 5"/>
           <p:cNvSpPr>
             <a:spLocks noGrp="1"/>
           </p:cNvSpPr>
@@ -1354,10 +1376,23 @@
             <p:ph type="sldNum" sz="quarter" idx="12"/>
           </p:nvPr>
         </p:nvSpPr>
-        <p:spPr/>
-        <p:txBody>
-          <a:bodyPr/>
-          <a:lstStyle/>
+        <p:spPr>
+          <a:xfrm>
+            <a:off x="9830683" y="6453386"/>
+            <a:ext cx="1596292" cy="404614"/>
+          </a:xfrm>
+        </p:spPr>
+        <p:txBody>
+          <a:bodyPr/>
+          <a:lstStyle>
+            <a:lvl1pPr>
+              <a:defRPr baseline="0">
+                <a:solidFill>
+                  <a:schemeClr val="tx2"/>
+                </a:solidFill>
+              </a:defRPr>
+            </a:lvl1pPr>
+          </a:lstStyle>
           <a:p>
             <a:fld id="{8C90825E-1A98-49B7-BED2-7D93B15E781F}" type="slidenum">
               <a:rPr lang="de-AT" smtClean="0"/>
@@ -1367,15 +1402,144 @@
           </a:p>
         </p:txBody>
       </p:sp>
+      <p:grpSp>
+        <p:nvGrpSpPr>
+          <p:cNvPr id="7" name="Group 6"/>
+          <p:cNvGrpSpPr/>
+          <p:nvPr/>
+        </p:nvGrpSpPr>
+        <p:grpSpPr>
+          <a:xfrm>
+            <a:off x="752858" y="744469"/>
+            <a:ext cx="10674117" cy="5349671"/>
+            <a:chOff x="752858" y="744469"/>
+            <a:chExt cx="10674117" cy="5349671"/>
+          </a:xfrm>
+        </p:grpSpPr>
+        <p:sp>
+          <p:nvSpPr>
+            <p:cNvPr id="11" name="Freeform 6"/>
+            <p:cNvSpPr/>
+            <p:nvPr/>
+          </p:nvSpPr>
+          <p:spPr bwMode="auto">
+            <a:xfrm>
+              <a:off x="8151962" y="1685652"/>
+              <a:ext cx="3275013" cy="4408488"/>
+            </a:xfrm>
+            <a:custGeom>
+              <a:avLst/>
+              <a:gdLst/>
+              <a:ahLst/>
+              <a:cxnLst/>
+              <a:rect l="l" t="t" r="r" b="b"/>
+              <a:pathLst>
+                <a:path w="10000" h="10000">
+                  <a:moveTo>
+                    <a:pt x="8761" y="0"/>
+                  </a:moveTo>
+                  <a:lnTo>
+                    <a:pt x="10000" y="0"/>
+                  </a:lnTo>
+                  <a:lnTo>
+                    <a:pt x="10000" y="10000"/>
+                  </a:lnTo>
+                  <a:lnTo>
+                    <a:pt x="0" y="10000"/>
+                  </a:lnTo>
+                  <a:lnTo>
+                    <a:pt x="0" y="9126"/>
+                  </a:lnTo>
+                  <a:lnTo>
+                    <a:pt x="8761" y="9127"/>
+                  </a:lnTo>
+                  <a:lnTo>
+                    <a:pt x="8761" y="0"/>
+                  </a:lnTo>
+                  <a:close/>
+                </a:path>
+              </a:pathLst>
+            </a:custGeom>
+            <a:solidFill>
+              <a:schemeClr val="tx2"/>
+            </a:solidFill>
+            <a:ln w="0">
+              <a:noFill/>
+              <a:prstDash val="solid"/>
+              <a:round/>
+              <a:headEnd/>
+              <a:tailEnd/>
+            </a:ln>
+          </p:spPr>
+        </p:sp>
+        <p:sp>
+          <p:nvSpPr>
+            <p:cNvPr id="14" name="Freeform 6"/>
+            <p:cNvSpPr/>
+            <p:nvPr/>
+          </p:nvSpPr>
+          <p:spPr bwMode="auto">
+            <a:xfrm flipH="1" flipV="1">
+              <a:off x="752858" y="744469"/>
+              <a:ext cx="3275668" cy="4408488"/>
+            </a:xfrm>
+            <a:custGeom>
+              <a:avLst/>
+              <a:gdLst/>
+              <a:ahLst/>
+              <a:cxnLst/>
+              <a:rect l="l" t="t" r="r" b="b"/>
+              <a:pathLst>
+                <a:path w="10002" h="10000">
+                  <a:moveTo>
+                    <a:pt x="8763" y="0"/>
+                  </a:moveTo>
+                  <a:lnTo>
+                    <a:pt x="10002" y="0"/>
+                  </a:lnTo>
+                  <a:lnTo>
+                    <a:pt x="10002" y="10000"/>
+                  </a:lnTo>
+                  <a:lnTo>
+                    <a:pt x="2" y="10000"/>
+                  </a:lnTo>
+                  <a:cubicBezTo>
+                    <a:pt x="-2" y="9698"/>
+                    <a:pt x="4" y="9427"/>
+                    <a:pt x="0" y="9125"/>
+                  </a:cubicBezTo>
+                  <a:lnTo>
+                    <a:pt x="8763" y="9128"/>
+                  </a:lnTo>
+                  <a:lnTo>
+                    <a:pt x="8763" y="0"/>
+                  </a:lnTo>
+                  <a:close/>
+                </a:path>
+              </a:pathLst>
+            </a:custGeom>
+            <a:solidFill>
+              <a:schemeClr val="tx2"/>
+            </a:solidFill>
+            <a:ln w="0">
+              <a:noFill/>
+              <a:prstDash val="solid"/>
+              <a:round/>
+              <a:headEnd/>
+              <a:tailEnd/>
+            </a:ln>
+          </p:spPr>
+        </p:sp>
+      </p:grpSp>
     </p:spTree>
     <p:extLst>
       <p:ext uri="{BB962C8B-B14F-4D97-AF65-F5344CB8AC3E}">
-        <p14:creationId xmlns:p14="http://schemas.microsoft.com/office/powerpoint/2010/main" val="2771768617"/>
+        <p14:creationId xmlns:p14="http://schemas.microsoft.com/office/powerpoint/2010/main" val="146247845"/>
       </p:ext>
     </p:extLst>
   </p:cSld>
   <p:clrMapOvr>
-    <a:masterClrMapping/>
+    <a:overrideClrMapping bg1="lt1" tx1="dk1" bg2="lt2" tx2="dk2" accent1="accent1" accent2="accent2" accent3="accent3" accent4="accent4" accent5="accent5" accent6="accent6" hlink="hlink" folHlink="folHlink"/>
   </p:clrMapOvr>
 </p:sldLayout>
 </file>
@@ -1399,13 +1563,7 @@
       </p:grpSpPr>
       <p:sp>
         <p:nvSpPr>
-          <p:cNvPr id="2" name="Titel 1">
-            <a:extLst>
-              <a:ext uri="{FF2B5EF4-FFF2-40B4-BE49-F238E27FC236}">
-                <a16:creationId xmlns:a16="http://schemas.microsoft.com/office/drawing/2014/main" id="{50323399-6900-4ECA-ADFD-074D999D245B}"/>
-              </a:ext>
-            </a:extLst>
-          </p:cNvPr>
+          <p:cNvPr id="2" name="Title 1"/>
           <p:cNvSpPr>
             <a:spLocks noGrp="1"/>
           </p:cNvSpPr>
@@ -1422,19 +1580,13 @@
               <a:rPr lang="de-DE"/>
               <a:t>Mastertitelformat bearbeiten</a:t>
             </a:r>
-            <a:endParaRPr lang="de-AT"/>
-          </a:p>
-        </p:txBody>
-      </p:sp>
-      <p:sp>
-        <p:nvSpPr>
-          <p:cNvPr id="3" name="Vertikaler Textplatzhalter 2">
-            <a:extLst>
-              <a:ext uri="{FF2B5EF4-FFF2-40B4-BE49-F238E27FC236}">
-                <a16:creationId xmlns:a16="http://schemas.microsoft.com/office/drawing/2014/main" id="{88628D06-9237-41D3-8826-330AE517B6C8}"/>
-              </a:ext>
-            </a:extLst>
-          </p:cNvPr>
+            <a:endParaRPr lang="en-US" dirty="0"/>
+          </a:p>
+        </p:txBody>
+      </p:sp>
+      <p:sp>
+        <p:nvSpPr>
+          <p:cNvPr id="3" name="Vertical Text Placeholder 2"/>
           <p:cNvSpPr>
             <a:spLocks noGrp="1"/>
           </p:cNvSpPr>
@@ -1442,7 +1594,12 @@
             <p:ph type="body" orient="vert" idx="1"/>
           </p:nvPr>
         </p:nvSpPr>
-        <p:spPr/>
+        <p:spPr>
+          <a:xfrm>
+            <a:off x="1371600" y="2295525"/>
+            <a:ext cx="9601200" cy="3571875"/>
+          </a:xfrm>
+        </p:spPr>
         <p:txBody>
           <a:bodyPr vert="eaVert"/>
           <a:lstStyle/>
@@ -1480,19 +1637,13 @@
               <a:rPr lang="de-DE"/>
               <a:t>Fünfte Ebene</a:t>
             </a:r>
-            <a:endParaRPr lang="de-AT"/>
-          </a:p>
-        </p:txBody>
-      </p:sp>
-      <p:sp>
-        <p:nvSpPr>
-          <p:cNvPr id="4" name="Datumsplatzhalter 3">
-            <a:extLst>
-              <a:ext uri="{FF2B5EF4-FFF2-40B4-BE49-F238E27FC236}">
-                <a16:creationId xmlns:a16="http://schemas.microsoft.com/office/drawing/2014/main" id="{764380AB-3720-4FFE-BEFD-3F3347EE875E}"/>
-              </a:ext>
-            </a:extLst>
-          </p:cNvPr>
+            <a:endParaRPr lang="en-US" dirty="0"/>
+          </a:p>
+        </p:txBody>
+      </p:sp>
+      <p:sp>
+        <p:nvSpPr>
+          <p:cNvPr id="4" name="Date Placeholder 3"/>
           <p:cNvSpPr>
             <a:spLocks noGrp="1"/>
           </p:cNvSpPr>
@@ -1507,7 +1658,7 @@
           <a:p>
             <a:fld id="{93EC8732-2F66-47E8-AAF3-8EC162126838}" type="datetimeFigureOut">
               <a:rPr lang="de-AT" smtClean="0"/>
-              <a:t>15.06.2020</a:t>
+              <a:t>23.06.2020</a:t>
             </a:fld>
             <a:endParaRPr lang="de-AT"/>
           </a:p>
@@ -1515,13 +1666,7 @@
       </p:sp>
       <p:sp>
         <p:nvSpPr>
-          <p:cNvPr id="5" name="Fußzeilenplatzhalter 4">
-            <a:extLst>
-              <a:ext uri="{FF2B5EF4-FFF2-40B4-BE49-F238E27FC236}">
-                <a16:creationId xmlns:a16="http://schemas.microsoft.com/office/drawing/2014/main" id="{EF0BB1D0-8B36-4130-863F-94785A94DE02}"/>
-              </a:ext>
-            </a:extLst>
-          </p:cNvPr>
+          <p:cNvPr id="5" name="Footer Placeholder 4"/>
           <p:cNvSpPr>
             <a:spLocks noGrp="1"/>
           </p:cNvSpPr>
@@ -1540,13 +1685,7 @@
       </p:sp>
       <p:sp>
         <p:nvSpPr>
-          <p:cNvPr id="6" name="Foliennummernplatzhalter 5">
-            <a:extLst>
-              <a:ext uri="{FF2B5EF4-FFF2-40B4-BE49-F238E27FC236}">
-                <a16:creationId xmlns:a16="http://schemas.microsoft.com/office/drawing/2014/main" id="{9D50A7E7-E028-4B56-BB8D-2E49DDB416DA}"/>
-              </a:ext>
-            </a:extLst>
-          </p:cNvPr>
+          <p:cNvPr id="6" name="Slide Number Placeholder 5"/>
           <p:cNvSpPr>
             <a:spLocks noGrp="1"/>
           </p:cNvSpPr>
@@ -1570,7 +1709,7 @@
     </p:spTree>
     <p:extLst>
       <p:ext uri="{BB962C8B-B14F-4D97-AF65-F5344CB8AC3E}">
-        <p14:creationId xmlns:p14="http://schemas.microsoft.com/office/powerpoint/2010/main" val="4157743831"/>
+        <p14:creationId xmlns:p14="http://schemas.microsoft.com/office/powerpoint/2010/main" val="3230984924"/>
       </p:ext>
     </p:extLst>
   </p:cSld>
@@ -1599,13 +1738,7 @@
       </p:grpSpPr>
       <p:sp>
         <p:nvSpPr>
-          <p:cNvPr id="2" name="Vertikaler Titel 1">
-            <a:extLst>
-              <a:ext uri="{FF2B5EF4-FFF2-40B4-BE49-F238E27FC236}">
-                <a16:creationId xmlns:a16="http://schemas.microsoft.com/office/drawing/2014/main" id="{EB30F136-4D99-4556-BE1E-0424EA5A3090}"/>
-              </a:ext>
-            </a:extLst>
-          </p:cNvPr>
+          <p:cNvPr id="2" name="Vertical Title 1"/>
           <p:cNvSpPr>
             <a:spLocks noGrp="1"/>
           </p:cNvSpPr>
@@ -1615,8 +1748,8 @@
         </p:nvSpPr>
         <p:spPr>
           <a:xfrm>
-            <a:off x="8724900" y="365125"/>
-            <a:ext cx="2628900" cy="5811838"/>
+            <a:off x="9596561" y="624156"/>
+            <a:ext cx="1565766" cy="5243244"/>
           </a:xfrm>
         </p:spPr>
         <p:txBody>
@@ -1627,19 +1760,13 @@
               <a:rPr lang="de-DE"/>
               <a:t>Mastertitelformat bearbeiten</a:t>
             </a:r>
-            <a:endParaRPr lang="de-AT"/>
-          </a:p>
-        </p:txBody>
-      </p:sp>
-      <p:sp>
-        <p:nvSpPr>
-          <p:cNvPr id="3" name="Vertikaler Textplatzhalter 2">
-            <a:extLst>
-              <a:ext uri="{FF2B5EF4-FFF2-40B4-BE49-F238E27FC236}">
-                <a16:creationId xmlns:a16="http://schemas.microsoft.com/office/drawing/2014/main" id="{E617CD38-C96A-4BA5-916E-D02A597197E9}"/>
-              </a:ext>
-            </a:extLst>
-          </p:cNvPr>
+            <a:endParaRPr lang="en-US" dirty="0"/>
+          </a:p>
+        </p:txBody>
+      </p:sp>
+      <p:sp>
+        <p:nvSpPr>
+          <p:cNvPr id="3" name="Vertical Text Placeholder 2"/>
           <p:cNvSpPr>
             <a:spLocks noGrp="1"/>
           </p:cNvSpPr>
@@ -1649,8 +1776,8 @@
         </p:nvSpPr>
         <p:spPr>
           <a:xfrm>
-            <a:off x="838200" y="365125"/>
-            <a:ext cx="7734300" cy="5811838"/>
+            <a:off x="1371600" y="624156"/>
+            <a:ext cx="8179641" cy="5243244"/>
           </a:xfrm>
         </p:spPr>
         <p:txBody>
@@ -1690,19 +1817,13 @@
               <a:rPr lang="de-DE"/>
               <a:t>Fünfte Ebene</a:t>
             </a:r>
-            <a:endParaRPr lang="de-AT"/>
-          </a:p>
-        </p:txBody>
-      </p:sp>
-      <p:sp>
-        <p:nvSpPr>
-          <p:cNvPr id="4" name="Datumsplatzhalter 3">
-            <a:extLst>
-              <a:ext uri="{FF2B5EF4-FFF2-40B4-BE49-F238E27FC236}">
-                <a16:creationId xmlns:a16="http://schemas.microsoft.com/office/drawing/2014/main" id="{BBD47ABE-78DF-4748-B275-994FECE64A55}"/>
-              </a:ext>
-            </a:extLst>
-          </p:cNvPr>
+            <a:endParaRPr lang="en-US" dirty="0"/>
+          </a:p>
+        </p:txBody>
+      </p:sp>
+      <p:sp>
+        <p:nvSpPr>
+          <p:cNvPr id="4" name="Date Placeholder 3"/>
           <p:cNvSpPr>
             <a:spLocks noGrp="1"/>
           </p:cNvSpPr>
@@ -1717,7 +1838,7 @@
           <a:p>
             <a:fld id="{93EC8732-2F66-47E8-AAF3-8EC162126838}" type="datetimeFigureOut">
               <a:rPr lang="de-AT" smtClean="0"/>
-              <a:t>15.06.2020</a:t>
+              <a:t>23.06.2020</a:t>
             </a:fld>
             <a:endParaRPr lang="de-AT"/>
           </a:p>
@@ -1725,13 +1846,7 @@
       </p:sp>
       <p:sp>
         <p:nvSpPr>
-          <p:cNvPr id="5" name="Fußzeilenplatzhalter 4">
-            <a:extLst>
-              <a:ext uri="{FF2B5EF4-FFF2-40B4-BE49-F238E27FC236}">
-                <a16:creationId xmlns:a16="http://schemas.microsoft.com/office/drawing/2014/main" id="{9B1C6515-DBD4-4FC5-B3B3-6690E0CC5F4C}"/>
-              </a:ext>
-            </a:extLst>
-          </p:cNvPr>
+          <p:cNvPr id="5" name="Footer Placeholder 4"/>
           <p:cNvSpPr>
             <a:spLocks noGrp="1"/>
           </p:cNvSpPr>
@@ -1750,13 +1865,7 @@
       </p:sp>
       <p:sp>
         <p:nvSpPr>
-          <p:cNvPr id="6" name="Foliennummernplatzhalter 5">
-            <a:extLst>
-              <a:ext uri="{FF2B5EF4-FFF2-40B4-BE49-F238E27FC236}">
-                <a16:creationId xmlns:a16="http://schemas.microsoft.com/office/drawing/2014/main" id="{B205240C-FDBF-4F7E-8770-107F890A11C7}"/>
-              </a:ext>
-            </a:extLst>
-          </p:cNvPr>
+          <p:cNvPr id="6" name="Slide Number Placeholder 5"/>
           <p:cNvSpPr>
             <a:spLocks noGrp="1"/>
           </p:cNvSpPr>
@@ -1780,7 +1889,7 @@
     </p:spTree>
     <p:extLst>
       <p:ext uri="{BB962C8B-B14F-4D97-AF65-F5344CB8AC3E}">
-        <p14:creationId xmlns:p14="http://schemas.microsoft.com/office/powerpoint/2010/main" val="526458427"/>
+        <p14:creationId xmlns:p14="http://schemas.microsoft.com/office/powerpoint/2010/main" val="2858308298"/>
       </p:ext>
     </p:extLst>
   </p:cSld>
@@ -1809,13 +1918,7 @@
       </p:grpSpPr>
       <p:sp>
         <p:nvSpPr>
-          <p:cNvPr id="2" name="Titel 1">
-            <a:extLst>
-              <a:ext uri="{FF2B5EF4-FFF2-40B4-BE49-F238E27FC236}">
-                <a16:creationId xmlns:a16="http://schemas.microsoft.com/office/drawing/2014/main" id="{1CABFCC0-83A2-429C-B54A-35F3BE761E57}"/>
-              </a:ext>
-            </a:extLst>
-          </p:cNvPr>
+          <p:cNvPr id="2" name="Title 1"/>
           <p:cNvSpPr>
             <a:spLocks noGrp="1"/>
           </p:cNvSpPr>
@@ -1832,19 +1935,13 @@
               <a:rPr lang="de-DE"/>
               <a:t>Mastertitelformat bearbeiten</a:t>
             </a:r>
-            <a:endParaRPr lang="de-AT"/>
-          </a:p>
-        </p:txBody>
-      </p:sp>
-      <p:sp>
-        <p:nvSpPr>
-          <p:cNvPr id="3" name="Inhaltsplatzhalter 2">
-            <a:extLst>
-              <a:ext uri="{FF2B5EF4-FFF2-40B4-BE49-F238E27FC236}">
-                <a16:creationId xmlns:a16="http://schemas.microsoft.com/office/drawing/2014/main" id="{FEB21819-A3CC-48BF-B036-DAEA36F1E12E}"/>
-              </a:ext>
-            </a:extLst>
-          </p:cNvPr>
+            <a:endParaRPr lang="en-US" dirty="0"/>
+          </a:p>
+        </p:txBody>
+      </p:sp>
+      <p:sp>
+        <p:nvSpPr>
+          <p:cNvPr id="3" name="Content Placeholder 2"/>
           <p:cNvSpPr>
             <a:spLocks noGrp="1"/>
           </p:cNvSpPr>
@@ -1890,19 +1987,13 @@
               <a:rPr lang="de-DE"/>
               <a:t>Fünfte Ebene</a:t>
             </a:r>
-            <a:endParaRPr lang="de-AT"/>
-          </a:p>
-        </p:txBody>
-      </p:sp>
-      <p:sp>
-        <p:nvSpPr>
-          <p:cNvPr id="4" name="Datumsplatzhalter 3">
-            <a:extLst>
-              <a:ext uri="{FF2B5EF4-FFF2-40B4-BE49-F238E27FC236}">
-                <a16:creationId xmlns:a16="http://schemas.microsoft.com/office/drawing/2014/main" id="{0C344248-5965-4E8C-8F58-6E300965233A}"/>
-              </a:ext>
-            </a:extLst>
-          </p:cNvPr>
+            <a:endParaRPr lang="en-US" dirty="0"/>
+          </a:p>
+        </p:txBody>
+      </p:sp>
+      <p:sp>
+        <p:nvSpPr>
+          <p:cNvPr id="4" name="Date Placeholder 3"/>
           <p:cNvSpPr>
             <a:spLocks noGrp="1"/>
           </p:cNvSpPr>
@@ -1917,7 +2008,7 @@
           <a:p>
             <a:fld id="{93EC8732-2F66-47E8-AAF3-8EC162126838}" type="datetimeFigureOut">
               <a:rPr lang="de-AT" smtClean="0"/>
-              <a:t>15.06.2020</a:t>
+              <a:t>23.06.2020</a:t>
             </a:fld>
             <a:endParaRPr lang="de-AT"/>
           </a:p>
@@ -1925,13 +2016,7 @@
       </p:sp>
       <p:sp>
         <p:nvSpPr>
-          <p:cNvPr id="5" name="Fußzeilenplatzhalter 4">
-            <a:extLst>
-              <a:ext uri="{FF2B5EF4-FFF2-40B4-BE49-F238E27FC236}">
-                <a16:creationId xmlns:a16="http://schemas.microsoft.com/office/drawing/2014/main" id="{10206B87-D8C4-4474-A5A5-7BB6456DE055}"/>
-              </a:ext>
-            </a:extLst>
-          </p:cNvPr>
+          <p:cNvPr id="5" name="Footer Placeholder 4"/>
           <p:cNvSpPr>
             <a:spLocks noGrp="1"/>
           </p:cNvSpPr>
@@ -1950,13 +2035,7 @@
       </p:sp>
       <p:sp>
         <p:nvSpPr>
-          <p:cNvPr id="6" name="Foliennummernplatzhalter 5">
-            <a:extLst>
-              <a:ext uri="{FF2B5EF4-FFF2-40B4-BE49-F238E27FC236}">
-                <a16:creationId xmlns:a16="http://schemas.microsoft.com/office/drawing/2014/main" id="{1BDE391C-7AB3-49D4-99FD-8596E9CFFE3D}"/>
-              </a:ext>
-            </a:extLst>
-          </p:cNvPr>
+          <p:cNvPr id="6" name="Slide Number Placeholder 5"/>
           <p:cNvSpPr>
             <a:spLocks noGrp="1"/>
           </p:cNvSpPr>
@@ -1980,7 +2059,7 @@
     </p:spTree>
     <p:extLst>
       <p:ext uri="{BB962C8B-B14F-4D97-AF65-F5344CB8AC3E}">
-        <p14:creationId xmlns:p14="http://schemas.microsoft.com/office/powerpoint/2010/main" val="2705046595"/>
+        <p14:creationId xmlns:p14="http://schemas.microsoft.com/office/powerpoint/2010/main" val="2547666823"/>
       </p:ext>
     </p:extLst>
   </p:cSld>
@@ -1991,8 +2070,13 @@
 </file>
 
 <file path=ppt/slideLayouts/slideLayout3.xml><?xml version="1.0" encoding="utf-8"?>
-<p:sldLayout xmlns:a="http://schemas.openxmlformats.org/drawingml/2006/main" xmlns:r="http://schemas.openxmlformats.org/officeDocument/2006/relationships" xmlns:p="http://schemas.openxmlformats.org/presentationml/2006/main" type="secHead" preserve="1">
+<p:sldLayout xmlns:a="http://schemas.openxmlformats.org/drawingml/2006/main" xmlns:r="http://schemas.openxmlformats.org/officeDocument/2006/relationships" xmlns:p="http://schemas.openxmlformats.org/presentationml/2006/main" showMasterSp="0" type="secHead" preserve="1">
   <p:cSld name="Abschnitts-&#10;überschrift">
+    <p:bg>
+      <p:bgRef idx="1001">
+        <a:schemeClr val="bg2"/>
+      </p:bgRef>
+    </p:bg>
     <p:spTree>
       <p:nvGrpSpPr>
         <p:cNvPr id="1" name=""/>
@@ -2009,13 +2093,7 @@
       </p:grpSpPr>
       <p:sp>
         <p:nvSpPr>
-          <p:cNvPr id="2" name="Titel 1">
-            <a:extLst>
-              <a:ext uri="{FF2B5EF4-FFF2-40B4-BE49-F238E27FC236}">
-                <a16:creationId xmlns:a16="http://schemas.microsoft.com/office/drawing/2014/main" id="{95D48DE3-1AA1-4E4E-8504-B2FD1F586C45}"/>
-              </a:ext>
-            </a:extLst>
-          </p:cNvPr>
+          <p:cNvPr id="2" name="Title 1"/>
           <p:cNvSpPr>
             <a:spLocks noGrp="1"/>
           </p:cNvSpPr>
@@ -2025,15 +2103,21 @@
         </p:nvSpPr>
         <p:spPr>
           <a:xfrm>
-            <a:off x="831850" y="1709738"/>
-            <a:ext cx="10515600" cy="2852737"/>
+            <a:off x="765025" y="1301360"/>
+            <a:ext cx="9612971" cy="2852737"/>
           </a:xfrm>
         </p:spPr>
         <p:txBody>
-          <a:bodyPr anchor="b"/>
+          <a:bodyPr anchor="b">
+            <a:normAutofit/>
+          </a:bodyPr>
           <a:lstStyle>
-            <a:lvl1pPr>
-              <a:defRPr sz="6000"/>
+            <a:lvl1pPr algn="r">
+              <a:defRPr sz="7200" cap="all" baseline="0">
+                <a:solidFill>
+                  <a:schemeClr val="tx2"/>
+                </a:solidFill>
+              </a:defRPr>
             </a:lvl1pPr>
           </a:lstStyle>
           <a:p>
@@ -2041,19 +2125,13 @@
               <a:rPr lang="de-DE"/>
               <a:t>Mastertitelformat bearbeiten</a:t>
             </a:r>
-            <a:endParaRPr lang="de-AT"/>
-          </a:p>
-        </p:txBody>
-      </p:sp>
-      <p:sp>
-        <p:nvSpPr>
-          <p:cNvPr id="3" name="Textplatzhalter 2">
-            <a:extLst>
-              <a:ext uri="{FF2B5EF4-FFF2-40B4-BE49-F238E27FC236}">
-                <a16:creationId xmlns:a16="http://schemas.microsoft.com/office/drawing/2014/main" id="{0CD9ED17-398B-48B8-885D-1EBE7C23FE64}"/>
-              </a:ext>
-            </a:extLst>
-          </p:cNvPr>
+            <a:endParaRPr lang="en-US" dirty="0"/>
+          </a:p>
+        </p:txBody>
+      </p:sp>
+      <p:sp>
+        <p:nvSpPr>
+          <p:cNvPr id="3" name="Text Placeholder 2"/>
           <p:cNvSpPr>
             <a:spLocks noGrp="1"/>
           </p:cNvSpPr>
@@ -2063,20 +2141,27 @@
         </p:nvSpPr>
         <p:spPr>
           <a:xfrm>
-            <a:off x="831850" y="4589463"/>
-            <a:ext cx="10515600" cy="1500187"/>
+            <a:off x="765025" y="4216328"/>
+            <a:ext cx="9612971" cy="1143324"/>
           </a:xfrm>
         </p:spPr>
         <p:txBody>
           <a:bodyPr/>
           <a:lstStyle>
-            <a:lvl1pPr marL="0" indent="0">
+            <a:lvl1pPr marL="0" indent="0" algn="r">
+              <a:lnSpc>
+                <a:spcPct val="112000"/>
+              </a:lnSpc>
+              <a:spcBef>
+                <a:spcPts val="0"/>
+              </a:spcBef>
+              <a:spcAft>
+                <a:spcPts val="0"/>
+              </a:spcAft>
               <a:buNone/>
               <a:defRPr sz="2400">
                 <a:solidFill>
-                  <a:schemeClr val="tx1">
-                    <a:tint val="75000"/>
-                  </a:schemeClr>
+                  <a:schemeClr val="tx2"/>
                 </a:solidFill>
               </a:defRPr>
             </a:lvl1pPr>
@@ -2172,13 +2257,7 @@
       </p:sp>
       <p:sp>
         <p:nvSpPr>
-          <p:cNvPr id="4" name="Datumsplatzhalter 3">
-            <a:extLst>
-              <a:ext uri="{FF2B5EF4-FFF2-40B4-BE49-F238E27FC236}">
-                <a16:creationId xmlns:a16="http://schemas.microsoft.com/office/drawing/2014/main" id="{7CC15AD4-A5C8-4379-B332-C3718D4692D7}"/>
-              </a:ext>
-            </a:extLst>
-          </p:cNvPr>
+          <p:cNvPr id="4" name="Date Placeholder 3"/>
           <p:cNvSpPr>
             <a:spLocks noGrp="1"/>
           </p:cNvSpPr>
@@ -2186,14 +2265,27 @@
             <p:ph type="dt" sz="half" idx="10"/>
           </p:nvPr>
         </p:nvSpPr>
-        <p:spPr/>
-        <p:txBody>
-          <a:bodyPr/>
-          <a:lstStyle/>
+        <p:spPr>
+          <a:xfrm>
+            <a:off x="738908" y="6453386"/>
+            <a:ext cx="1622409" cy="404614"/>
+          </a:xfrm>
+        </p:spPr>
+        <p:txBody>
+          <a:bodyPr/>
+          <a:lstStyle>
+            <a:lvl1pPr>
+              <a:defRPr>
+                <a:solidFill>
+                  <a:schemeClr val="tx2"/>
+                </a:solidFill>
+              </a:defRPr>
+            </a:lvl1pPr>
+          </a:lstStyle>
           <a:p>
             <a:fld id="{93EC8732-2F66-47E8-AAF3-8EC162126838}" type="datetimeFigureOut">
               <a:rPr lang="de-AT" smtClean="0"/>
-              <a:t>15.06.2020</a:t>
+              <a:t>23.06.2020</a:t>
             </a:fld>
             <a:endParaRPr lang="de-AT"/>
           </a:p>
@@ -2201,13 +2293,7 @@
       </p:sp>
       <p:sp>
         <p:nvSpPr>
-          <p:cNvPr id="5" name="Fußzeilenplatzhalter 4">
-            <a:extLst>
-              <a:ext uri="{FF2B5EF4-FFF2-40B4-BE49-F238E27FC236}">
-                <a16:creationId xmlns:a16="http://schemas.microsoft.com/office/drawing/2014/main" id="{FB5F5899-8467-4539-8D6A-42EA2C2796FB}"/>
-              </a:ext>
-            </a:extLst>
-          </p:cNvPr>
+          <p:cNvPr id="5" name="Footer Placeholder 4"/>
           <p:cNvSpPr>
             <a:spLocks noGrp="1"/>
           </p:cNvSpPr>
@@ -2215,10 +2301,23 @@
             <p:ph type="ftr" sz="quarter" idx="11"/>
           </p:nvPr>
         </p:nvSpPr>
-        <p:spPr/>
-        <p:txBody>
-          <a:bodyPr/>
-          <a:lstStyle/>
+        <p:spPr>
+          <a:xfrm>
+            <a:off x="2584312" y="6453386"/>
+            <a:ext cx="7023377" cy="404614"/>
+          </a:xfrm>
+        </p:spPr>
+        <p:txBody>
+          <a:bodyPr/>
+          <a:lstStyle>
+            <a:lvl1pPr algn="ctr">
+              <a:defRPr>
+                <a:solidFill>
+                  <a:schemeClr val="tx2"/>
+                </a:solidFill>
+              </a:defRPr>
+            </a:lvl1pPr>
+          </a:lstStyle>
           <a:p>
             <a:endParaRPr lang="de-AT"/>
           </a:p>
@@ -2226,13 +2325,7 @@
       </p:sp>
       <p:sp>
         <p:nvSpPr>
-          <p:cNvPr id="6" name="Foliennummernplatzhalter 5">
-            <a:extLst>
-              <a:ext uri="{FF2B5EF4-FFF2-40B4-BE49-F238E27FC236}">
-                <a16:creationId xmlns:a16="http://schemas.microsoft.com/office/drawing/2014/main" id="{96979D49-3F96-402C-B397-CE51051235B2}"/>
-              </a:ext>
-            </a:extLst>
-          </p:cNvPr>
+          <p:cNvPr id="6" name="Slide Number Placeholder 5"/>
           <p:cNvSpPr>
             <a:spLocks noGrp="1"/>
           </p:cNvSpPr>
@@ -2240,10 +2333,23 @@
             <p:ph type="sldNum" sz="quarter" idx="12"/>
           </p:nvPr>
         </p:nvSpPr>
-        <p:spPr/>
-        <p:txBody>
-          <a:bodyPr/>
-          <a:lstStyle/>
+        <p:spPr>
+          <a:xfrm>
+            <a:off x="9830683" y="6453386"/>
+            <a:ext cx="1596292" cy="404614"/>
+          </a:xfrm>
+        </p:spPr>
+        <p:txBody>
+          <a:bodyPr/>
+          <a:lstStyle>
+            <a:lvl1pPr>
+              <a:defRPr>
+                <a:solidFill>
+                  <a:schemeClr val="tx2"/>
+                </a:solidFill>
+              </a:defRPr>
+            </a:lvl1pPr>
+          </a:lstStyle>
           <a:p>
             <a:fld id="{8C90825E-1A98-49B7-BED2-7D93B15E781F}" type="slidenum">
               <a:rPr lang="de-AT" smtClean="0"/>
@@ -2253,15 +2359,71 @@
           </a:p>
         </p:txBody>
       </p:sp>
+      <p:sp>
+        <p:nvSpPr>
+          <p:cNvPr id="7" name="Freeform 6" title="Crop Mark"/>
+          <p:cNvSpPr/>
+          <p:nvPr/>
+        </p:nvSpPr>
+        <p:spPr bwMode="auto">
+          <a:xfrm>
+            <a:off x="8151962" y="1685652"/>
+            <a:ext cx="3275013" cy="4408488"/>
+          </a:xfrm>
+          <a:custGeom>
+            <a:avLst/>
+            <a:gdLst/>
+            <a:ahLst/>
+            <a:cxnLst/>
+            <a:rect l="0" t="0" r="r" b="b"/>
+            <a:pathLst>
+              <a:path w="4125" h="5554">
+                <a:moveTo>
+                  <a:pt x="3614" y="0"/>
+                </a:moveTo>
+                <a:lnTo>
+                  <a:pt x="4125" y="0"/>
+                </a:lnTo>
+                <a:lnTo>
+                  <a:pt x="4125" y="5554"/>
+                </a:lnTo>
+                <a:lnTo>
+                  <a:pt x="0" y="5554"/>
+                </a:lnTo>
+                <a:lnTo>
+                  <a:pt x="0" y="5074"/>
+                </a:lnTo>
+                <a:lnTo>
+                  <a:pt x="3614" y="5074"/>
+                </a:lnTo>
+                <a:lnTo>
+                  <a:pt x="3614" y="0"/>
+                </a:lnTo>
+                <a:close/>
+              </a:path>
+            </a:pathLst>
+          </a:custGeom>
+          <a:solidFill>
+            <a:schemeClr val="tx2"/>
+          </a:solidFill>
+          <a:ln w="0">
+            <a:noFill/>
+            <a:prstDash val="solid"/>
+            <a:round/>
+            <a:headEnd/>
+            <a:tailEnd/>
+          </a:ln>
+        </p:spPr>
+      </p:sp>
     </p:spTree>
     <p:extLst>
       <p:ext uri="{BB962C8B-B14F-4D97-AF65-F5344CB8AC3E}">
-        <p14:creationId xmlns:p14="http://schemas.microsoft.com/office/powerpoint/2010/main" val="2060812440"/>
+        <p14:creationId xmlns:p14="http://schemas.microsoft.com/office/powerpoint/2010/main" val="414327473"/>
       </p:ext>
     </p:extLst>
   </p:cSld>
   <p:clrMapOvr>
-    <a:masterClrMapping/>
+    <a:overrideClrMapping bg1="dk1" tx1="lt1" bg2="dk2" tx2="lt2" accent1="accent1" accent2="accent2" accent3="accent3" accent4="accent4" accent5="accent5" accent6="accent6" hlink="hlink" folHlink="folHlink"/>
   </p:clrMapOvr>
 </p:sldLayout>
 </file>
@@ -2285,13 +2447,7 @@
       </p:grpSpPr>
       <p:sp>
         <p:nvSpPr>
-          <p:cNvPr id="2" name="Titel 1">
-            <a:extLst>
-              <a:ext uri="{FF2B5EF4-FFF2-40B4-BE49-F238E27FC236}">
-                <a16:creationId xmlns:a16="http://schemas.microsoft.com/office/drawing/2014/main" id="{D2B66039-78BA-4429-A8E9-B4B790B450CC}"/>
-              </a:ext>
-            </a:extLst>
-          </p:cNvPr>
+          <p:cNvPr id="2" name="Title 1"/>
           <p:cNvSpPr>
             <a:spLocks noGrp="1"/>
           </p:cNvSpPr>
@@ -2302,25 +2458,27 @@
         <p:spPr/>
         <p:txBody>
           <a:bodyPr/>
-          <a:lstStyle/>
+          <a:lstStyle>
+            <a:lvl1pPr>
+              <a:defRPr>
+                <a:solidFill>
+                  <a:schemeClr val="tx2"/>
+                </a:solidFill>
+              </a:defRPr>
+            </a:lvl1pPr>
+          </a:lstStyle>
           <a:p>
             <a:r>
               <a:rPr lang="de-DE"/>
               <a:t>Mastertitelformat bearbeiten</a:t>
             </a:r>
-            <a:endParaRPr lang="de-AT"/>
-          </a:p>
-        </p:txBody>
-      </p:sp>
-      <p:sp>
-        <p:nvSpPr>
-          <p:cNvPr id="3" name="Inhaltsplatzhalter 2">
-            <a:extLst>
-              <a:ext uri="{FF2B5EF4-FFF2-40B4-BE49-F238E27FC236}">
-                <a16:creationId xmlns:a16="http://schemas.microsoft.com/office/drawing/2014/main" id="{2171270D-6350-4FE7-A786-230B7995D7A8}"/>
-              </a:ext>
-            </a:extLst>
-          </p:cNvPr>
+            <a:endParaRPr lang="en-US" dirty="0"/>
+          </a:p>
+        </p:txBody>
+      </p:sp>
+      <p:sp>
+        <p:nvSpPr>
+          <p:cNvPr id="3" name="Content Placeholder 2"/>
           <p:cNvSpPr>
             <a:spLocks noGrp="1"/>
           </p:cNvSpPr>
@@ -2330,13 +2488,49 @@
         </p:nvSpPr>
         <p:spPr>
           <a:xfrm>
-            <a:off x="838200" y="1825625"/>
-            <a:ext cx="5181600" cy="4351338"/>
+            <a:off x="1371600" y="2285999"/>
+            <a:ext cx="4447786" cy="3581401"/>
           </a:xfrm>
         </p:spPr>
         <p:txBody>
           <a:bodyPr/>
-          <a:lstStyle/>
+          <a:lstStyle>
+            <a:lvl1pPr>
+              <a:defRPr baseline="0">
+                <a:solidFill>
+                  <a:schemeClr val="tx2"/>
+                </a:solidFill>
+              </a:defRPr>
+            </a:lvl1pPr>
+            <a:lvl2pPr>
+              <a:defRPr baseline="0">
+                <a:solidFill>
+                  <a:schemeClr val="tx2"/>
+                </a:solidFill>
+              </a:defRPr>
+            </a:lvl2pPr>
+            <a:lvl3pPr>
+              <a:defRPr baseline="0">
+                <a:solidFill>
+                  <a:schemeClr val="tx2"/>
+                </a:solidFill>
+              </a:defRPr>
+            </a:lvl3pPr>
+            <a:lvl4pPr>
+              <a:defRPr baseline="0">
+                <a:solidFill>
+                  <a:schemeClr val="tx2"/>
+                </a:solidFill>
+              </a:defRPr>
+            </a:lvl4pPr>
+            <a:lvl5pPr>
+              <a:defRPr baseline="0">
+                <a:solidFill>
+                  <a:schemeClr val="tx2"/>
+                </a:solidFill>
+              </a:defRPr>
+            </a:lvl5pPr>
+          </a:lstStyle>
           <a:p>
             <a:pPr lvl="0"/>
             <a:r>
@@ -2371,19 +2565,13 @@
               <a:rPr lang="de-DE"/>
               <a:t>Fünfte Ebene</a:t>
             </a:r>
-            <a:endParaRPr lang="de-AT"/>
-          </a:p>
-        </p:txBody>
-      </p:sp>
-      <p:sp>
-        <p:nvSpPr>
-          <p:cNvPr id="4" name="Inhaltsplatzhalter 3">
-            <a:extLst>
-              <a:ext uri="{FF2B5EF4-FFF2-40B4-BE49-F238E27FC236}">
-                <a16:creationId xmlns:a16="http://schemas.microsoft.com/office/drawing/2014/main" id="{FB6B216F-8B94-4A7C-959D-857C25257E91}"/>
-              </a:ext>
-            </a:extLst>
-          </p:cNvPr>
+            <a:endParaRPr lang="en-US" dirty="0"/>
+          </a:p>
+        </p:txBody>
+      </p:sp>
+      <p:sp>
+        <p:nvSpPr>
+          <p:cNvPr id="4" name="Content Placeholder 3"/>
           <p:cNvSpPr>
             <a:spLocks noGrp="1"/>
           </p:cNvSpPr>
@@ -2393,13 +2581,49 @@
         </p:nvSpPr>
         <p:spPr>
           <a:xfrm>
-            <a:off x="6172200" y="1825625"/>
-            <a:ext cx="5181600" cy="4351338"/>
+            <a:off x="6525403" y="2285999"/>
+            <a:ext cx="4447786" cy="3581401"/>
           </a:xfrm>
         </p:spPr>
         <p:txBody>
           <a:bodyPr/>
-          <a:lstStyle/>
+          <a:lstStyle>
+            <a:lvl1pPr>
+              <a:defRPr>
+                <a:solidFill>
+                  <a:schemeClr val="tx2"/>
+                </a:solidFill>
+              </a:defRPr>
+            </a:lvl1pPr>
+            <a:lvl2pPr>
+              <a:defRPr>
+                <a:solidFill>
+                  <a:schemeClr val="tx2"/>
+                </a:solidFill>
+              </a:defRPr>
+            </a:lvl2pPr>
+            <a:lvl3pPr>
+              <a:defRPr>
+                <a:solidFill>
+                  <a:schemeClr val="tx2"/>
+                </a:solidFill>
+              </a:defRPr>
+            </a:lvl3pPr>
+            <a:lvl4pPr>
+              <a:defRPr>
+                <a:solidFill>
+                  <a:schemeClr val="tx2"/>
+                </a:solidFill>
+              </a:defRPr>
+            </a:lvl4pPr>
+            <a:lvl5pPr>
+              <a:defRPr>
+                <a:solidFill>
+                  <a:schemeClr val="tx2"/>
+                </a:solidFill>
+              </a:defRPr>
+            </a:lvl5pPr>
+          </a:lstStyle>
           <a:p>
             <a:pPr lvl="0"/>
             <a:r>
@@ -2434,19 +2658,13 @@
               <a:rPr lang="de-DE"/>
               <a:t>Fünfte Ebene</a:t>
             </a:r>
-            <a:endParaRPr lang="de-AT"/>
-          </a:p>
-        </p:txBody>
-      </p:sp>
-      <p:sp>
-        <p:nvSpPr>
-          <p:cNvPr id="5" name="Datumsplatzhalter 4">
-            <a:extLst>
-              <a:ext uri="{FF2B5EF4-FFF2-40B4-BE49-F238E27FC236}">
-                <a16:creationId xmlns:a16="http://schemas.microsoft.com/office/drawing/2014/main" id="{96F5F108-8B29-464E-A99D-AB276660BBB5}"/>
-              </a:ext>
-            </a:extLst>
-          </p:cNvPr>
+            <a:endParaRPr lang="en-US" dirty="0"/>
+          </a:p>
+        </p:txBody>
+      </p:sp>
+      <p:sp>
+        <p:nvSpPr>
+          <p:cNvPr id="5" name="Date Placeholder 4"/>
           <p:cNvSpPr>
             <a:spLocks noGrp="1"/>
           </p:cNvSpPr>
@@ -2461,7 +2679,7 @@
           <a:p>
             <a:fld id="{93EC8732-2F66-47E8-AAF3-8EC162126838}" type="datetimeFigureOut">
               <a:rPr lang="de-AT" smtClean="0"/>
-              <a:t>15.06.2020</a:t>
+              <a:t>23.06.2020</a:t>
             </a:fld>
             <a:endParaRPr lang="de-AT"/>
           </a:p>
@@ -2469,13 +2687,7 @@
       </p:sp>
       <p:sp>
         <p:nvSpPr>
-          <p:cNvPr id="6" name="Fußzeilenplatzhalter 5">
-            <a:extLst>
-              <a:ext uri="{FF2B5EF4-FFF2-40B4-BE49-F238E27FC236}">
-                <a16:creationId xmlns:a16="http://schemas.microsoft.com/office/drawing/2014/main" id="{6D22565B-08F6-4132-ADFF-258F0791AB77}"/>
-              </a:ext>
-            </a:extLst>
-          </p:cNvPr>
+          <p:cNvPr id="6" name="Footer Placeholder 5"/>
           <p:cNvSpPr>
             <a:spLocks noGrp="1"/>
           </p:cNvSpPr>
@@ -2494,13 +2706,7 @@
       </p:sp>
       <p:sp>
         <p:nvSpPr>
-          <p:cNvPr id="7" name="Foliennummernplatzhalter 6">
-            <a:extLst>
-              <a:ext uri="{FF2B5EF4-FFF2-40B4-BE49-F238E27FC236}">
-                <a16:creationId xmlns:a16="http://schemas.microsoft.com/office/drawing/2014/main" id="{1E71B827-9E39-429C-9F62-7207A2DFA95A}"/>
-              </a:ext>
-            </a:extLst>
-          </p:cNvPr>
+          <p:cNvPr id="7" name="Slide Number Placeholder 6"/>
           <p:cNvSpPr>
             <a:spLocks noGrp="1"/>
           </p:cNvSpPr>
@@ -2524,7 +2730,7 @@
     </p:spTree>
     <p:extLst>
       <p:ext uri="{BB962C8B-B14F-4D97-AF65-F5344CB8AC3E}">
-        <p14:creationId xmlns:p14="http://schemas.microsoft.com/office/powerpoint/2010/main" val="576817672"/>
+        <p14:creationId xmlns:p14="http://schemas.microsoft.com/office/powerpoint/2010/main" val="927957468"/>
       </p:ext>
     </p:extLst>
   </p:cSld>
@@ -2553,13 +2759,7 @@
       </p:grpSpPr>
       <p:sp>
         <p:nvSpPr>
-          <p:cNvPr id="2" name="Titel 1">
-            <a:extLst>
-              <a:ext uri="{FF2B5EF4-FFF2-40B4-BE49-F238E27FC236}">
-                <a16:creationId xmlns:a16="http://schemas.microsoft.com/office/drawing/2014/main" id="{4A65F6AD-2A41-4CDD-A733-9A6E1B4CB6A9}"/>
-              </a:ext>
-            </a:extLst>
-          </p:cNvPr>
+          <p:cNvPr id="2" name="Title 1"/>
           <p:cNvSpPr>
             <a:spLocks noGrp="1"/>
           </p:cNvSpPr>
@@ -2569,31 +2769,33 @@
         </p:nvSpPr>
         <p:spPr>
           <a:xfrm>
-            <a:off x="839788" y="365125"/>
-            <a:ext cx="10515600" cy="1325563"/>
+            <a:off x="1371600" y="685800"/>
+            <a:ext cx="9601200" cy="1485900"/>
           </a:xfrm>
         </p:spPr>
         <p:txBody>
           <a:bodyPr/>
-          <a:lstStyle/>
+          <a:lstStyle>
+            <a:lvl1pPr>
+              <a:defRPr>
+                <a:solidFill>
+                  <a:schemeClr val="tx2"/>
+                </a:solidFill>
+              </a:defRPr>
+            </a:lvl1pPr>
+          </a:lstStyle>
           <a:p>
             <a:r>
               <a:rPr lang="de-DE"/>
               <a:t>Mastertitelformat bearbeiten</a:t>
             </a:r>
-            <a:endParaRPr lang="de-AT"/>
-          </a:p>
-        </p:txBody>
-      </p:sp>
-      <p:sp>
-        <p:nvSpPr>
-          <p:cNvPr id="3" name="Textplatzhalter 2">
-            <a:extLst>
-              <a:ext uri="{FF2B5EF4-FFF2-40B4-BE49-F238E27FC236}">
-                <a16:creationId xmlns:a16="http://schemas.microsoft.com/office/drawing/2014/main" id="{D8CA066D-41D3-4E1E-95BF-FA57C0D91BE6}"/>
-              </a:ext>
-            </a:extLst>
-          </p:cNvPr>
+            <a:endParaRPr lang="en-US" dirty="0"/>
+          </a:p>
+        </p:txBody>
+      </p:sp>
+      <p:sp>
+        <p:nvSpPr>
+          <p:cNvPr id="3" name="Text Placeholder 2"/>
           <p:cNvSpPr>
             <a:spLocks noGrp="1"/>
           </p:cNvSpPr>
@@ -2603,16 +2805,31 @@
         </p:nvSpPr>
         <p:spPr>
           <a:xfrm>
-            <a:off x="839788" y="1681163"/>
-            <a:ext cx="5157787" cy="823912"/>
+            <a:off x="1371600" y="2340864"/>
+            <a:ext cx="4443984" cy="823912"/>
           </a:xfrm>
         </p:spPr>
         <p:txBody>
-          <a:bodyPr anchor="b"/>
+          <a:bodyPr anchor="b">
+            <a:noAutofit/>
+          </a:bodyPr>
           <a:lstStyle>
             <a:lvl1pPr marL="0" indent="0">
+              <a:lnSpc>
+                <a:spcPct val="84000"/>
+              </a:lnSpc>
+              <a:spcBef>
+                <a:spcPts val="0"/>
+              </a:spcBef>
+              <a:spcAft>
+                <a:spcPts val="0"/>
+              </a:spcAft>
               <a:buNone/>
-              <a:defRPr sz="2400" b="1"/>
+              <a:defRPr sz="3000" b="0" baseline="0">
+                <a:solidFill>
+                  <a:schemeClr val="tx2"/>
+                </a:solidFill>
+              </a:defRPr>
             </a:lvl1pPr>
             <a:lvl2pPr marL="457200" indent="0">
               <a:buNone/>
@@ -2658,13 +2875,7 @@
       </p:sp>
       <p:sp>
         <p:nvSpPr>
-          <p:cNvPr id="4" name="Inhaltsplatzhalter 3">
-            <a:extLst>
-              <a:ext uri="{FF2B5EF4-FFF2-40B4-BE49-F238E27FC236}">
-                <a16:creationId xmlns:a16="http://schemas.microsoft.com/office/drawing/2014/main" id="{12B86608-5F5F-46A3-A6CC-E84ED54494AE}"/>
-              </a:ext>
-            </a:extLst>
-          </p:cNvPr>
+          <p:cNvPr id="4" name="Content Placeholder 3"/>
           <p:cNvSpPr>
             <a:spLocks noGrp="1"/>
           </p:cNvSpPr>
@@ -2674,13 +2885,49 @@
         </p:nvSpPr>
         <p:spPr>
           <a:xfrm>
-            <a:off x="839788" y="2505075"/>
-            <a:ext cx="5157787" cy="3684588"/>
+            <a:off x="1371600" y="3305207"/>
+            <a:ext cx="4443984" cy="2562193"/>
           </a:xfrm>
         </p:spPr>
         <p:txBody>
           <a:bodyPr/>
-          <a:lstStyle/>
+          <a:lstStyle>
+            <a:lvl1pPr>
+              <a:defRPr baseline="0">
+                <a:solidFill>
+                  <a:schemeClr val="tx2"/>
+                </a:solidFill>
+              </a:defRPr>
+            </a:lvl1pPr>
+            <a:lvl2pPr>
+              <a:defRPr baseline="0">
+                <a:solidFill>
+                  <a:schemeClr val="tx2"/>
+                </a:solidFill>
+              </a:defRPr>
+            </a:lvl2pPr>
+            <a:lvl3pPr>
+              <a:defRPr baseline="0">
+                <a:solidFill>
+                  <a:schemeClr val="tx2"/>
+                </a:solidFill>
+              </a:defRPr>
+            </a:lvl3pPr>
+            <a:lvl4pPr>
+              <a:defRPr baseline="0">
+                <a:solidFill>
+                  <a:schemeClr val="tx2"/>
+                </a:solidFill>
+              </a:defRPr>
+            </a:lvl4pPr>
+            <a:lvl5pPr>
+              <a:defRPr baseline="0">
+                <a:solidFill>
+                  <a:schemeClr val="tx2"/>
+                </a:solidFill>
+              </a:defRPr>
+            </a:lvl5pPr>
+          </a:lstStyle>
           <a:p>
             <a:pPr lvl="0"/>
             <a:r>
@@ -2715,19 +2962,13 @@
               <a:rPr lang="de-DE"/>
               <a:t>Fünfte Ebene</a:t>
             </a:r>
-            <a:endParaRPr lang="de-AT"/>
-          </a:p>
-        </p:txBody>
-      </p:sp>
-      <p:sp>
-        <p:nvSpPr>
-          <p:cNvPr id="5" name="Textplatzhalter 4">
-            <a:extLst>
-              <a:ext uri="{FF2B5EF4-FFF2-40B4-BE49-F238E27FC236}">
-                <a16:creationId xmlns:a16="http://schemas.microsoft.com/office/drawing/2014/main" id="{71DA551B-5094-4F5A-98EA-C429F780C7D6}"/>
-              </a:ext>
-            </a:extLst>
-          </p:cNvPr>
+            <a:endParaRPr lang="en-US" dirty="0"/>
+          </a:p>
+        </p:txBody>
+      </p:sp>
+      <p:sp>
+        <p:nvSpPr>
+          <p:cNvPr id="5" name="Text Placeholder 4"/>
           <p:cNvSpPr>
             <a:spLocks noGrp="1"/>
           </p:cNvSpPr>
@@ -2737,16 +2978,31 @@
         </p:nvSpPr>
         <p:spPr>
           <a:xfrm>
-            <a:off x="6172200" y="1681163"/>
-            <a:ext cx="5183188" cy="823912"/>
+            <a:off x="6525014" y="2340864"/>
+            <a:ext cx="4443984" cy="823912"/>
           </a:xfrm>
         </p:spPr>
         <p:txBody>
-          <a:bodyPr anchor="b"/>
+          <a:bodyPr anchor="b">
+            <a:noAutofit/>
+          </a:bodyPr>
           <a:lstStyle>
             <a:lvl1pPr marL="0" indent="0">
+              <a:lnSpc>
+                <a:spcPct val="84000"/>
+              </a:lnSpc>
+              <a:spcBef>
+                <a:spcPts val="0"/>
+              </a:spcBef>
+              <a:spcAft>
+                <a:spcPts val="0"/>
+              </a:spcAft>
               <a:buNone/>
-              <a:defRPr sz="2400" b="1"/>
+              <a:defRPr sz="3000" b="0" baseline="0">
+                <a:solidFill>
+                  <a:schemeClr val="tx2"/>
+                </a:solidFill>
+              </a:defRPr>
             </a:lvl1pPr>
             <a:lvl2pPr marL="457200" indent="0">
               <a:buNone/>
@@ -2792,13 +3048,7 @@
       </p:sp>
       <p:sp>
         <p:nvSpPr>
-          <p:cNvPr id="6" name="Inhaltsplatzhalter 5">
-            <a:extLst>
-              <a:ext uri="{FF2B5EF4-FFF2-40B4-BE49-F238E27FC236}">
-                <a16:creationId xmlns:a16="http://schemas.microsoft.com/office/drawing/2014/main" id="{1F80AAD0-C9AC-4805-9A09-214BD882BDD3}"/>
-              </a:ext>
-            </a:extLst>
-          </p:cNvPr>
+          <p:cNvPr id="6" name="Content Placeholder 5"/>
           <p:cNvSpPr>
             <a:spLocks noGrp="1"/>
           </p:cNvSpPr>
@@ -2808,13 +3058,49 @@
         </p:nvSpPr>
         <p:spPr>
           <a:xfrm>
-            <a:off x="6172200" y="2505075"/>
-            <a:ext cx="5183188" cy="3684588"/>
+            <a:off x="6525014" y="3305207"/>
+            <a:ext cx="4443984" cy="2562193"/>
           </a:xfrm>
         </p:spPr>
         <p:txBody>
           <a:bodyPr/>
-          <a:lstStyle/>
+          <a:lstStyle>
+            <a:lvl1pPr>
+              <a:defRPr baseline="0">
+                <a:solidFill>
+                  <a:schemeClr val="tx2"/>
+                </a:solidFill>
+              </a:defRPr>
+            </a:lvl1pPr>
+            <a:lvl2pPr>
+              <a:defRPr baseline="0">
+                <a:solidFill>
+                  <a:schemeClr val="tx2"/>
+                </a:solidFill>
+              </a:defRPr>
+            </a:lvl2pPr>
+            <a:lvl3pPr>
+              <a:defRPr baseline="0">
+                <a:solidFill>
+                  <a:schemeClr val="tx2"/>
+                </a:solidFill>
+              </a:defRPr>
+            </a:lvl3pPr>
+            <a:lvl4pPr>
+              <a:defRPr baseline="0">
+                <a:solidFill>
+                  <a:schemeClr val="tx2"/>
+                </a:solidFill>
+              </a:defRPr>
+            </a:lvl4pPr>
+            <a:lvl5pPr>
+              <a:defRPr baseline="0">
+                <a:solidFill>
+                  <a:schemeClr val="tx2"/>
+                </a:solidFill>
+              </a:defRPr>
+            </a:lvl5pPr>
+          </a:lstStyle>
           <a:p>
             <a:pPr lvl="0"/>
             <a:r>
@@ -2849,19 +3135,13 @@
               <a:rPr lang="de-DE"/>
               <a:t>Fünfte Ebene</a:t>
             </a:r>
-            <a:endParaRPr lang="de-AT"/>
-          </a:p>
-        </p:txBody>
-      </p:sp>
-      <p:sp>
-        <p:nvSpPr>
-          <p:cNvPr id="7" name="Datumsplatzhalter 6">
-            <a:extLst>
-              <a:ext uri="{FF2B5EF4-FFF2-40B4-BE49-F238E27FC236}">
-                <a16:creationId xmlns:a16="http://schemas.microsoft.com/office/drawing/2014/main" id="{687E25F9-18DB-4D2E-ABD0-1BB61893FE5B}"/>
-              </a:ext>
-            </a:extLst>
-          </p:cNvPr>
+            <a:endParaRPr lang="en-US" dirty="0"/>
+          </a:p>
+        </p:txBody>
+      </p:sp>
+      <p:sp>
+        <p:nvSpPr>
+          <p:cNvPr id="7" name="Date Placeholder 6"/>
           <p:cNvSpPr>
             <a:spLocks noGrp="1"/>
           </p:cNvSpPr>
@@ -2876,7 +3156,7 @@
           <a:p>
             <a:fld id="{93EC8732-2F66-47E8-AAF3-8EC162126838}" type="datetimeFigureOut">
               <a:rPr lang="de-AT" smtClean="0"/>
-              <a:t>15.06.2020</a:t>
+              <a:t>23.06.2020</a:t>
             </a:fld>
             <a:endParaRPr lang="de-AT"/>
           </a:p>
@@ -2884,13 +3164,7 @@
       </p:sp>
       <p:sp>
         <p:nvSpPr>
-          <p:cNvPr id="8" name="Fußzeilenplatzhalter 7">
-            <a:extLst>
-              <a:ext uri="{FF2B5EF4-FFF2-40B4-BE49-F238E27FC236}">
-                <a16:creationId xmlns:a16="http://schemas.microsoft.com/office/drawing/2014/main" id="{17F919D3-A61F-4830-985D-DFE589318864}"/>
-              </a:ext>
-            </a:extLst>
-          </p:cNvPr>
+          <p:cNvPr id="8" name="Footer Placeholder 7"/>
           <p:cNvSpPr>
             <a:spLocks noGrp="1"/>
           </p:cNvSpPr>
@@ -2909,13 +3183,7 @@
       </p:sp>
       <p:sp>
         <p:nvSpPr>
-          <p:cNvPr id="9" name="Foliennummernplatzhalter 8">
-            <a:extLst>
-              <a:ext uri="{FF2B5EF4-FFF2-40B4-BE49-F238E27FC236}">
-                <a16:creationId xmlns:a16="http://schemas.microsoft.com/office/drawing/2014/main" id="{3AEF94AE-04FA-45F8-97F1-F9E3E9B1C3CB}"/>
-              </a:ext>
-            </a:extLst>
-          </p:cNvPr>
+          <p:cNvPr id="9" name="Slide Number Placeholder 8"/>
           <p:cNvSpPr>
             <a:spLocks noGrp="1"/>
           </p:cNvSpPr>
@@ -2939,7 +3207,7 @@
     </p:spTree>
     <p:extLst>
       <p:ext uri="{BB962C8B-B14F-4D97-AF65-F5344CB8AC3E}">
-        <p14:creationId xmlns:p14="http://schemas.microsoft.com/office/powerpoint/2010/main" val="2933979395"/>
+        <p14:creationId xmlns:p14="http://schemas.microsoft.com/office/powerpoint/2010/main" val="3414652657"/>
       </p:ext>
     </p:extLst>
   </p:cSld>
@@ -2968,13 +3236,7 @@
       </p:grpSpPr>
       <p:sp>
         <p:nvSpPr>
-          <p:cNvPr id="2" name="Titel 1">
-            <a:extLst>
-              <a:ext uri="{FF2B5EF4-FFF2-40B4-BE49-F238E27FC236}">
-                <a16:creationId xmlns:a16="http://schemas.microsoft.com/office/drawing/2014/main" id="{F97461AE-131D-4D83-930E-4F48E9764AD1}"/>
-              </a:ext>
-            </a:extLst>
-          </p:cNvPr>
+          <p:cNvPr id="2" name="Title 1"/>
           <p:cNvSpPr>
             <a:spLocks noGrp="1"/>
           </p:cNvSpPr>
@@ -2991,19 +3253,13 @@
               <a:rPr lang="de-DE"/>
               <a:t>Mastertitelformat bearbeiten</a:t>
             </a:r>
-            <a:endParaRPr lang="de-AT"/>
-          </a:p>
-        </p:txBody>
-      </p:sp>
-      <p:sp>
-        <p:nvSpPr>
-          <p:cNvPr id="3" name="Datumsplatzhalter 2">
-            <a:extLst>
-              <a:ext uri="{FF2B5EF4-FFF2-40B4-BE49-F238E27FC236}">
-                <a16:creationId xmlns:a16="http://schemas.microsoft.com/office/drawing/2014/main" id="{27DEA830-9DAB-4500-8B40-7B724B94F29B}"/>
-              </a:ext>
-            </a:extLst>
-          </p:cNvPr>
+            <a:endParaRPr lang="en-US" dirty="0"/>
+          </a:p>
+        </p:txBody>
+      </p:sp>
+      <p:sp>
+        <p:nvSpPr>
+          <p:cNvPr id="3" name="Date Placeholder 2"/>
           <p:cNvSpPr>
             <a:spLocks noGrp="1"/>
           </p:cNvSpPr>
@@ -3018,7 +3274,7 @@
           <a:p>
             <a:fld id="{93EC8732-2F66-47E8-AAF3-8EC162126838}" type="datetimeFigureOut">
               <a:rPr lang="de-AT" smtClean="0"/>
-              <a:t>15.06.2020</a:t>
+              <a:t>23.06.2020</a:t>
             </a:fld>
             <a:endParaRPr lang="de-AT"/>
           </a:p>
@@ -3026,13 +3282,7 @@
       </p:sp>
       <p:sp>
         <p:nvSpPr>
-          <p:cNvPr id="4" name="Fußzeilenplatzhalter 3">
-            <a:extLst>
-              <a:ext uri="{FF2B5EF4-FFF2-40B4-BE49-F238E27FC236}">
-                <a16:creationId xmlns:a16="http://schemas.microsoft.com/office/drawing/2014/main" id="{DD83FFAC-2715-4376-8DBB-3D46093588E6}"/>
-              </a:ext>
-            </a:extLst>
-          </p:cNvPr>
+          <p:cNvPr id="4" name="Footer Placeholder 3"/>
           <p:cNvSpPr>
             <a:spLocks noGrp="1"/>
           </p:cNvSpPr>
@@ -3051,13 +3301,7 @@
       </p:sp>
       <p:sp>
         <p:nvSpPr>
-          <p:cNvPr id="5" name="Foliennummernplatzhalter 4">
-            <a:extLst>
-              <a:ext uri="{FF2B5EF4-FFF2-40B4-BE49-F238E27FC236}">
-                <a16:creationId xmlns:a16="http://schemas.microsoft.com/office/drawing/2014/main" id="{3C94E907-303D-4D36-8DEC-69937B6B393D}"/>
-              </a:ext>
-            </a:extLst>
-          </p:cNvPr>
+          <p:cNvPr id="5" name="Slide Number Placeholder 4"/>
           <p:cNvSpPr>
             <a:spLocks noGrp="1"/>
           </p:cNvSpPr>
@@ -3081,7 +3325,7 @@
     </p:spTree>
     <p:extLst>
       <p:ext uri="{BB962C8B-B14F-4D97-AF65-F5344CB8AC3E}">
-        <p14:creationId xmlns:p14="http://schemas.microsoft.com/office/powerpoint/2010/main" val="3834332953"/>
+        <p14:creationId xmlns:p14="http://schemas.microsoft.com/office/powerpoint/2010/main" val="1391141410"/>
       </p:ext>
     </p:extLst>
   </p:cSld>
@@ -3110,13 +3354,7 @@
       </p:grpSpPr>
       <p:sp>
         <p:nvSpPr>
-          <p:cNvPr id="2" name="Datumsplatzhalter 1">
-            <a:extLst>
-              <a:ext uri="{FF2B5EF4-FFF2-40B4-BE49-F238E27FC236}">
-                <a16:creationId xmlns:a16="http://schemas.microsoft.com/office/drawing/2014/main" id="{8E606921-7AB0-4D2B-96B0-0583518DE8B8}"/>
-              </a:ext>
-            </a:extLst>
-          </p:cNvPr>
+          <p:cNvPr id="2" name="Date Placeholder 1"/>
           <p:cNvSpPr>
             <a:spLocks noGrp="1"/>
           </p:cNvSpPr>
@@ -3131,7 +3369,7 @@
           <a:p>
             <a:fld id="{93EC8732-2F66-47E8-AAF3-8EC162126838}" type="datetimeFigureOut">
               <a:rPr lang="de-AT" smtClean="0"/>
-              <a:t>15.06.2020</a:t>
+              <a:t>23.06.2020</a:t>
             </a:fld>
             <a:endParaRPr lang="de-AT"/>
           </a:p>
@@ -3139,13 +3377,7 @@
       </p:sp>
       <p:sp>
         <p:nvSpPr>
-          <p:cNvPr id="3" name="Fußzeilenplatzhalter 2">
-            <a:extLst>
-              <a:ext uri="{FF2B5EF4-FFF2-40B4-BE49-F238E27FC236}">
-                <a16:creationId xmlns:a16="http://schemas.microsoft.com/office/drawing/2014/main" id="{D2F8CB8B-8071-4A47-8432-6819301BBE75}"/>
-              </a:ext>
-            </a:extLst>
-          </p:cNvPr>
+          <p:cNvPr id="3" name="Footer Placeholder 2"/>
           <p:cNvSpPr>
             <a:spLocks noGrp="1"/>
           </p:cNvSpPr>
@@ -3164,13 +3396,7 @@
       </p:sp>
       <p:sp>
         <p:nvSpPr>
-          <p:cNvPr id="4" name="Foliennummernplatzhalter 3">
-            <a:extLst>
-              <a:ext uri="{FF2B5EF4-FFF2-40B4-BE49-F238E27FC236}">
-                <a16:creationId xmlns:a16="http://schemas.microsoft.com/office/drawing/2014/main" id="{93F4A0FE-20EA-403C-8E3B-71380E6C5753}"/>
-              </a:ext>
-            </a:extLst>
-          </p:cNvPr>
+          <p:cNvPr id="4" name="Slide Number Placeholder 3"/>
           <p:cNvSpPr>
             <a:spLocks noGrp="1"/>
           </p:cNvSpPr>
@@ -3194,7 +3420,7 @@
     </p:spTree>
     <p:extLst>
       <p:ext uri="{BB962C8B-B14F-4D97-AF65-F5344CB8AC3E}">
-        <p14:creationId xmlns:p14="http://schemas.microsoft.com/office/powerpoint/2010/main" val="1943475083"/>
+        <p14:creationId xmlns:p14="http://schemas.microsoft.com/office/powerpoint/2010/main" val="3676409846"/>
       </p:ext>
     </p:extLst>
   </p:cSld>
@@ -3205,7 +3431,7 @@
 </file>
 
 <file path=ppt/slideLayouts/slideLayout8.xml><?xml version="1.0" encoding="utf-8"?>
-<p:sldLayout xmlns:a="http://schemas.openxmlformats.org/drawingml/2006/main" xmlns:r="http://schemas.openxmlformats.org/officeDocument/2006/relationships" xmlns:p="http://schemas.openxmlformats.org/presentationml/2006/main" type="objTx" preserve="1">
+<p:sldLayout xmlns:a="http://schemas.openxmlformats.org/drawingml/2006/main" xmlns:r="http://schemas.openxmlformats.org/officeDocument/2006/relationships" xmlns:p="http://schemas.openxmlformats.org/presentationml/2006/main" showMasterSp="0" type="objTx" preserve="1">
   <p:cSld name="Inhalt mit Überschrift">
     <p:spTree>
       <p:nvGrpSpPr>
@@ -3223,31 +3449,72 @@
       </p:grpSpPr>
       <p:sp>
         <p:nvSpPr>
-          <p:cNvPr id="2" name="Titel 1">
-            <a:extLst>
-              <a:ext uri="{FF2B5EF4-FFF2-40B4-BE49-F238E27FC236}">
-                <a16:creationId xmlns:a16="http://schemas.microsoft.com/office/drawing/2014/main" id="{3C93B6CD-52DE-4BC1-88DE-9443BF27EC63}"/>
-              </a:ext>
-            </a:extLst>
-          </p:cNvPr>
-          <p:cNvSpPr>
-            <a:spLocks noGrp="1"/>
-          </p:cNvSpPr>
-          <p:nvPr>
-            <p:ph type="title"/>
-          </p:nvPr>
+          <p:cNvPr id="8" name="Rectangle 7" title="Background Shape"/>
+          <p:cNvSpPr/>
+          <p:nvPr/>
         </p:nvSpPr>
         <p:spPr>
           <a:xfrm>
-            <a:off x="839788" y="457200"/>
-            <a:ext cx="3932237" cy="1600200"/>
+            <a:off x="0" y="376"/>
+            <a:ext cx="5303520" cy="6857624"/>
+          </a:xfrm>
+          <a:prstGeom prst="rect">
+            <a:avLst/>
+          </a:prstGeom>
+          <a:solidFill>
+            <a:schemeClr val="accent1"/>
+          </a:solidFill>
+          <a:ln>
+            <a:noFill/>
+          </a:ln>
+        </p:spPr>
+        <p:style>
+          <a:lnRef idx="2">
+            <a:schemeClr val="accent1">
+              <a:shade val="50000"/>
+            </a:schemeClr>
+          </a:lnRef>
+          <a:fillRef idx="1">
+            <a:schemeClr val="accent1"/>
+          </a:fillRef>
+          <a:effectRef idx="0">
+            <a:schemeClr val="accent1"/>
+          </a:effectRef>
+          <a:fontRef idx="minor">
+            <a:schemeClr val="lt1"/>
+          </a:fontRef>
+        </p:style>
+      </p:sp>
+      <p:sp>
+        <p:nvSpPr>
+          <p:cNvPr id="2" name="Title 1"/>
+          <p:cNvSpPr>
+            <a:spLocks noGrp="1"/>
+          </p:cNvSpPr>
+          <p:nvPr>
+            <p:ph type="title"/>
+          </p:nvPr>
+        </p:nvSpPr>
+        <p:spPr>
+          <a:xfrm>
+            <a:off x="723900" y="685800"/>
+            <a:ext cx="3855720" cy="2157884"/>
           </a:xfrm>
         </p:spPr>
         <p:txBody>
-          <a:bodyPr anchor="b"/>
+          <a:bodyPr anchor="t">
+            <a:noAutofit/>
+          </a:bodyPr>
           <a:lstStyle>
             <a:lvl1pPr>
-              <a:defRPr sz="3200"/>
+              <a:lnSpc>
+                <a:spcPct val="84000"/>
+              </a:lnSpc>
+              <a:defRPr sz="4800" baseline="0">
+                <a:solidFill>
+                  <a:schemeClr val="tx2"/>
+                </a:solidFill>
+              </a:defRPr>
             </a:lvl1pPr>
           </a:lstStyle>
           <a:p>
@@ -3255,19 +3522,13 @@
               <a:rPr lang="de-DE"/>
               <a:t>Mastertitelformat bearbeiten</a:t>
             </a:r>
-            <a:endParaRPr lang="de-AT"/>
-          </a:p>
-        </p:txBody>
-      </p:sp>
-      <p:sp>
-        <p:nvSpPr>
-          <p:cNvPr id="3" name="Inhaltsplatzhalter 2">
-            <a:extLst>
-              <a:ext uri="{FF2B5EF4-FFF2-40B4-BE49-F238E27FC236}">
-                <a16:creationId xmlns:a16="http://schemas.microsoft.com/office/drawing/2014/main" id="{936DA254-7C45-4C52-8042-7D11E68FDA97}"/>
-              </a:ext>
-            </a:extLst>
-          </p:cNvPr>
+            <a:endParaRPr lang="en-US" dirty="0"/>
+          </a:p>
+        </p:txBody>
+      </p:sp>
+      <p:sp>
+        <p:nvSpPr>
+          <p:cNvPr id="3" name="Content Placeholder 2"/>
           <p:cNvSpPr>
             <a:spLocks noGrp="1"/>
           </p:cNvSpPr>
@@ -3277,39 +3538,39 @@
         </p:nvSpPr>
         <p:spPr>
           <a:xfrm>
-            <a:off x="5183188" y="987425"/>
-            <a:ext cx="6172200" cy="4873625"/>
+            <a:off x="6256020" y="685801"/>
+            <a:ext cx="5212080" cy="5175250"/>
           </a:xfrm>
         </p:spPr>
         <p:txBody>
           <a:bodyPr/>
           <a:lstStyle>
             <a:lvl1pPr>
-              <a:defRPr sz="3200"/>
+              <a:defRPr sz="2000"/>
             </a:lvl1pPr>
             <a:lvl2pPr>
-              <a:defRPr sz="2800"/>
+              <a:defRPr sz="2000"/>
             </a:lvl2pPr>
             <a:lvl3pPr>
-              <a:defRPr sz="2400"/>
+              <a:defRPr sz="1800"/>
             </a:lvl3pPr>
             <a:lvl4pPr>
-              <a:defRPr sz="2000"/>
+              <a:defRPr sz="1800"/>
             </a:lvl4pPr>
             <a:lvl5pPr>
-              <a:defRPr sz="2000"/>
+              <a:defRPr sz="1600"/>
             </a:lvl5pPr>
             <a:lvl6pPr>
-              <a:defRPr sz="2000"/>
+              <a:defRPr sz="1600"/>
             </a:lvl6pPr>
             <a:lvl7pPr>
-              <a:defRPr sz="2000"/>
+              <a:defRPr sz="1600"/>
             </a:lvl7pPr>
             <a:lvl8pPr>
-              <a:defRPr sz="2000"/>
+              <a:defRPr sz="1600"/>
             </a:lvl8pPr>
             <a:lvl9pPr>
-              <a:defRPr sz="2000"/>
+              <a:defRPr sz="1600"/>
             </a:lvl9pPr>
           </a:lstStyle>
           <a:p>
@@ -3346,19 +3607,13 @@
               <a:rPr lang="de-DE"/>
               <a:t>Fünfte Ebene</a:t>
             </a:r>
-            <a:endParaRPr lang="de-AT"/>
-          </a:p>
-        </p:txBody>
-      </p:sp>
-      <p:sp>
-        <p:nvSpPr>
-          <p:cNvPr id="4" name="Textplatzhalter 3">
-            <a:extLst>
-              <a:ext uri="{FF2B5EF4-FFF2-40B4-BE49-F238E27FC236}">
-                <a16:creationId xmlns:a16="http://schemas.microsoft.com/office/drawing/2014/main" id="{716AE08A-B611-400C-8B71-AC756C14A21F}"/>
-              </a:ext>
-            </a:extLst>
-          </p:cNvPr>
+            <a:endParaRPr lang="en-US" dirty="0"/>
+          </a:p>
+        </p:txBody>
+      </p:sp>
+      <p:sp>
+        <p:nvSpPr>
+          <p:cNvPr id="4" name="Text Placeholder 3"/>
           <p:cNvSpPr>
             <a:spLocks noGrp="1"/>
           </p:cNvSpPr>
@@ -3368,14 +3623,23 @@
         </p:nvSpPr>
         <p:spPr>
           <a:xfrm>
-            <a:off x="839788" y="2057400"/>
-            <a:ext cx="3932237" cy="3811588"/>
+            <a:off x="723900" y="2856344"/>
+            <a:ext cx="3855720" cy="3011056"/>
           </a:xfrm>
         </p:spPr>
         <p:txBody>
           <a:bodyPr/>
           <a:lstStyle>
             <a:lvl1pPr marL="0" indent="0">
+              <a:lnSpc>
+                <a:spcPct val="113000"/>
+              </a:lnSpc>
+              <a:spcBef>
+                <a:spcPts val="0"/>
+              </a:spcBef>
+              <a:spcAft>
+                <a:spcPts val="1500"/>
+              </a:spcAft>
               <a:buNone/>
               <a:defRPr sz="1600"/>
             </a:lvl1pPr>
@@ -3423,13 +3687,7 @@
       </p:sp>
       <p:sp>
         <p:nvSpPr>
-          <p:cNvPr id="5" name="Datumsplatzhalter 4">
-            <a:extLst>
-              <a:ext uri="{FF2B5EF4-FFF2-40B4-BE49-F238E27FC236}">
-                <a16:creationId xmlns:a16="http://schemas.microsoft.com/office/drawing/2014/main" id="{4F0A7F11-B88B-4CC6-8074-98FEC89CCD82}"/>
-              </a:ext>
-            </a:extLst>
-          </p:cNvPr>
+          <p:cNvPr id="5" name="Date Placeholder 4"/>
           <p:cNvSpPr>
             <a:spLocks noGrp="1"/>
           </p:cNvSpPr>
@@ -3437,14 +3695,27 @@
             <p:ph type="dt" sz="half" idx="10"/>
           </p:nvPr>
         </p:nvSpPr>
-        <p:spPr/>
-        <p:txBody>
-          <a:bodyPr/>
-          <a:lstStyle/>
+        <p:spPr>
+          <a:xfrm>
+            <a:off x="723900" y="6453386"/>
+            <a:ext cx="1204572" cy="404614"/>
+          </a:xfrm>
+        </p:spPr>
+        <p:txBody>
+          <a:bodyPr/>
+          <a:lstStyle>
+            <a:lvl1pPr>
+              <a:defRPr>
+                <a:solidFill>
+                  <a:schemeClr val="tx2"/>
+                </a:solidFill>
+              </a:defRPr>
+            </a:lvl1pPr>
+          </a:lstStyle>
           <a:p>
             <a:fld id="{93EC8732-2F66-47E8-AAF3-8EC162126838}" type="datetimeFigureOut">
               <a:rPr lang="de-AT" smtClean="0"/>
-              <a:t>15.06.2020</a:t>
+              <a:t>23.06.2020</a:t>
             </a:fld>
             <a:endParaRPr lang="de-AT"/>
           </a:p>
@@ -3452,13 +3723,7 @@
       </p:sp>
       <p:sp>
         <p:nvSpPr>
-          <p:cNvPr id="6" name="Fußzeilenplatzhalter 5">
-            <a:extLst>
-              <a:ext uri="{FF2B5EF4-FFF2-40B4-BE49-F238E27FC236}">
-                <a16:creationId xmlns:a16="http://schemas.microsoft.com/office/drawing/2014/main" id="{C989B669-92D3-4CEB-8A60-8D25CC509DD0}"/>
-              </a:ext>
-            </a:extLst>
-          </p:cNvPr>
+          <p:cNvPr id="6" name="Footer Placeholder 5"/>
           <p:cNvSpPr>
             <a:spLocks noGrp="1"/>
           </p:cNvSpPr>
@@ -3466,10 +3731,23 @@
             <p:ph type="ftr" sz="quarter" idx="11"/>
           </p:nvPr>
         </p:nvSpPr>
-        <p:spPr/>
-        <p:txBody>
-          <a:bodyPr/>
-          <a:lstStyle/>
+        <p:spPr>
+          <a:xfrm>
+            <a:off x="2205945" y="6453386"/>
+            <a:ext cx="2373675" cy="404614"/>
+          </a:xfrm>
+        </p:spPr>
+        <p:txBody>
+          <a:bodyPr/>
+          <a:lstStyle>
+            <a:lvl1pPr>
+              <a:defRPr>
+                <a:solidFill>
+                  <a:schemeClr val="tx2"/>
+                </a:solidFill>
+              </a:defRPr>
+            </a:lvl1pPr>
+          </a:lstStyle>
           <a:p>
             <a:endParaRPr lang="de-AT"/>
           </a:p>
@@ -3477,13 +3755,7 @@
       </p:sp>
       <p:sp>
         <p:nvSpPr>
-          <p:cNvPr id="7" name="Foliennummernplatzhalter 6">
-            <a:extLst>
-              <a:ext uri="{FF2B5EF4-FFF2-40B4-BE49-F238E27FC236}">
-                <a16:creationId xmlns:a16="http://schemas.microsoft.com/office/drawing/2014/main" id="{54DC3F7B-2A39-4577-BE2E-E0F2D09FE14B}"/>
-              </a:ext>
-            </a:extLst>
-          </p:cNvPr>
+          <p:cNvPr id="7" name="Slide Number Placeholder 6"/>
           <p:cNvSpPr>
             <a:spLocks noGrp="1"/>
           </p:cNvSpPr>
@@ -3491,10 +3763,23 @@
             <p:ph type="sldNum" sz="quarter" idx="12"/>
           </p:nvPr>
         </p:nvSpPr>
-        <p:spPr/>
-        <p:txBody>
-          <a:bodyPr/>
-          <a:lstStyle/>
+        <p:spPr>
+          <a:xfrm>
+            <a:off x="9883140" y="6453386"/>
+            <a:ext cx="1596292" cy="404614"/>
+          </a:xfrm>
+        </p:spPr>
+        <p:txBody>
+          <a:bodyPr/>
+          <a:lstStyle>
+            <a:lvl1pPr>
+              <a:defRPr>
+                <a:solidFill>
+                  <a:schemeClr val="tx2"/>
+                </a:solidFill>
+              </a:defRPr>
+            </a:lvl1pPr>
+          </a:lstStyle>
           <a:p>
             <a:fld id="{8C90825E-1A98-49B7-BED2-7D93B15E781F}" type="slidenum">
               <a:rPr lang="de-AT" smtClean="0"/>
@@ -3504,10 +3789,48 @@
           </a:p>
         </p:txBody>
       </p:sp>
+      <p:sp>
+        <p:nvSpPr>
+          <p:cNvPr id="9" name="Rectangle 8" title="Divider Bar"/>
+          <p:cNvSpPr/>
+          <p:nvPr/>
+        </p:nvSpPr>
+        <p:spPr>
+          <a:xfrm>
+            <a:off x="5303520" y="376"/>
+            <a:ext cx="228600" cy="6858000"/>
+          </a:xfrm>
+          <a:prstGeom prst="rect">
+            <a:avLst/>
+          </a:prstGeom>
+          <a:solidFill>
+            <a:schemeClr val="tx2"/>
+          </a:solidFill>
+          <a:ln>
+            <a:noFill/>
+          </a:ln>
+        </p:spPr>
+        <p:style>
+          <a:lnRef idx="2">
+            <a:schemeClr val="accent1">
+              <a:shade val="50000"/>
+            </a:schemeClr>
+          </a:lnRef>
+          <a:fillRef idx="1">
+            <a:schemeClr val="accent1"/>
+          </a:fillRef>
+          <a:effectRef idx="0">
+            <a:schemeClr val="accent1"/>
+          </a:effectRef>
+          <a:fontRef idx="minor">
+            <a:schemeClr val="lt1"/>
+          </a:fontRef>
+        </p:style>
+      </p:sp>
     </p:spTree>
     <p:extLst>
       <p:ext uri="{BB962C8B-B14F-4D97-AF65-F5344CB8AC3E}">
-        <p14:creationId xmlns:p14="http://schemas.microsoft.com/office/powerpoint/2010/main" val="2340798264"/>
+        <p14:creationId xmlns:p14="http://schemas.microsoft.com/office/powerpoint/2010/main" val="3046177957"/>
       </p:ext>
     </p:extLst>
   </p:cSld>
@@ -3518,7 +3841,7 @@
 </file>
 
 <file path=ppt/slideLayouts/slideLayout9.xml><?xml version="1.0" encoding="utf-8"?>
-<p:sldLayout xmlns:a="http://schemas.openxmlformats.org/drawingml/2006/main" xmlns:r="http://schemas.openxmlformats.org/officeDocument/2006/relationships" xmlns:p="http://schemas.openxmlformats.org/presentationml/2006/main" type="picTx" preserve="1">
+<p:sldLayout xmlns:a="http://schemas.openxmlformats.org/drawingml/2006/main" xmlns:r="http://schemas.openxmlformats.org/officeDocument/2006/relationships" xmlns:p="http://schemas.openxmlformats.org/presentationml/2006/main" showMasterSp="0" type="picTx" preserve="1">
   <p:cSld name="Bild mit Überschrift">
     <p:spTree>
       <p:nvGrpSpPr>
@@ -3536,31 +3859,68 @@
       </p:grpSpPr>
       <p:sp>
         <p:nvSpPr>
-          <p:cNvPr id="2" name="Titel 1">
-            <a:extLst>
-              <a:ext uri="{FF2B5EF4-FFF2-40B4-BE49-F238E27FC236}">
-                <a16:creationId xmlns:a16="http://schemas.microsoft.com/office/drawing/2014/main" id="{3589C6F2-304A-4A83-94FD-2315A57C523C}"/>
-              </a:ext>
-            </a:extLst>
-          </p:cNvPr>
-          <p:cNvSpPr>
-            <a:spLocks noGrp="1"/>
-          </p:cNvSpPr>
-          <p:nvPr>
-            <p:ph type="title"/>
-          </p:nvPr>
+          <p:cNvPr id="8" name="Rectangle 7" title="Background Shape"/>
+          <p:cNvSpPr/>
+          <p:nvPr/>
         </p:nvSpPr>
         <p:spPr>
           <a:xfrm>
-            <a:off x="839788" y="457200"/>
-            <a:ext cx="3932237" cy="1600200"/>
+            <a:off x="0" y="376"/>
+            <a:ext cx="5303520" cy="6857624"/>
+          </a:xfrm>
+          <a:prstGeom prst="rect">
+            <a:avLst/>
+          </a:prstGeom>
+          <a:solidFill>
+            <a:schemeClr val="accent1"/>
+          </a:solidFill>
+          <a:ln>
+            <a:noFill/>
+          </a:ln>
+        </p:spPr>
+        <p:style>
+          <a:lnRef idx="2">
+            <a:schemeClr val="accent1">
+              <a:shade val="50000"/>
+            </a:schemeClr>
+          </a:lnRef>
+          <a:fillRef idx="1">
+            <a:schemeClr val="accent1"/>
+          </a:fillRef>
+          <a:effectRef idx="0">
+            <a:schemeClr val="accent1"/>
+          </a:effectRef>
+          <a:fontRef idx="minor">
+            <a:schemeClr val="lt1"/>
+          </a:fontRef>
+        </p:style>
+      </p:sp>
+      <p:sp>
+        <p:nvSpPr>
+          <p:cNvPr id="2" name="Title 1"/>
+          <p:cNvSpPr>
+            <a:spLocks noGrp="1"/>
+          </p:cNvSpPr>
+          <p:nvPr>
+            <p:ph type="title"/>
+          </p:nvPr>
+        </p:nvSpPr>
+        <p:spPr>
+          <a:xfrm>
+            <a:off x="723900" y="685800"/>
+            <a:ext cx="3855720" cy="2157884"/>
           </a:xfrm>
         </p:spPr>
         <p:txBody>
-          <a:bodyPr anchor="b"/>
+          <a:bodyPr anchor="t">
+            <a:normAutofit/>
+          </a:bodyPr>
           <a:lstStyle>
             <a:lvl1pPr>
-              <a:defRPr sz="3200"/>
+              <a:lnSpc>
+                <a:spcPct val="84000"/>
+              </a:lnSpc>
+              <a:defRPr sz="4800" baseline="0"/>
             </a:lvl1pPr>
           </a:lstStyle>
           <a:p>
@@ -3568,21 +3928,15 @@
               <a:rPr lang="de-DE"/>
               <a:t>Mastertitelformat bearbeiten</a:t>
             </a:r>
-            <a:endParaRPr lang="de-AT"/>
-          </a:p>
-        </p:txBody>
-      </p:sp>
-      <p:sp>
-        <p:nvSpPr>
-          <p:cNvPr id="3" name="Bildplatzhalter 2">
-            <a:extLst>
-              <a:ext uri="{FF2B5EF4-FFF2-40B4-BE49-F238E27FC236}">
-                <a16:creationId xmlns:a16="http://schemas.microsoft.com/office/drawing/2014/main" id="{8EC3CCCE-EBA6-42F4-9BBE-1115A27ACC10}"/>
-              </a:ext>
-            </a:extLst>
-          </p:cNvPr>
-          <p:cNvSpPr>
-            <a:spLocks noGrp="1"/>
+            <a:endParaRPr lang="en-US" dirty="0"/>
+          </a:p>
+        </p:txBody>
+      </p:sp>
+      <p:sp>
+        <p:nvSpPr>
+          <p:cNvPr id="3" name="Picture Placeholder 2"/>
+          <p:cNvSpPr>
+            <a:spLocks noGrp="1" noChangeAspect="1"/>
           </p:cNvSpPr>
           <p:nvPr>
             <p:ph type="pic" idx="1"/>
@@ -3590,24 +3944,26 @@
         </p:nvSpPr>
         <p:spPr>
           <a:xfrm>
-            <a:off x="5183188" y="987425"/>
-            <a:ext cx="6172200" cy="4873625"/>
+            <a:off x="5532120" y="0"/>
+            <a:ext cx="6659880" cy="6857999"/>
           </a:xfrm>
         </p:spPr>
         <p:txBody>
-          <a:bodyPr/>
+          <a:bodyPr anchor="t">
+            <a:normAutofit/>
+          </a:bodyPr>
           <a:lstStyle>
             <a:lvl1pPr marL="0" indent="0">
               <a:buNone/>
-              <a:defRPr sz="3200"/>
+              <a:defRPr sz="2000"/>
             </a:lvl1pPr>
             <a:lvl2pPr marL="457200" indent="0">
               <a:buNone/>
-              <a:defRPr sz="2800"/>
+              <a:defRPr sz="2000"/>
             </a:lvl2pPr>
             <a:lvl3pPr marL="914400" indent="0">
               <a:buNone/>
-              <a:defRPr sz="2400"/>
+              <a:defRPr sz="2000"/>
             </a:lvl3pPr>
             <a:lvl4pPr marL="1371600" indent="0">
               <a:buNone/>
@@ -3635,19 +3991,17 @@
             </a:lvl9pPr>
           </a:lstStyle>
           <a:p>
-            <a:endParaRPr lang="de-AT"/>
-          </a:p>
-        </p:txBody>
-      </p:sp>
-      <p:sp>
-        <p:nvSpPr>
-          <p:cNvPr id="4" name="Textplatzhalter 3">
-            <a:extLst>
-              <a:ext uri="{FF2B5EF4-FFF2-40B4-BE49-F238E27FC236}">
-                <a16:creationId xmlns:a16="http://schemas.microsoft.com/office/drawing/2014/main" id="{0EB0B309-73C9-4293-B7A9-E93330193A27}"/>
-              </a:ext>
-            </a:extLst>
-          </p:cNvPr>
+            <a:r>
+              <a:rPr lang="de-DE"/>
+              <a:t>Bild durch Klicken auf Symbol hinzufügen</a:t>
+            </a:r>
+            <a:endParaRPr lang="en-US" dirty="0"/>
+          </a:p>
+        </p:txBody>
+      </p:sp>
+      <p:sp>
+        <p:nvSpPr>
+          <p:cNvPr id="4" name="Text Placeholder 3"/>
           <p:cNvSpPr>
             <a:spLocks noGrp="1"/>
           </p:cNvSpPr>
@@ -3657,14 +4011,23 @@
         </p:nvSpPr>
         <p:spPr>
           <a:xfrm>
-            <a:off x="839788" y="2057400"/>
-            <a:ext cx="3932237" cy="3811588"/>
+            <a:off x="723900" y="2855968"/>
+            <a:ext cx="3855720" cy="3011432"/>
           </a:xfrm>
         </p:spPr>
         <p:txBody>
           <a:bodyPr/>
           <a:lstStyle>
             <a:lvl1pPr marL="0" indent="0">
+              <a:lnSpc>
+                <a:spcPct val="113000"/>
+              </a:lnSpc>
+              <a:spcBef>
+                <a:spcPts val="0"/>
+              </a:spcBef>
+              <a:spcAft>
+                <a:spcPts val="1500"/>
+              </a:spcAft>
               <a:buNone/>
               <a:defRPr sz="1600"/>
             </a:lvl1pPr>
@@ -3712,13 +4075,7 @@
       </p:sp>
       <p:sp>
         <p:nvSpPr>
-          <p:cNvPr id="5" name="Datumsplatzhalter 4">
-            <a:extLst>
-              <a:ext uri="{FF2B5EF4-FFF2-40B4-BE49-F238E27FC236}">
-                <a16:creationId xmlns:a16="http://schemas.microsoft.com/office/drawing/2014/main" id="{F256408A-70BE-4A72-B6B7-E80ADAE6F2DC}"/>
-              </a:ext>
-            </a:extLst>
-          </p:cNvPr>
+          <p:cNvPr id="5" name="Date Placeholder 4"/>
           <p:cNvSpPr>
             <a:spLocks noGrp="1"/>
           </p:cNvSpPr>
@@ -3726,14 +4083,27 @@
             <p:ph type="dt" sz="half" idx="10"/>
           </p:nvPr>
         </p:nvSpPr>
-        <p:spPr/>
-        <p:txBody>
-          <a:bodyPr/>
-          <a:lstStyle/>
+        <p:spPr>
+          <a:xfrm>
+            <a:off x="723900" y="6453386"/>
+            <a:ext cx="1204572" cy="404614"/>
+          </a:xfrm>
+        </p:spPr>
+        <p:txBody>
+          <a:bodyPr/>
+          <a:lstStyle>
+            <a:lvl1pPr>
+              <a:defRPr>
+                <a:solidFill>
+                  <a:schemeClr val="tx2"/>
+                </a:solidFill>
+              </a:defRPr>
+            </a:lvl1pPr>
+          </a:lstStyle>
           <a:p>
             <a:fld id="{93EC8732-2F66-47E8-AAF3-8EC162126838}" type="datetimeFigureOut">
               <a:rPr lang="de-AT" smtClean="0"/>
-              <a:t>15.06.2020</a:t>
+              <a:t>23.06.2020</a:t>
             </a:fld>
             <a:endParaRPr lang="de-AT"/>
           </a:p>
@@ -3741,13 +4111,7 @@
       </p:sp>
       <p:sp>
         <p:nvSpPr>
-          <p:cNvPr id="6" name="Fußzeilenplatzhalter 5">
-            <a:extLst>
-              <a:ext uri="{FF2B5EF4-FFF2-40B4-BE49-F238E27FC236}">
-                <a16:creationId xmlns:a16="http://schemas.microsoft.com/office/drawing/2014/main" id="{FF8F9453-67F1-4EB3-9ECD-0B84B9E1634B}"/>
-              </a:ext>
-            </a:extLst>
-          </p:cNvPr>
+          <p:cNvPr id="6" name="Footer Placeholder 5"/>
           <p:cNvSpPr>
             <a:spLocks noGrp="1"/>
           </p:cNvSpPr>
@@ -3755,10 +4119,23 @@
             <p:ph type="ftr" sz="quarter" idx="11"/>
           </p:nvPr>
         </p:nvSpPr>
-        <p:spPr/>
-        <p:txBody>
-          <a:bodyPr/>
-          <a:lstStyle/>
+        <p:spPr>
+          <a:xfrm>
+            <a:off x="2205945" y="6453386"/>
+            <a:ext cx="2373675" cy="404614"/>
+          </a:xfrm>
+        </p:spPr>
+        <p:txBody>
+          <a:bodyPr/>
+          <a:lstStyle>
+            <a:lvl1pPr>
+              <a:defRPr>
+                <a:solidFill>
+                  <a:schemeClr val="tx2"/>
+                </a:solidFill>
+              </a:defRPr>
+            </a:lvl1pPr>
+          </a:lstStyle>
           <a:p>
             <a:endParaRPr lang="de-AT"/>
           </a:p>
@@ -3766,13 +4143,7 @@
       </p:sp>
       <p:sp>
         <p:nvSpPr>
-          <p:cNvPr id="7" name="Foliennummernplatzhalter 6">
-            <a:extLst>
-              <a:ext uri="{FF2B5EF4-FFF2-40B4-BE49-F238E27FC236}">
-                <a16:creationId xmlns:a16="http://schemas.microsoft.com/office/drawing/2014/main" id="{286564E4-DDC9-4166-9B5F-AAFB997FD370}"/>
-              </a:ext>
-            </a:extLst>
-          </p:cNvPr>
+          <p:cNvPr id="7" name="Slide Number Placeholder 6"/>
           <p:cNvSpPr>
             <a:spLocks noGrp="1"/>
           </p:cNvSpPr>
@@ -3780,10 +4151,23 @@
             <p:ph type="sldNum" sz="quarter" idx="12"/>
           </p:nvPr>
         </p:nvSpPr>
-        <p:spPr/>
-        <p:txBody>
-          <a:bodyPr/>
-          <a:lstStyle/>
+        <p:spPr>
+          <a:xfrm>
+            <a:off x="9883140" y="6453386"/>
+            <a:ext cx="1596292" cy="404614"/>
+          </a:xfrm>
+        </p:spPr>
+        <p:txBody>
+          <a:bodyPr/>
+          <a:lstStyle>
+            <a:lvl1pPr>
+              <a:defRPr>
+                <a:solidFill>
+                  <a:schemeClr val="tx2"/>
+                </a:solidFill>
+              </a:defRPr>
+            </a:lvl1pPr>
+          </a:lstStyle>
           <a:p>
             <a:fld id="{8C90825E-1A98-49B7-BED2-7D93B15E781F}" type="slidenum">
               <a:rPr lang="de-AT" smtClean="0"/>
@@ -3793,10 +4177,48 @@
           </a:p>
         </p:txBody>
       </p:sp>
+      <p:sp>
+        <p:nvSpPr>
+          <p:cNvPr id="9" name="Rectangle 8" title="Divider Bar"/>
+          <p:cNvSpPr/>
+          <p:nvPr/>
+        </p:nvSpPr>
+        <p:spPr>
+          <a:xfrm>
+            <a:off x="5303520" y="376"/>
+            <a:ext cx="228600" cy="6858000"/>
+          </a:xfrm>
+          <a:prstGeom prst="rect">
+            <a:avLst/>
+          </a:prstGeom>
+          <a:solidFill>
+            <a:schemeClr val="tx2"/>
+          </a:solidFill>
+          <a:ln>
+            <a:noFill/>
+          </a:ln>
+        </p:spPr>
+        <p:style>
+          <a:lnRef idx="2">
+            <a:schemeClr val="accent1">
+              <a:shade val="50000"/>
+            </a:schemeClr>
+          </a:lnRef>
+          <a:fillRef idx="1">
+            <a:schemeClr val="accent1"/>
+          </a:fillRef>
+          <a:effectRef idx="0">
+            <a:schemeClr val="accent1"/>
+          </a:effectRef>
+          <a:fontRef idx="minor">
+            <a:schemeClr val="lt1"/>
+          </a:fontRef>
+        </p:style>
+      </p:sp>
     </p:spTree>
     <p:extLst>
       <p:ext uri="{BB962C8B-B14F-4D97-AF65-F5344CB8AC3E}">
-        <p14:creationId xmlns:p14="http://schemas.microsoft.com/office/powerpoint/2010/main" val="3065289282"/>
+        <p14:creationId xmlns:p14="http://schemas.microsoft.com/office/powerpoint/2010/main" val="1898422040"/>
       </p:ext>
     </p:extLst>
   </p:cSld>
@@ -3810,9 +4232,12 @@
 <p:sldMaster xmlns:a="http://schemas.openxmlformats.org/drawingml/2006/main" xmlns:r="http://schemas.openxmlformats.org/officeDocument/2006/relationships" xmlns:p="http://schemas.openxmlformats.org/presentationml/2006/main">
   <p:cSld>
     <p:bg>
-      <p:bgRef idx="1001">
-        <a:schemeClr val="bg1"/>
-      </p:bgRef>
+      <p:bgPr>
+        <a:solidFill>
+          <a:schemeClr val="bg2"/>
+        </a:solidFill>
+        <a:effectLst/>
+      </p:bgPr>
     </p:bg>
     <p:spTree>
       <p:nvGrpSpPr>
@@ -3830,13 +4255,7 @@
       </p:grpSpPr>
       <p:sp>
         <p:nvSpPr>
-          <p:cNvPr id="2" name="Titelplatzhalter 1">
-            <a:extLst>
-              <a:ext uri="{FF2B5EF4-FFF2-40B4-BE49-F238E27FC236}">
-                <a16:creationId xmlns:a16="http://schemas.microsoft.com/office/drawing/2014/main" id="{4418CBAE-A94A-4236-B1AB-722A6C61B649}"/>
-              </a:ext>
-            </a:extLst>
-          </p:cNvPr>
+          <p:cNvPr id="2" name="Title Placeholder 1"/>
           <p:cNvSpPr>
             <a:spLocks noGrp="1"/>
           </p:cNvSpPr>
@@ -3846,15 +4265,15 @@
         </p:nvSpPr>
         <p:spPr>
           <a:xfrm>
-            <a:off x="838200" y="365125"/>
-            <a:ext cx="10515600" cy="1325563"/>
+            <a:off x="1371600" y="685800"/>
+            <a:ext cx="9601200" cy="1485900"/>
           </a:xfrm>
           <a:prstGeom prst="rect">
             <a:avLst/>
           </a:prstGeom>
         </p:spPr>
         <p:txBody>
-          <a:bodyPr vert="horz" lIns="91440" tIns="45720" rIns="91440" bIns="45720" rtlCol="0" anchor="ctr">
+          <a:bodyPr vert="horz" lIns="91440" tIns="45720" rIns="91440" bIns="45720" rtlCol="0" anchor="t">
             <a:normAutofit/>
           </a:bodyPr>
           <a:lstStyle/>
@@ -3863,19 +4282,13 @@
               <a:rPr lang="de-DE"/>
               <a:t>Mastertitelformat bearbeiten</a:t>
             </a:r>
-            <a:endParaRPr lang="de-AT"/>
-          </a:p>
-        </p:txBody>
-      </p:sp>
-      <p:sp>
-        <p:nvSpPr>
-          <p:cNvPr id="3" name="Textplatzhalter 2">
-            <a:extLst>
-              <a:ext uri="{FF2B5EF4-FFF2-40B4-BE49-F238E27FC236}">
-                <a16:creationId xmlns:a16="http://schemas.microsoft.com/office/drawing/2014/main" id="{752257D4-A341-423A-B365-54288CAFE642}"/>
-              </a:ext>
-            </a:extLst>
-          </p:cNvPr>
+            <a:endParaRPr lang="en-US" dirty="0"/>
+          </a:p>
+        </p:txBody>
+      </p:sp>
+      <p:sp>
+        <p:nvSpPr>
+          <p:cNvPr id="3" name="Text Placeholder 2"/>
           <p:cNvSpPr>
             <a:spLocks noGrp="1"/>
           </p:cNvSpPr>
@@ -3885,8 +4298,8 @@
         </p:nvSpPr>
         <p:spPr>
           <a:xfrm>
-            <a:off x="838200" y="1825625"/>
-            <a:ext cx="10515600" cy="4351338"/>
+            <a:off x="1371600" y="2286000"/>
+            <a:ext cx="9601200" cy="3581400"/>
           </a:xfrm>
           <a:prstGeom prst="rect">
             <a:avLst/>
@@ -3931,19 +4344,13 @@
               <a:rPr lang="de-DE"/>
               <a:t>Fünfte Ebene</a:t>
             </a:r>
-            <a:endParaRPr lang="de-AT"/>
-          </a:p>
-        </p:txBody>
-      </p:sp>
-      <p:sp>
-        <p:nvSpPr>
-          <p:cNvPr id="4" name="Datumsplatzhalter 3">
-            <a:extLst>
-              <a:ext uri="{FF2B5EF4-FFF2-40B4-BE49-F238E27FC236}">
-                <a16:creationId xmlns:a16="http://schemas.microsoft.com/office/drawing/2014/main" id="{227720AE-74F3-41EE-94D9-79F2D340876C}"/>
-              </a:ext>
-            </a:extLst>
-          </p:cNvPr>
+            <a:endParaRPr lang="en-US" dirty="0"/>
+          </a:p>
+        </p:txBody>
+      </p:sp>
+      <p:sp>
+        <p:nvSpPr>
+          <p:cNvPr id="4" name="Date Placeholder 3"/>
           <p:cNvSpPr>
             <a:spLocks noGrp="1"/>
           </p:cNvSpPr>
@@ -3953,8 +4360,8 @@
         </p:nvSpPr>
         <p:spPr>
           <a:xfrm>
-            <a:off x="838200" y="6356350"/>
-            <a:ext cx="2743200" cy="365125"/>
+            <a:off x="1390650" y="6453386"/>
+            <a:ext cx="1204572" cy="404614"/>
           </a:xfrm>
           <a:prstGeom prst="rect">
             <a:avLst/>
@@ -3964,11 +4371,9 @@
           <a:bodyPr vert="horz" lIns="91440" tIns="45720" rIns="91440" bIns="45720" rtlCol="0" anchor="ctr"/>
           <a:lstStyle>
             <a:lvl1pPr algn="l">
-              <a:defRPr sz="1200">
+              <a:defRPr sz="1200" baseline="0">
                 <a:solidFill>
-                  <a:schemeClr val="tx1">
-                    <a:tint val="75000"/>
-                  </a:schemeClr>
+                  <a:schemeClr val="tx2"/>
                 </a:solidFill>
               </a:defRPr>
             </a:lvl1pPr>
@@ -3976,7 +4381,7 @@
           <a:p>
             <a:fld id="{93EC8732-2F66-47E8-AAF3-8EC162126838}" type="datetimeFigureOut">
               <a:rPr lang="de-AT" smtClean="0"/>
-              <a:t>15.06.2020</a:t>
+              <a:t>23.06.2020</a:t>
             </a:fld>
             <a:endParaRPr lang="de-AT"/>
           </a:p>
@@ -3984,13 +4389,7 @@
       </p:sp>
       <p:sp>
         <p:nvSpPr>
-          <p:cNvPr id="5" name="Fußzeilenplatzhalter 4">
-            <a:extLst>
-              <a:ext uri="{FF2B5EF4-FFF2-40B4-BE49-F238E27FC236}">
-                <a16:creationId xmlns:a16="http://schemas.microsoft.com/office/drawing/2014/main" id="{86EC6D05-3E0A-47CE-9583-8EFE7E8A786E}"/>
-              </a:ext>
-            </a:extLst>
-          </p:cNvPr>
+          <p:cNvPr id="5" name="Footer Placeholder 4"/>
           <p:cNvSpPr>
             <a:spLocks noGrp="1"/>
           </p:cNvSpPr>
@@ -4000,8 +4399,8 @@
         </p:nvSpPr>
         <p:spPr>
           <a:xfrm>
-            <a:off x="4038600" y="6356350"/>
-            <a:ext cx="4114800" cy="365125"/>
+            <a:off x="2893564" y="6453386"/>
+            <a:ext cx="6280830" cy="404614"/>
           </a:xfrm>
           <a:prstGeom prst="rect">
             <a:avLst/>
@@ -4010,12 +4409,10 @@
         <p:txBody>
           <a:bodyPr vert="horz" lIns="91440" tIns="45720" rIns="91440" bIns="45720" rtlCol="0" anchor="ctr"/>
           <a:lstStyle>
-            <a:lvl1pPr algn="ctr">
-              <a:defRPr sz="1200">
+            <a:lvl1pPr algn="l">
+              <a:defRPr sz="1200" baseline="0">
                 <a:solidFill>
-                  <a:schemeClr val="tx1">
-                    <a:tint val="75000"/>
-                  </a:schemeClr>
+                  <a:schemeClr val="tx2"/>
                 </a:solidFill>
               </a:defRPr>
             </a:lvl1pPr>
@@ -4027,13 +4424,7 @@
       </p:sp>
       <p:sp>
         <p:nvSpPr>
-          <p:cNvPr id="6" name="Foliennummernplatzhalter 5">
-            <a:extLst>
-              <a:ext uri="{FF2B5EF4-FFF2-40B4-BE49-F238E27FC236}">
-                <a16:creationId xmlns:a16="http://schemas.microsoft.com/office/drawing/2014/main" id="{68779FBF-596D-4E4D-9488-DA2065742E5E}"/>
-              </a:ext>
-            </a:extLst>
-          </p:cNvPr>
+          <p:cNvPr id="6" name="Slide Number Placeholder 5"/>
           <p:cNvSpPr>
             <a:spLocks noGrp="1"/>
           </p:cNvSpPr>
@@ -4043,8 +4434,8 @@
         </p:nvSpPr>
         <p:spPr>
           <a:xfrm>
-            <a:off x="8610600" y="6356350"/>
-            <a:ext cx="2743200" cy="365125"/>
+            <a:off x="9472736" y="6453386"/>
+            <a:ext cx="1596292" cy="404614"/>
           </a:xfrm>
           <a:prstGeom prst="rect">
             <a:avLst/>
@@ -4054,11 +4445,9 @@
           <a:bodyPr vert="horz" lIns="91440" tIns="45720" rIns="91440" bIns="45720" rtlCol="0" anchor="ctr"/>
           <a:lstStyle>
             <a:lvl1pPr algn="r">
-              <a:defRPr sz="1200">
+              <a:defRPr sz="1200" baseline="0">
                 <a:solidFill>
-                  <a:schemeClr val="tx1">
-                    <a:tint val="75000"/>
-                  </a:schemeClr>
+                  <a:schemeClr val="tx2"/>
                 </a:solidFill>
               </a:defRPr>
             </a:lvl1pPr>
@@ -4072,40 +4461,78 @@
           </a:p>
         </p:txBody>
       </p:sp>
+      <p:sp>
+        <p:nvSpPr>
+          <p:cNvPr id="9" name="Rectangle 8" title="Side bar"/>
+          <p:cNvSpPr/>
+          <p:nvPr/>
+        </p:nvSpPr>
+        <p:spPr>
+          <a:xfrm>
+            <a:off x="478095" y="376"/>
+            <a:ext cx="228600" cy="6858000"/>
+          </a:xfrm>
+          <a:prstGeom prst="rect">
+            <a:avLst/>
+          </a:prstGeom>
+          <a:solidFill>
+            <a:schemeClr val="tx2"/>
+          </a:solidFill>
+          <a:ln>
+            <a:noFill/>
+          </a:ln>
+        </p:spPr>
+        <p:style>
+          <a:lnRef idx="2">
+            <a:schemeClr val="accent1">
+              <a:shade val="50000"/>
+            </a:schemeClr>
+          </a:lnRef>
+          <a:fillRef idx="1">
+            <a:schemeClr val="accent1"/>
+          </a:fillRef>
+          <a:effectRef idx="0">
+            <a:schemeClr val="accent1"/>
+          </a:effectRef>
+          <a:fontRef idx="minor">
+            <a:schemeClr val="lt1"/>
+          </a:fontRef>
+        </p:style>
+      </p:sp>
     </p:spTree>
     <p:extLst>
       <p:ext uri="{BB962C8B-B14F-4D97-AF65-F5344CB8AC3E}">
-        <p14:creationId xmlns:p14="http://schemas.microsoft.com/office/powerpoint/2010/main" val="1108991154"/>
+        <p14:creationId xmlns:p14="http://schemas.microsoft.com/office/powerpoint/2010/main" val="1309998168"/>
       </p:ext>
     </p:extLst>
   </p:cSld>
   <p:clrMap bg1="lt1" tx1="dk1" bg2="lt2" tx2="dk2" accent1="accent1" accent2="accent2" accent3="accent3" accent4="accent4" accent5="accent5" accent6="accent6" hlink="hlink" folHlink="folHlink"/>
   <p:sldLayoutIdLst>
-    <p:sldLayoutId id="2147483649" r:id="rId1"/>
-    <p:sldLayoutId id="2147483650" r:id="rId2"/>
-    <p:sldLayoutId id="2147483651" r:id="rId3"/>
-    <p:sldLayoutId id="2147483652" r:id="rId4"/>
-    <p:sldLayoutId id="2147483653" r:id="rId5"/>
-    <p:sldLayoutId id="2147483654" r:id="rId6"/>
-    <p:sldLayoutId id="2147483655" r:id="rId7"/>
-    <p:sldLayoutId id="2147483656" r:id="rId8"/>
-    <p:sldLayoutId id="2147483657" r:id="rId9"/>
-    <p:sldLayoutId id="2147483658" r:id="rId10"/>
-    <p:sldLayoutId id="2147483659" r:id="rId11"/>
+    <p:sldLayoutId id="2147483661" r:id="rId1"/>
+    <p:sldLayoutId id="2147483662" r:id="rId2"/>
+    <p:sldLayoutId id="2147483663" r:id="rId3"/>
+    <p:sldLayoutId id="2147483664" r:id="rId4"/>
+    <p:sldLayoutId id="2147483665" r:id="rId5"/>
+    <p:sldLayoutId id="2147483666" r:id="rId6"/>
+    <p:sldLayoutId id="2147483667" r:id="rId7"/>
+    <p:sldLayoutId id="2147483668" r:id="rId8"/>
+    <p:sldLayoutId id="2147483669" r:id="rId9"/>
+    <p:sldLayoutId id="2147483670" r:id="rId10"/>
+    <p:sldLayoutId id="2147483671" r:id="rId11"/>
   </p:sldLayoutIdLst>
   <p:txStyles>
     <p:titleStyle>
       <a:lvl1pPr algn="l" defTabSz="914400" rtl="0" eaLnBrk="1" latinLnBrk="0" hangingPunct="1">
         <a:lnSpc>
-          <a:spcPct val="90000"/>
+          <a:spcPct val="89000"/>
         </a:lnSpc>
         <a:spcBef>
           <a:spcPct val="0"/>
         </a:spcBef>
         <a:buNone/>
-        <a:defRPr sz="4400" kern="1200">
+        <a:defRPr sz="4400" kern="1200" baseline="0">
           <a:solidFill>
-            <a:schemeClr val="tx1"/>
+            <a:schemeClr val="tx2"/>
           </a:solidFill>
           <a:latin typeface="+mj-lt"/>
           <a:ea typeface="+mj-ea"/>
@@ -4114,162 +4541,189 @@
       </a:lvl1pPr>
     </p:titleStyle>
     <p:bodyStyle>
-      <a:lvl1pPr marL="228600" indent="-228600" algn="l" defTabSz="914400" rtl="0" eaLnBrk="1" latinLnBrk="0" hangingPunct="1">
+      <a:lvl1pPr marL="384048" indent="-384048" algn="l" defTabSz="914400" rtl="0" eaLnBrk="1" latinLnBrk="0" hangingPunct="1">
         <a:lnSpc>
-          <a:spcPct val="90000"/>
+          <a:spcPct val="94000"/>
         </a:lnSpc>
         <a:spcBef>
           <a:spcPts val="1000"/>
         </a:spcBef>
-        <a:buFont typeface="Arial" panose="020B0604020202020204" pitchFamily="34" charset="0"/>
-        <a:buChar char="•"/>
-        <a:defRPr sz="2800" kern="1200">
+        <a:spcAft>
+          <a:spcPts val="200"/>
+        </a:spcAft>
+        <a:buFont typeface="Franklin Gothic Book" panose="020B0503020102020204" pitchFamily="34" charset="0"/>
+        <a:buChar char="■"/>
+        <a:defRPr sz="2000" kern="1200" baseline="0">
           <a:solidFill>
-            <a:schemeClr val="tx1"/>
+            <a:schemeClr val="tx2"/>
           </a:solidFill>
           <a:latin typeface="+mn-lt"/>
           <a:ea typeface="+mn-ea"/>
           <a:cs typeface="+mn-cs"/>
         </a:defRPr>
       </a:lvl1pPr>
-      <a:lvl2pPr marL="685800" indent="-228600" algn="l" defTabSz="914400" rtl="0" eaLnBrk="1" latinLnBrk="0" hangingPunct="1">
+      <a:lvl2pPr marL="914400" indent="-384048" algn="l" defTabSz="914400" rtl="0" eaLnBrk="1" latinLnBrk="0" hangingPunct="1">
         <a:lnSpc>
-          <a:spcPct val="90000"/>
+          <a:spcPct val="94000"/>
         </a:lnSpc>
         <a:spcBef>
           <a:spcPts val="500"/>
         </a:spcBef>
-        <a:buFont typeface="Arial" panose="020B0604020202020204" pitchFamily="34" charset="0"/>
-        <a:buChar char="•"/>
-        <a:defRPr sz="2400" kern="1200">
+        <a:spcAft>
+          <a:spcPts val="200"/>
+        </a:spcAft>
+        <a:buFont typeface="Franklin Gothic Book" panose="020B0503020102020204" pitchFamily="34" charset="0"/>
+        <a:buChar char="–"/>
+        <a:defRPr sz="2000" i="1" kern="1200" baseline="0">
           <a:solidFill>
-            <a:schemeClr val="tx1"/>
+            <a:schemeClr val="tx2"/>
           </a:solidFill>
           <a:latin typeface="+mn-lt"/>
           <a:ea typeface="+mn-ea"/>
           <a:cs typeface="+mn-cs"/>
         </a:defRPr>
       </a:lvl2pPr>
-      <a:lvl3pPr marL="1143000" indent="-228600" algn="l" defTabSz="914400" rtl="0" eaLnBrk="1" latinLnBrk="0" hangingPunct="1">
+      <a:lvl3pPr marL="1371600" indent="-384048" algn="l" defTabSz="914400" rtl="0" eaLnBrk="1" latinLnBrk="0" hangingPunct="1">
         <a:lnSpc>
-          <a:spcPct val="90000"/>
+          <a:spcPct val="94000"/>
         </a:lnSpc>
         <a:spcBef>
           <a:spcPts val="500"/>
         </a:spcBef>
-        <a:buFont typeface="Arial" panose="020B0604020202020204" pitchFamily="34" charset="0"/>
-        <a:buChar char="•"/>
-        <a:defRPr sz="2000" kern="1200">
+        <a:spcAft>
+          <a:spcPts val="200"/>
+        </a:spcAft>
+        <a:buFont typeface="Franklin Gothic Book" panose="020B0503020102020204" pitchFamily="34" charset="0"/>
+        <a:buChar char="■"/>
+        <a:defRPr sz="1800" kern="1200" baseline="0">
           <a:solidFill>
-            <a:schemeClr val="tx1"/>
+            <a:schemeClr val="tx2"/>
           </a:solidFill>
           <a:latin typeface="+mn-lt"/>
           <a:ea typeface="+mn-ea"/>
           <a:cs typeface="+mn-cs"/>
         </a:defRPr>
       </a:lvl3pPr>
-      <a:lvl4pPr marL="1600200" indent="-228600" algn="l" defTabSz="914400" rtl="0" eaLnBrk="1" latinLnBrk="0" hangingPunct="1">
+      <a:lvl4pPr marL="1828800" indent="-384048" algn="l" defTabSz="914400" rtl="0" eaLnBrk="1" latinLnBrk="0" hangingPunct="1">
         <a:lnSpc>
-          <a:spcPct val="90000"/>
+          <a:spcPct val="94000"/>
         </a:lnSpc>
         <a:spcBef>
           <a:spcPts val="500"/>
         </a:spcBef>
-        <a:buFont typeface="Arial" panose="020B0604020202020204" pitchFamily="34" charset="0"/>
-        <a:buChar char="•"/>
-        <a:defRPr sz="1800" kern="1200">
+        <a:spcAft>
+          <a:spcPts val="200"/>
+        </a:spcAft>
+        <a:buFont typeface="Franklin Gothic Book" panose="020B0503020102020204" pitchFamily="34" charset="0"/>
+        <a:buChar char="–"/>
+        <a:defRPr sz="1800" i="1" kern="1200" baseline="0">
           <a:solidFill>
-            <a:schemeClr val="tx1"/>
+            <a:schemeClr val="tx2"/>
           </a:solidFill>
           <a:latin typeface="+mn-lt"/>
           <a:ea typeface="+mn-ea"/>
           <a:cs typeface="+mn-cs"/>
         </a:defRPr>
       </a:lvl4pPr>
-      <a:lvl5pPr marL="2057400" indent="-228600" algn="l" defTabSz="914400" rtl="0" eaLnBrk="1" latinLnBrk="0" hangingPunct="1">
+      <a:lvl5pPr marL="2286000" indent="-384048" algn="l" defTabSz="914400" rtl="0" eaLnBrk="1" latinLnBrk="0" hangingPunct="1">
         <a:lnSpc>
-          <a:spcPct val="90000"/>
+          <a:spcPct val="94000"/>
         </a:lnSpc>
         <a:spcBef>
           <a:spcPts val="500"/>
         </a:spcBef>
-        <a:buFont typeface="Arial" panose="020B0604020202020204" pitchFamily="34" charset="0"/>
-        <a:buChar char="•"/>
-        <a:defRPr sz="1800" kern="1200">
+        <a:spcAft>
+          <a:spcPts val="200"/>
+        </a:spcAft>
+        <a:buFont typeface="Franklin Gothic Book" panose="020B0503020102020204" pitchFamily="34" charset="0"/>
+        <a:buChar char="■"/>
+        <a:defRPr sz="1600" kern="1200" baseline="0">
           <a:solidFill>
-            <a:schemeClr val="tx1"/>
+            <a:schemeClr val="tx2"/>
           </a:solidFill>
           <a:latin typeface="+mn-lt"/>
           <a:ea typeface="+mn-ea"/>
           <a:cs typeface="+mn-cs"/>
         </a:defRPr>
       </a:lvl5pPr>
-      <a:lvl6pPr marL="2514600" indent="-228600" algn="l" defTabSz="914400" rtl="0" eaLnBrk="1" latinLnBrk="0" hangingPunct="1">
+      <a:lvl6pPr marL="2743200" indent="-384048" algn="l" defTabSz="914400" rtl="0" eaLnBrk="1" latinLnBrk="0" hangingPunct="1">
         <a:lnSpc>
-          <a:spcPct val="90000"/>
+          <a:spcPct val="94000"/>
         </a:lnSpc>
         <a:spcBef>
           <a:spcPts val="500"/>
         </a:spcBef>
-        <a:buFont typeface="Arial" panose="020B0604020202020204" pitchFamily="34" charset="0"/>
-        <a:buChar char="•"/>
-        <a:defRPr sz="1800" kern="1200">
+        <a:spcAft>
+          <a:spcPts val="200"/>
+        </a:spcAft>
+        <a:buFont typeface="Franklin Gothic Book" panose="020B0503020102020204" pitchFamily="34" charset="0"/>
+        <a:buChar char="–"/>
+        <a:defRPr sz="1600" i="1" kern="1200" baseline="0">
           <a:solidFill>
-            <a:schemeClr val="tx1"/>
+            <a:schemeClr val="tx2"/>
           </a:solidFill>
           <a:latin typeface="+mn-lt"/>
           <a:ea typeface="+mn-ea"/>
           <a:cs typeface="+mn-cs"/>
         </a:defRPr>
       </a:lvl6pPr>
-      <a:lvl7pPr marL="2971800" indent="-228600" algn="l" defTabSz="914400" rtl="0" eaLnBrk="1" latinLnBrk="0" hangingPunct="1">
+      <a:lvl7pPr marL="3200400" indent="-384048" algn="l" defTabSz="914400" rtl="0" eaLnBrk="1" latinLnBrk="0" hangingPunct="1">
         <a:lnSpc>
-          <a:spcPct val="90000"/>
+          <a:spcPct val="94000"/>
         </a:lnSpc>
         <a:spcBef>
           <a:spcPts val="500"/>
         </a:spcBef>
-        <a:buFont typeface="Arial" panose="020B0604020202020204" pitchFamily="34" charset="0"/>
-        <a:buChar char="•"/>
-        <a:defRPr sz="1800" kern="1200">
+        <a:spcAft>
+          <a:spcPts val="200"/>
+        </a:spcAft>
+        <a:buFont typeface="Franklin Gothic Book" panose="020B0503020102020204" pitchFamily="34" charset="0"/>
+        <a:buChar char="■"/>
+        <a:defRPr sz="1400" kern="1200" baseline="0">
           <a:solidFill>
-            <a:schemeClr val="tx1"/>
+            <a:schemeClr val="tx2"/>
           </a:solidFill>
           <a:latin typeface="+mn-lt"/>
           <a:ea typeface="+mn-ea"/>
           <a:cs typeface="+mn-cs"/>
         </a:defRPr>
       </a:lvl7pPr>
-      <a:lvl8pPr marL="3429000" indent="-228600" algn="l" defTabSz="914400" rtl="0" eaLnBrk="1" latinLnBrk="0" hangingPunct="1">
+      <a:lvl8pPr marL="3657600" indent="-384048" algn="l" defTabSz="914400" rtl="0" eaLnBrk="1" latinLnBrk="0" hangingPunct="1">
         <a:lnSpc>
-          <a:spcPct val="90000"/>
+          <a:spcPct val="94000"/>
         </a:lnSpc>
         <a:spcBef>
           <a:spcPts val="500"/>
         </a:spcBef>
-        <a:buFont typeface="Arial" panose="020B0604020202020204" pitchFamily="34" charset="0"/>
-        <a:buChar char="•"/>
-        <a:defRPr sz="1800" kern="1200">
+        <a:spcAft>
+          <a:spcPts val="200"/>
+        </a:spcAft>
+        <a:buFont typeface="Franklin Gothic Book" panose="020B0503020102020204" pitchFamily="34" charset="0"/>
+        <a:buChar char="–"/>
+        <a:defRPr sz="1400" i="1" kern="1200" baseline="0">
           <a:solidFill>
-            <a:schemeClr val="tx1"/>
+            <a:schemeClr val="tx2"/>
           </a:solidFill>
           <a:latin typeface="+mn-lt"/>
           <a:ea typeface="+mn-ea"/>
           <a:cs typeface="+mn-cs"/>
         </a:defRPr>
       </a:lvl8pPr>
-      <a:lvl9pPr marL="3886200" indent="-228600" algn="l" defTabSz="914400" rtl="0" eaLnBrk="1" latinLnBrk="0" hangingPunct="1">
+      <a:lvl9pPr marL="4114800" indent="-384048" algn="l" defTabSz="914400" rtl="0" eaLnBrk="1" latinLnBrk="0" hangingPunct="1">
         <a:lnSpc>
-          <a:spcPct val="90000"/>
+          <a:spcPct val="94000"/>
         </a:lnSpc>
         <a:spcBef>
           <a:spcPts val="500"/>
         </a:spcBef>
-        <a:buFont typeface="Arial" panose="020B0604020202020204" pitchFamily="34" charset="0"/>
-        <a:buChar char="•"/>
-        <a:defRPr sz="1800" kern="1200">
+        <a:spcAft>
+          <a:spcPts val="200"/>
+        </a:spcAft>
+        <a:buFont typeface="Franklin Gothic Book" panose="020B0503020102020204" pitchFamily="34" charset="0"/>
+        <a:buChar char="■"/>
+        <a:defRPr sz="1400" kern="1200" baseline="0">
           <a:solidFill>
-            <a:schemeClr val="tx1"/>
+            <a:schemeClr val="tx2"/>
           </a:solidFill>
           <a:latin typeface="+mn-lt"/>
           <a:ea typeface="+mn-ea"/>
@@ -4279,7 +4733,7 @@
     </p:bodyStyle>
     <p:otherStyle>
       <a:defPPr>
-        <a:defRPr lang="de-DE"/>
+        <a:defRPr lang="en-US"/>
       </a:defPPr>
       <a:lvl1pPr marL="0" algn="l" defTabSz="914400" rtl="0" eaLnBrk="1" latinLnBrk="0" hangingPunct="1">
         <a:defRPr sz="1800" kern="1200">
@@ -4373,6 +4827,52 @@
       </a:lvl9pPr>
     </p:otherStyle>
   </p:txStyles>
+  <p:extLst>
+    <p:ext uri="{27BBF7A9-308A-43DC-89C8-2F10F3537804}">
+      <p15:sldGuideLst xmlns:p15="http://schemas.microsoft.com/office/powerpoint/2012/main">
+        <p15:guide id="3" orient="horz" pos="1368">
+          <p15:clr>
+            <a:srgbClr val="F26B43"/>
+          </p15:clr>
+        </p15:guide>
+        <p15:guide id="4" orient="horz" pos="1440">
+          <p15:clr>
+            <a:srgbClr val="F26B43"/>
+          </p15:clr>
+        </p15:guide>
+        <p15:guide id="6" orient="horz" pos="3696">
+          <p15:clr>
+            <a:srgbClr val="F26B43"/>
+          </p15:clr>
+        </p15:guide>
+        <p15:guide id="7" orient="horz" pos="432">
+          <p15:clr>
+            <a:srgbClr val="F26B43"/>
+          </p15:clr>
+        </p15:guide>
+        <p15:guide id="8" orient="horz" pos="1512">
+          <p15:clr>
+            <a:srgbClr val="F26B43"/>
+          </p15:clr>
+        </p15:guide>
+        <p15:guide id="9" pos="6912">
+          <p15:clr>
+            <a:srgbClr val="F26B43"/>
+          </p15:clr>
+        </p15:guide>
+        <p15:guide id="10" pos="936">
+          <p15:clr>
+            <a:srgbClr val="F26B43"/>
+          </p15:clr>
+        </p15:guide>
+        <p15:guide id="11" pos="864">
+          <p15:clr>
+            <a:srgbClr val="F26B43"/>
+          </p15:clr>
+        </p15:guide>
+      </p15:sldGuideLst>
+    </p:ext>
+  </p:extLst>
 </p:sldMaster>
 </file>
 
@@ -4409,14 +4909,28 @@
             <p:ph type="ctrTitle"/>
           </p:nvPr>
         </p:nvSpPr>
-        <p:spPr/>
+        <p:spPr>
+          <a:xfrm>
+            <a:off x="1162076" y="1132764"/>
+            <a:ext cx="9867331" cy="2016937"/>
+          </a:xfrm>
+        </p:spPr>
         <p:txBody>
           <a:bodyPr/>
           <a:lstStyle/>
           <a:p>
             <a:r>
-              <a:rPr lang="de-AT" dirty="0"/>
-              <a:t>	DUBAI-RUNNER</a:t>
+              <a:rPr lang="de-AT" dirty="0">
+                <a:effectLst>
+                  <a:outerShdw blurRad="38100" dist="38100" dir="2700000" algn="tl">
+                    <a:srgbClr val="000000">
+                      <a:alpha val="43137"/>
+                    </a:srgbClr>
+                  </a:outerShdw>
+                </a:effectLst>
+                <a:latin typeface="Good Times" panose="00000400000000000000" pitchFamily="2" charset="0"/>
+              </a:rPr>
+              <a:t>DUBAI-RUNNER</a:t>
             </a:r>
           </a:p>
         </p:txBody>
@@ -4437,26 +4951,65 @@
             <p:ph type="subTitle" idx="1"/>
           </p:nvPr>
         </p:nvSpPr>
-        <p:spPr/>
-        <p:txBody>
-          <a:bodyPr/>
+        <p:spPr>
+          <a:xfrm>
+            <a:off x="2679906" y="3429001"/>
+            <a:ext cx="6831673" cy="1613516"/>
+          </a:xfrm>
+        </p:spPr>
+        <p:txBody>
+          <a:bodyPr>
+            <a:normAutofit/>
+          </a:bodyPr>
           <a:lstStyle/>
           <a:p>
             <a:r>
-              <a:rPr lang="de-AT" dirty="0" err="1"/>
+              <a:rPr lang="de-AT" sz="1800" b="1" dirty="0" err="1">
+                <a:effectLst>
+                  <a:outerShdw blurRad="38100" dist="38100" dir="2700000" algn="tl">
+                    <a:srgbClr val="000000">
+                      <a:alpha val="43137"/>
+                    </a:srgbClr>
+                  </a:outerShdw>
+                </a:effectLst>
+              </a:rPr>
               <a:t>Sew</a:t>
             </a:r>
             <a:r>
-              <a:rPr lang="de-AT" dirty="0"/>
+              <a:rPr lang="de-AT" sz="1800" b="1" dirty="0">
+                <a:effectLst>
+                  <a:outerShdw blurRad="38100" dist="38100" dir="2700000" algn="tl">
+                    <a:srgbClr val="000000">
+                      <a:alpha val="43137"/>
+                    </a:srgbClr>
+                  </a:outerShdw>
+                </a:effectLst>
+              </a:rPr>
               <a:t> Projekt</a:t>
             </a:r>
           </a:p>
           <a:p>
-            <a:endParaRPr lang="de-AT" dirty="0"/>
-          </a:p>
-          <a:p>
-            <a:r>
-              <a:rPr lang="de-AT" dirty="0"/>
+            <a:endParaRPr lang="de-AT" sz="1800" b="1" dirty="0">
+              <a:effectLst>
+                <a:outerShdw blurRad="38100" dist="38100" dir="2700000" algn="tl">
+                  <a:srgbClr val="000000">
+                    <a:alpha val="43137"/>
+                  </a:srgbClr>
+                </a:outerShdw>
+              </a:effectLst>
+            </a:endParaRPr>
+          </a:p>
+          <a:p>
+            <a:r>
+              <a:rPr lang="de-AT" sz="1800" b="1" dirty="0">
+                <a:effectLst>
+                  <a:outerShdw blurRad="38100" dist="38100" dir="2700000" algn="tl">
+                    <a:srgbClr val="000000">
+                      <a:alpha val="43137"/>
+                    </a:srgbClr>
+                  </a:outerShdw>
+                </a:effectLst>
+              </a:rPr>
               <a:t>By Manuel Neidhart, Maximilian Eder, Robin Reinhart, Martin Kaar</a:t>
             </a:r>
           </a:p>
@@ -4472,6 +5025,18 @@
   <p:clrMapOvr>
     <a:masterClrMapping/>
   </p:clrMapOvr>
+  <mc:AlternateContent xmlns:mc="http://schemas.openxmlformats.org/markup-compatibility/2006">
+    <mc:Choice xmlns:p159="http://schemas.microsoft.com/office/powerpoint/2015/09/main" Requires="p159">
+      <p:transition xmlns:p14="http://schemas.microsoft.com/office/powerpoint/2010/main" spd="slow" p14:dur="2000">
+        <p159:morph option="byObject"/>
+      </p:transition>
+    </mc:Choice>
+    <mc:Fallback>
+      <p:transition spd="slow">
+        <p:fade/>
+      </p:transition>
+    </mc:Fallback>
+  </mc:AlternateContent>
 </p:sld>
 </file>
 
@@ -4514,47 +5079,67 @@
           <a:lstStyle/>
           <a:p>
             <a:r>
-              <a:rPr lang="de-AT" dirty="0"/>
-              <a:t>Einführung</a:t>
-            </a:r>
-          </a:p>
-        </p:txBody>
-      </p:sp>
-      <p:pic>
-        <p:nvPicPr>
-          <p:cNvPr id="5" name="Inhaltsplatzhalter 4" descr="Ein Bild, das Gebäude enthält.&#10;&#10;Automatisch generierte Beschreibung">
+              <a:rPr lang="de-AT" dirty="0">
+                <a:effectLst>
+                  <a:outerShdw blurRad="38100" dist="38100" dir="2700000" algn="tl">
+                    <a:srgbClr val="000000">
+                      <a:alpha val="43137"/>
+                    </a:srgbClr>
+                  </a:outerShdw>
+                </a:effectLst>
+                <a:latin typeface="Good Times" panose="00000400000000000000" pitchFamily="2" charset="0"/>
+              </a:rPr>
+              <a:t>Übersicht</a:t>
+            </a:r>
+          </a:p>
+        </p:txBody>
+      </p:sp>
+      <p:sp>
+        <p:nvSpPr>
+          <p:cNvPr id="4" name="Inhaltsplatzhalter 3">
             <a:extLst>
               <a:ext uri="{FF2B5EF4-FFF2-40B4-BE49-F238E27FC236}">
-                <a16:creationId xmlns:a16="http://schemas.microsoft.com/office/drawing/2014/main" id="{3DAAB69B-A187-453A-B724-F937C7ABC1FA}"/>
+                <a16:creationId xmlns:a16="http://schemas.microsoft.com/office/drawing/2014/main" id="{2F1620D6-FC7B-407A-A256-A98DABE7CF3F}"/>
               </a:ext>
             </a:extLst>
           </p:cNvPr>
-          <p:cNvPicPr>
-            <a:picLocks noGrp="1" noChangeAspect="1"/>
-          </p:cNvPicPr>
+          <p:cNvSpPr>
+            <a:spLocks noGrp="1"/>
+          </p:cNvSpPr>
           <p:nvPr>
             <p:ph idx="1"/>
           </p:nvPr>
-        </p:nvPicPr>
-        <p:blipFill>
-          <a:blip r:embed="rId3">
-            <a:extLst>
-              <a:ext uri="{28A0092B-C50C-407E-A947-70E740481C1C}">
-                <a14:useLocalDpi xmlns:a14="http://schemas.microsoft.com/office/drawing/2010/main" val="0"/>
-              </a:ext>
-            </a:extLst>
-          </a:blip>
-          <a:stretch>
-            <a:fillRect/>
-          </a:stretch>
-        </p:blipFill>
-        <p:spPr>
-          <a:xfrm>
-            <a:off x="1337388" y="1343219"/>
-            <a:ext cx="9517224" cy="5354929"/>
-          </a:xfrm>
-        </p:spPr>
-      </p:pic>
+        </p:nvSpPr>
+        <p:spPr/>
+        <p:txBody>
+          <a:bodyPr/>
+          <a:lstStyle/>
+          <a:p>
+            <a:r>
+              <a:rPr lang="de-AT" dirty="0"/>
+              <a:t>Idee</a:t>
+            </a:r>
+          </a:p>
+          <a:p>
+            <a:r>
+              <a:rPr lang="de-AT" dirty="0"/>
+              <a:t>Vorstellung des Spiels</a:t>
+            </a:r>
+          </a:p>
+          <a:p>
+            <a:r>
+              <a:rPr lang="de-AT" dirty="0"/>
+              <a:t>Umsetzung</a:t>
+            </a:r>
+          </a:p>
+          <a:p>
+            <a:r>
+              <a:rPr lang="de-AT" dirty="0"/>
+              <a:t>Erklärung</a:t>
+            </a:r>
+          </a:p>
+        </p:txBody>
+      </p:sp>
     </p:spTree>
     <p:extLst>
       <p:ext uri="{BB962C8B-B14F-4D97-AF65-F5344CB8AC3E}">
@@ -4565,6 +5150,18 @@
   <p:clrMapOvr>
     <a:masterClrMapping/>
   </p:clrMapOvr>
+  <mc:AlternateContent xmlns:mc="http://schemas.openxmlformats.org/markup-compatibility/2006">
+    <mc:Choice xmlns:p159="http://schemas.microsoft.com/office/powerpoint/2015/09/main" Requires="p159">
+      <p:transition xmlns:p14="http://schemas.microsoft.com/office/powerpoint/2010/main" spd="slow" p14:dur="2000">
+        <p159:morph option="byObject"/>
+      </p:transition>
+    </mc:Choice>
+    <mc:Fallback>
+      <p:transition spd="slow">
+        <p:fade/>
+      </p:transition>
+    </mc:Fallback>
+  </mc:AlternateContent>
 </p:sld>
 </file>
 
@@ -4601,16 +5198,29 @@
             <p:ph type="title"/>
           </p:nvPr>
         </p:nvSpPr>
-        <p:spPr/>
+        <p:spPr>
+          <a:xfrm>
+            <a:off x="1371600" y="685800"/>
+            <a:ext cx="9601200" cy="1195566"/>
+          </a:xfrm>
+        </p:spPr>
         <p:txBody>
           <a:bodyPr/>
           <a:lstStyle/>
           <a:p>
-            <a:endParaRPr lang="de-AT" dirty="0">
-              <a:solidFill>
-                <a:schemeClr val="bg1"/>
-              </a:solidFill>
-            </a:endParaRPr>
+            <a:r>
+              <a:rPr lang="de-AT" dirty="0">
+                <a:effectLst>
+                  <a:outerShdw blurRad="38100" dist="38100" dir="2700000" algn="tl">
+                    <a:srgbClr val="000000">
+                      <a:alpha val="43137"/>
+                    </a:srgbClr>
+                  </a:outerShdw>
+                </a:effectLst>
+                <a:latin typeface="Good Times" panose="00000400000000000000" pitchFamily="2" charset="0"/>
+              </a:rPr>
+              <a:t>Idee</a:t>
+            </a:r>
           </a:p>
         </p:txBody>
       </p:sp>
@@ -4635,16 +5245,19 @@
           <a:bodyPr/>
           <a:lstStyle/>
           <a:p>
-            <a:endParaRPr lang="de-AT" dirty="0"/>
+            <a:r>
+              <a:rPr lang="de-AT" dirty="0"/>
+              <a:t>https://www.youtube.com/watch?v=5--BcY5FMUE</a:t>
+            </a:r>
           </a:p>
         </p:txBody>
       </p:sp>
       <p:pic>
         <p:nvPicPr>
-          <p:cNvPr id="10" name="Inhaltsplatzhalter 3">
+          <p:cNvPr id="4" name="Grafik 3">
             <a:extLst>
               <a:ext uri="{FF2B5EF4-FFF2-40B4-BE49-F238E27FC236}">
-                <a16:creationId xmlns:a16="http://schemas.microsoft.com/office/drawing/2014/main" id="{066028BE-39FF-4402-A938-5E8B9BA7C0E8}"/>
+                <a16:creationId xmlns:a16="http://schemas.microsoft.com/office/drawing/2014/main" id="{9765A432-B7BE-4CA8-BF51-ED8CBB323271}"/>
               </a:ext>
             </a:extLst>
           </p:cNvPr>
@@ -4654,60 +5267,27 @@
           <p:nvPr/>
         </p:nvPicPr>
         <p:blipFill>
-          <a:blip r:embed="rId3"/>
+          <a:blip r:embed="rId3">
+            <a:extLst>
+              <a:ext uri="{28A0092B-C50C-407E-A947-70E740481C1C}">
+                <a14:useLocalDpi xmlns:a14="http://schemas.microsoft.com/office/drawing/2010/main" val="0"/>
+              </a:ext>
+            </a:extLst>
+          </a:blip>
           <a:stretch>
             <a:fillRect/>
           </a:stretch>
         </p:blipFill>
         <p:spPr>
           <a:xfrm>
-            <a:off x="-1" y="0"/>
-            <a:ext cx="12192000" cy="6942368"/>
+            <a:off x="2912533" y="2924823"/>
+            <a:ext cx="6366933" cy="3581400"/>
           </a:xfrm>
           <a:prstGeom prst="rect">
             <a:avLst/>
           </a:prstGeom>
         </p:spPr>
       </p:pic>
-      <p:sp>
-        <p:nvSpPr>
-          <p:cNvPr id="7" name="Rechteck 6">
-            <a:extLst>
-              <a:ext uri="{FF2B5EF4-FFF2-40B4-BE49-F238E27FC236}">
-                <a16:creationId xmlns:a16="http://schemas.microsoft.com/office/drawing/2014/main" id="{6BD2E45F-B929-44E6-8956-F17B78588B05}"/>
-              </a:ext>
-            </a:extLst>
-          </p:cNvPr>
-          <p:cNvSpPr/>
-          <p:nvPr/>
-        </p:nvSpPr>
-        <p:spPr>
-          <a:xfrm>
-            <a:off x="8078598" y="681037"/>
-            <a:ext cx="3993160" cy="1200329"/>
-          </a:xfrm>
-          <a:prstGeom prst="rect">
-            <a:avLst/>
-          </a:prstGeom>
-        </p:spPr>
-        <p:txBody>
-          <a:bodyPr wrap="square">
-            <a:spAutoFit/>
-          </a:bodyPr>
-          <a:lstStyle/>
-          <a:p>
-            <a:r>
-              <a:rPr lang="de-AT" sz="3600" dirty="0">
-                <a:solidFill>
-                  <a:schemeClr val="bg1"/>
-                </a:solidFill>
-              </a:rPr>
-              <a:t>Beschreibung der Label Klasse</a:t>
-            </a:r>
-            <a:endParaRPr lang="de-AT" sz="3600" dirty="0"/>
-          </a:p>
-        </p:txBody>
-      </p:sp>
     </p:spTree>
     <p:extLst>
       <p:ext uri="{BB962C8B-B14F-4D97-AF65-F5344CB8AC3E}">
@@ -4718,6 +5298,18 @@
   <p:clrMapOvr>
     <a:masterClrMapping/>
   </p:clrMapOvr>
+  <mc:AlternateContent xmlns:mc="http://schemas.openxmlformats.org/markup-compatibility/2006">
+    <mc:Choice xmlns:p159="http://schemas.microsoft.com/office/powerpoint/2015/09/main" Requires="p159">
+      <p:transition xmlns:p14="http://schemas.microsoft.com/office/powerpoint/2010/main" spd="slow" p14:dur="2000">
+        <p159:morph option="byObject"/>
+      </p:transition>
+    </mc:Choice>
+    <mc:Fallback>
+      <p:transition spd="slow">
+        <p:fade/>
+      </p:transition>
+    </mc:Fallback>
+  </mc:AlternateContent>
 </p:sld>
 </file>
 
@@ -4738,41 +5330,12 @@
           <a:chExt cx="0" cy="0"/>
         </a:xfrm>
       </p:grpSpPr>
-      <p:sp>
-        <p:nvSpPr>
-          <p:cNvPr id="2" name="Titel 1">
+      <p:pic>
+        <p:nvPicPr>
+          <p:cNvPr id="5" name="Inhaltsplatzhalter 4">
             <a:extLst>
               <a:ext uri="{FF2B5EF4-FFF2-40B4-BE49-F238E27FC236}">
-                <a16:creationId xmlns:a16="http://schemas.microsoft.com/office/drawing/2014/main" id="{7CD58F3B-3391-4E10-8152-469B82AE84AD}"/>
-              </a:ext>
-            </a:extLst>
-          </p:cNvPr>
-          <p:cNvSpPr>
-            <a:spLocks noGrp="1"/>
-          </p:cNvSpPr>
-          <p:nvPr>
-            <p:ph type="title"/>
-          </p:nvPr>
-        </p:nvSpPr>
-        <p:spPr/>
-        <p:txBody>
-          <a:bodyPr/>
-          <a:lstStyle/>
-          <a:p>
-            <a:endParaRPr lang="de-AT" dirty="0">
-              <a:solidFill>
-                <a:schemeClr val="bg1"/>
-              </a:solidFill>
-            </a:endParaRPr>
-          </a:p>
-        </p:txBody>
-      </p:sp>
-      <p:pic>
-        <p:nvPicPr>
-          <p:cNvPr id="4" name="Inhaltsplatzhalter 3">
-            <a:extLst>
-              <a:ext uri="{FF2B5EF4-FFF2-40B4-BE49-F238E27FC236}">
-                <a16:creationId xmlns:a16="http://schemas.microsoft.com/office/drawing/2014/main" id="{ECF59824-025D-4C0B-BBB0-B296C60BF49B}"/>
+                <a16:creationId xmlns:a16="http://schemas.microsoft.com/office/drawing/2014/main" id="{4F54322E-B8E6-4163-BAE0-9C504F09C1F8}"/>
               </a:ext>
             </a:extLst>
           </p:cNvPr>
@@ -4784,70 +5347,46 @@
           </p:nvPr>
         </p:nvPicPr>
         <p:blipFill>
-          <a:blip r:embed="rId3"/>
+          <a:blip r:embed="rId2">
+            <a:extLst>
+              <a:ext uri="{28A0092B-C50C-407E-A947-70E740481C1C}">
+                <a14:useLocalDpi xmlns:a14="http://schemas.microsoft.com/office/drawing/2010/main" val="0"/>
+              </a:ext>
+            </a:extLst>
+          </a:blip>
           <a:stretch>
             <a:fillRect/>
           </a:stretch>
         </p:blipFill>
         <p:spPr>
           <a:xfrm>
-            <a:off x="6113" y="1"/>
-            <a:ext cx="12185887" cy="6857999"/>
+            <a:off x="1191580" y="670264"/>
+            <a:ext cx="9808839" cy="5517472"/>
           </a:xfrm>
-          <a:prstGeom prst="rect">
-            <a:avLst/>
-          </a:prstGeom>
         </p:spPr>
       </p:pic>
-      <p:sp>
-        <p:nvSpPr>
-          <p:cNvPr id="5" name="Rechteck 4">
-            <a:extLst>
-              <a:ext uri="{FF2B5EF4-FFF2-40B4-BE49-F238E27FC236}">
-                <a16:creationId xmlns:a16="http://schemas.microsoft.com/office/drawing/2014/main" id="{09DDF68B-97F9-4A3E-9D4E-9FE8387A3079}"/>
-              </a:ext>
-            </a:extLst>
-          </p:cNvPr>
-          <p:cNvSpPr/>
-          <p:nvPr/>
-        </p:nvSpPr>
-        <p:spPr>
-          <a:xfrm flipH="1">
-            <a:off x="7306811" y="889233"/>
-            <a:ext cx="4622334" cy="646331"/>
-          </a:xfrm>
-          <a:prstGeom prst="rect">
-            <a:avLst/>
-          </a:prstGeom>
-        </p:spPr>
-        <p:txBody>
-          <a:bodyPr wrap="square">
-            <a:spAutoFit/>
-          </a:bodyPr>
-          <a:lstStyle/>
-          <a:p>
-            <a:r>
-              <a:rPr lang="de-AT" sz="3600" dirty="0">
-                <a:solidFill>
-                  <a:schemeClr val="bg1"/>
-                </a:solidFill>
-              </a:rPr>
-              <a:t>Background Klasse</a:t>
-            </a:r>
-            <a:endParaRPr lang="de-AT" sz="3600" dirty="0"/>
-          </a:p>
-        </p:txBody>
-      </p:sp>
     </p:spTree>
     <p:extLst>
       <p:ext uri="{BB962C8B-B14F-4D97-AF65-F5344CB8AC3E}">
-        <p14:creationId xmlns:p14="http://schemas.microsoft.com/office/powerpoint/2010/main" val="795539121"/>
+        <p14:creationId xmlns:p14="http://schemas.microsoft.com/office/powerpoint/2010/main" val="2198141930"/>
       </p:ext>
     </p:extLst>
   </p:cSld>
   <p:clrMapOvr>
     <a:masterClrMapping/>
   </p:clrMapOvr>
+  <mc:AlternateContent xmlns:mc="http://schemas.openxmlformats.org/markup-compatibility/2006">
+    <mc:Choice xmlns:p159="http://schemas.microsoft.com/office/powerpoint/2015/09/main" Requires="p159">
+      <p:transition xmlns:p14="http://schemas.microsoft.com/office/powerpoint/2010/main" spd="slow" p14:dur="2000">
+        <p159:morph option="byObject"/>
+      </p:transition>
+    </mc:Choice>
+    <mc:Fallback>
+      <p:transition spd="slow">
+        <p:fade/>
+      </p:transition>
+    </mc:Fallback>
+  </mc:AlternateContent>
 </p:sld>
 </file>
 
@@ -4873,7 +5412,7 @@
           <p:cNvPr id="2" name="Titel 1">
             <a:extLst>
               <a:ext uri="{FF2B5EF4-FFF2-40B4-BE49-F238E27FC236}">
-                <a16:creationId xmlns:a16="http://schemas.microsoft.com/office/drawing/2014/main" id="{60BE5FB3-7510-4A29-AF46-CA90728B0E82}"/>
+                <a16:creationId xmlns:a16="http://schemas.microsoft.com/office/drawing/2014/main" id="{7CD58F3B-3391-4E10-8152-469B82AE84AD}"/>
               </a:ext>
             </a:extLst>
           </p:cNvPr>
@@ -4884,110 +5423,131 @@
             <p:ph type="title"/>
           </p:nvPr>
         </p:nvSpPr>
-        <p:spPr/>
+        <p:spPr>
+          <a:xfrm>
+            <a:off x="1371600" y="685800"/>
+            <a:ext cx="10174406" cy="1102057"/>
+          </a:xfrm>
+        </p:spPr>
         <p:txBody>
           <a:bodyPr/>
           <a:lstStyle/>
           <a:p>
-            <a:endParaRPr lang="de-AT"/>
-          </a:p>
-        </p:txBody>
-      </p:sp>
-      <p:pic>
-        <p:nvPicPr>
-          <p:cNvPr id="4" name="Inhaltsplatzhalter 3">
+            <a:r>
+              <a:rPr lang="de-AT" dirty="0">
+                <a:effectLst>
+                  <a:outerShdw blurRad="38100" dist="38100" dir="2700000" algn="tl">
+                    <a:srgbClr val="000000">
+                      <a:alpha val="43137"/>
+                    </a:srgbClr>
+                  </a:outerShdw>
+                </a:effectLst>
+                <a:latin typeface="Good Times" panose="00000400000000000000" pitchFamily="2" charset="0"/>
+              </a:rPr>
+              <a:t>Vorstellung des Spiels</a:t>
+            </a:r>
+          </a:p>
+        </p:txBody>
+      </p:sp>
+      <p:sp>
+        <p:nvSpPr>
+          <p:cNvPr id="6" name="Inhaltsplatzhalter 5">
             <a:extLst>
               <a:ext uri="{FF2B5EF4-FFF2-40B4-BE49-F238E27FC236}">
-                <a16:creationId xmlns:a16="http://schemas.microsoft.com/office/drawing/2014/main" id="{69C1CACF-0370-42EF-91FF-5B22A317CA00}"/>
+                <a16:creationId xmlns:a16="http://schemas.microsoft.com/office/drawing/2014/main" id="{4B278E48-3210-4E59-AAB7-3FCAA72660AA}"/>
               </a:ext>
             </a:extLst>
           </p:cNvPr>
-          <p:cNvPicPr>
-            <a:picLocks noGrp="1" noChangeAspect="1"/>
-          </p:cNvPicPr>
+          <p:cNvSpPr>
+            <a:spLocks noGrp="1"/>
+          </p:cNvSpPr>
           <p:nvPr>
             <p:ph idx="1"/>
           </p:nvPr>
-        </p:nvPicPr>
-        <p:blipFill>
-          <a:blip r:embed="rId3"/>
-          <a:stretch>
-            <a:fillRect/>
-          </a:stretch>
-        </p:blipFill>
+        </p:nvSpPr>
         <p:spPr>
           <a:xfrm>
-            <a:off x="0" y="1981"/>
-            <a:ext cx="12192000" cy="6856019"/>
+            <a:off x="1371600" y="1787857"/>
+            <a:ext cx="9601200" cy="3581400"/>
           </a:xfrm>
-          <a:prstGeom prst="rect">
-            <a:avLst/>
-          </a:prstGeom>
         </p:spPr>
-      </p:pic>
-      <p:sp>
-        <p:nvSpPr>
-          <p:cNvPr id="5" name="Rechteck 4">
-            <a:extLst>
-              <a:ext uri="{FF2B5EF4-FFF2-40B4-BE49-F238E27FC236}">
-                <a16:creationId xmlns:a16="http://schemas.microsoft.com/office/drawing/2014/main" id="{2D2776F4-AB57-463B-9034-8DFF988CD2C2}"/>
-              </a:ext>
-            </a:extLst>
-          </p:cNvPr>
-          <p:cNvSpPr/>
-          <p:nvPr/>
-        </p:nvSpPr>
-        <p:spPr>
-          <a:xfrm>
-            <a:off x="7055141" y="365124"/>
-            <a:ext cx="5025005" cy="1754326"/>
-          </a:xfrm>
-          <a:prstGeom prst="rect">
-            <a:avLst/>
-          </a:prstGeom>
-        </p:spPr>
-        <p:txBody>
-          <a:bodyPr wrap="square">
-            <a:spAutoFit/>
-          </a:bodyPr>
+        <p:txBody>
+          <a:bodyPr/>
           <a:lstStyle/>
           <a:p>
-            <a:endParaRPr lang="de-AT" dirty="0">
-              <a:solidFill>
-                <a:schemeClr val="bg1"/>
-              </a:solidFill>
-            </a:endParaRPr>
-          </a:p>
-          <a:p>
-            <a:endParaRPr lang="de-AT" dirty="0">
-              <a:solidFill>
-                <a:schemeClr val="bg1"/>
-              </a:solidFill>
-            </a:endParaRPr>
-          </a:p>
-          <a:p>
-            <a:r>
-              <a:rPr lang="de-AT" sz="3600" dirty="0">
-                <a:solidFill>
-                  <a:schemeClr val="bg1"/>
-                </a:solidFill>
-              </a:rPr>
-              <a:t>Beschreibung der Player-Movement Klasse</a:t>
-            </a:r>
-            <a:endParaRPr lang="de-AT" sz="3600" dirty="0"/>
+            <a:r>
+              <a:rPr lang="de-AT" dirty="0"/>
+              <a:t>2d Game</a:t>
+            </a:r>
+          </a:p>
+          <a:p>
+            <a:r>
+              <a:rPr lang="de-AT" dirty="0"/>
+              <a:t>Spielprinzip: So weit wie möglich nach rechts laufen, ohne bankrott zu 				gehen.</a:t>
+            </a:r>
+          </a:p>
+          <a:p>
+            <a:r>
+              <a:rPr lang="de-AT" dirty="0"/>
+              <a:t>Items: Rolex, Schuh, Tresor</a:t>
+            </a:r>
+          </a:p>
+          <a:p>
+            <a:r>
+              <a:rPr lang="de-AT" dirty="0"/>
+              <a:t>Gegner: Geldbündel, Geldtopf</a:t>
+            </a:r>
+          </a:p>
+          <a:p>
+            <a:r>
+              <a:rPr lang="de-AT" dirty="0"/>
+              <a:t>Münzen: Geldmünzen</a:t>
+            </a:r>
+          </a:p>
+          <a:p>
+            <a:r>
+              <a:rPr lang="de-AT" dirty="0"/>
+              <a:t>Musik: </a:t>
+            </a:r>
+            <a:r>
+              <a:rPr lang="de-AT" dirty="0" err="1"/>
+              <a:t>No</a:t>
+            </a:r>
+            <a:r>
+              <a:rPr lang="de-AT" dirty="0"/>
+              <a:t> Copyright Remix des Originalvideos</a:t>
+            </a:r>
+          </a:p>
+          <a:p>
+            <a:r>
+              <a:rPr lang="de-AT" dirty="0"/>
+              <a:t>Allgemein: Alle Bilder und Sprites wurden selbst erstellt.</a:t>
+            </a:r>
           </a:p>
         </p:txBody>
       </p:sp>
     </p:spTree>
     <p:extLst>
       <p:ext uri="{BB962C8B-B14F-4D97-AF65-F5344CB8AC3E}">
-        <p14:creationId xmlns:p14="http://schemas.microsoft.com/office/powerpoint/2010/main" val="4124534789"/>
+        <p14:creationId xmlns:p14="http://schemas.microsoft.com/office/powerpoint/2010/main" val="795539121"/>
       </p:ext>
     </p:extLst>
   </p:cSld>
   <p:clrMapOvr>
     <a:masterClrMapping/>
   </p:clrMapOvr>
+  <mc:AlternateContent xmlns:mc="http://schemas.openxmlformats.org/markup-compatibility/2006">
+    <mc:Choice xmlns:p159="http://schemas.microsoft.com/office/powerpoint/2015/09/main" Requires="p159">
+      <p:transition xmlns:p14="http://schemas.microsoft.com/office/powerpoint/2010/main" spd="slow" p14:dur="2000">
+        <p159:morph option="byObject"/>
+      </p:transition>
+    </mc:Choice>
+    <mc:Fallback>
+      <p:transition spd="slow">
+        <p:fade/>
+      </p:transition>
+    </mc:Fallback>
+  </mc:AlternateContent>
 </p:sld>
 </file>
 
@@ -5013,7 +5573,7 @@
           <p:cNvPr id="2" name="Titel 1">
             <a:extLst>
               <a:ext uri="{FF2B5EF4-FFF2-40B4-BE49-F238E27FC236}">
-                <a16:creationId xmlns:a16="http://schemas.microsoft.com/office/drawing/2014/main" id="{76052A65-C7B5-4439-AFE0-82E678AE946D}"/>
+                <a16:creationId xmlns:a16="http://schemas.microsoft.com/office/drawing/2014/main" id="{60BE5FB3-7510-4A29-AF46-CA90728B0E82}"/>
               </a:ext>
             </a:extLst>
           </p:cNvPr>
@@ -5029,16 +5589,28 @@
           <a:bodyPr/>
           <a:lstStyle/>
           <a:p>
-            <a:endParaRPr lang="de-AT"/>
-          </a:p>
-        </p:txBody>
-      </p:sp>
-      <p:sp>
-        <p:nvSpPr>
-          <p:cNvPr id="3" name="Inhaltsplatzhalter 2">
+            <a:r>
+              <a:rPr lang="de-AT" dirty="0">
+                <a:effectLst>
+                  <a:outerShdw blurRad="38100" dist="38100" dir="2700000" algn="tl">
+                    <a:srgbClr val="000000">
+                      <a:alpha val="43137"/>
+                    </a:srgbClr>
+                  </a:outerShdw>
+                </a:effectLst>
+                <a:latin typeface="Good Times" panose="00000400000000000000" pitchFamily="2" charset="0"/>
+              </a:rPr>
+              <a:t>Umsetzung</a:t>
+            </a:r>
+          </a:p>
+        </p:txBody>
+      </p:sp>
+      <p:sp>
+        <p:nvSpPr>
+          <p:cNvPr id="6" name="Inhaltsplatzhalter 5">
             <a:extLst>
               <a:ext uri="{FF2B5EF4-FFF2-40B4-BE49-F238E27FC236}">
-                <a16:creationId xmlns:a16="http://schemas.microsoft.com/office/drawing/2014/main" id="{19DBFD5D-9E89-4BB9-A683-D11E4E294F4A}"/>
+                <a16:creationId xmlns:a16="http://schemas.microsoft.com/office/drawing/2014/main" id="{C2ECEDFB-67ED-45A5-B5BA-945F090EA76B}"/>
               </a:ext>
             </a:extLst>
           </p:cNvPr>
@@ -5054,7 +5626,83 @@
           <a:bodyPr/>
           <a:lstStyle/>
           <a:p>
-            <a:endParaRPr lang="de-AT"/>
+            <a:pPr>
+              <a:lnSpc>
+                <a:spcPct val="150000"/>
+              </a:lnSpc>
+            </a:pPr>
+            <a:r>
+              <a:rPr lang="de-AT" dirty="0"/>
+              <a:t>Erste Woche: Sprite-</a:t>
+            </a:r>
+            <a:r>
+              <a:rPr lang="de-AT" dirty="0" err="1"/>
+              <a:t>movement</a:t>
+            </a:r>
+            <a:r>
+              <a:rPr lang="de-AT" dirty="0"/>
+              <a:t> und Background</a:t>
+            </a:r>
+          </a:p>
+          <a:p>
+            <a:pPr>
+              <a:lnSpc>
+                <a:spcPct val="150000"/>
+              </a:lnSpc>
+            </a:pPr>
+            <a:r>
+              <a:rPr lang="de-AT" dirty="0"/>
+              <a:t>Zweite Woche: Bug </a:t>
+            </a:r>
+            <a:r>
+              <a:rPr lang="de-AT" dirty="0" err="1"/>
+              <a:t>fixing</a:t>
+            </a:r>
+            <a:r>
+              <a:rPr lang="de-AT" dirty="0"/>
+              <a:t> und Bilder bearbeitet</a:t>
+            </a:r>
+          </a:p>
+          <a:p>
+            <a:pPr>
+              <a:lnSpc>
+                <a:spcPct val="150000"/>
+              </a:lnSpc>
+            </a:pPr>
+            <a:r>
+              <a:rPr lang="de-AT" dirty="0"/>
+              <a:t>Dritte Woche: Gegner und Münzen</a:t>
+            </a:r>
+          </a:p>
+          <a:p>
+            <a:pPr>
+              <a:lnSpc>
+                <a:spcPct val="150000"/>
+              </a:lnSpc>
+            </a:pPr>
+            <a:r>
+              <a:rPr lang="de-AT" dirty="0"/>
+              <a:t>Vierte Woche: Items</a:t>
+            </a:r>
+          </a:p>
+          <a:p>
+            <a:pPr>
+              <a:lnSpc>
+                <a:spcPct val="150000"/>
+              </a:lnSpc>
+            </a:pPr>
+            <a:r>
+              <a:rPr lang="de-AT" dirty="0"/>
+              <a:t>Fünfte Woche: Musik + Sounds, Wechseln der Hintergründe</a:t>
+            </a:r>
+          </a:p>
+          <a:p>
+            <a:pPr>
+              <a:lnSpc>
+                <a:spcPct val="150000"/>
+              </a:lnSpc>
+            </a:pPr>
+            <a:endParaRPr lang="de-AT" dirty="0"/>
           </a:p>
         </p:txBody>
       </p:sp>
@@ -5063,7 +5711,7 @@
           <p:cNvPr id="4" name="Grafik 3">
             <a:extLst>
               <a:ext uri="{FF2B5EF4-FFF2-40B4-BE49-F238E27FC236}">
-                <a16:creationId xmlns:a16="http://schemas.microsoft.com/office/drawing/2014/main" id="{03B97A92-8D39-4007-9767-0CCFA18470DD}"/>
+                <a16:creationId xmlns:a16="http://schemas.microsoft.com/office/drawing/2014/main" id="{D8E30E5A-6202-43A4-8FC0-4A49F837F3DA}"/>
               </a:ext>
             </a:extLst>
           </p:cNvPr>
@@ -5073,15 +5721,375 @@
           <p:nvPr/>
         </p:nvPicPr>
         <p:blipFill>
-          <a:blip r:embed="rId3"/>
+          <a:blip r:embed="rId3">
+            <a:extLst>
+              <a:ext uri="{28A0092B-C50C-407E-A947-70E740481C1C}">
+                <a14:useLocalDpi xmlns:a14="http://schemas.microsoft.com/office/drawing/2010/main" val="0"/>
+              </a:ext>
+            </a:extLst>
+          </a:blip>
           <a:stretch>
             <a:fillRect/>
           </a:stretch>
         </p:blipFill>
         <p:spPr>
           <a:xfrm>
-            <a:off x="0" y="0"/>
-            <a:ext cx="12192000" cy="6858000"/>
+            <a:off x="7047112" y="489937"/>
+            <a:ext cx="1552467" cy="2182242"/>
+          </a:xfrm>
+          <a:prstGeom prst="rect">
+            <a:avLst/>
+          </a:prstGeom>
+        </p:spPr>
+      </p:pic>
+      <p:pic>
+        <p:nvPicPr>
+          <p:cNvPr id="7" name="Grafik 6">
+            <a:extLst>
+              <a:ext uri="{FF2B5EF4-FFF2-40B4-BE49-F238E27FC236}">
+                <a16:creationId xmlns:a16="http://schemas.microsoft.com/office/drawing/2014/main" id="{8CDC6C77-80B1-4644-8D4A-2991B2CBB36B}"/>
+              </a:ext>
+            </a:extLst>
+          </p:cNvPr>
+          <p:cNvPicPr>
+            <a:picLocks noChangeAspect="1"/>
+          </p:cNvPicPr>
+          <p:nvPr/>
+        </p:nvPicPr>
+        <p:blipFill>
+          <a:blip r:embed="rId4">
+            <a:extLst>
+              <a:ext uri="{28A0092B-C50C-407E-A947-70E740481C1C}">
+                <a14:useLocalDpi xmlns:a14="http://schemas.microsoft.com/office/drawing/2010/main" val="0"/>
+              </a:ext>
+            </a:extLst>
+          </a:blip>
+          <a:stretch>
+            <a:fillRect/>
+          </a:stretch>
+        </p:blipFill>
+        <p:spPr>
+          <a:xfrm>
+            <a:off x="8806649" y="953218"/>
+            <a:ext cx="3012489" cy="1694525"/>
+          </a:xfrm>
+          <a:prstGeom prst="rect">
+            <a:avLst/>
+          </a:prstGeom>
+          <a:ln>
+            <a:noFill/>
+          </a:ln>
+          <a:effectLst>
+            <a:outerShdw blurRad="190500" algn="tl" rotWithShape="0">
+              <a:srgbClr val="000000">
+                <a:alpha val="70000"/>
+              </a:srgbClr>
+            </a:outerShdw>
+          </a:effectLst>
+        </p:spPr>
+      </p:pic>
+      <p:pic>
+        <p:nvPicPr>
+          <p:cNvPr id="9" name="Grafik 8">
+            <a:extLst>
+              <a:ext uri="{FF2B5EF4-FFF2-40B4-BE49-F238E27FC236}">
+                <a16:creationId xmlns:a16="http://schemas.microsoft.com/office/drawing/2014/main" id="{082D7020-5A83-4D5A-AFDD-3D38BACADF72}"/>
+              </a:ext>
+            </a:extLst>
+          </p:cNvPr>
+          <p:cNvPicPr>
+            <a:picLocks noChangeAspect="1"/>
+          </p:cNvPicPr>
+          <p:nvPr/>
+        </p:nvPicPr>
+        <p:blipFill>
+          <a:blip r:embed="rId5">
+            <a:extLst>
+              <a:ext uri="{28A0092B-C50C-407E-A947-70E740481C1C}">
+                <a14:useLocalDpi xmlns:a14="http://schemas.microsoft.com/office/drawing/2010/main" val="0"/>
+              </a:ext>
+            </a:extLst>
+          </a:blip>
+          <a:stretch>
+            <a:fillRect/>
+          </a:stretch>
+        </p:blipFill>
+        <p:spPr>
+          <a:xfrm>
+            <a:off x="8282866" y="3063444"/>
+            <a:ext cx="2799425" cy="1574676"/>
+          </a:xfrm>
+          <a:prstGeom prst="rect">
+            <a:avLst/>
+          </a:prstGeom>
+          <a:ln>
+            <a:noFill/>
+          </a:ln>
+          <a:effectLst>
+            <a:outerShdw blurRad="190500" algn="tl" rotWithShape="0">
+              <a:srgbClr val="000000">
+                <a:alpha val="70000"/>
+              </a:srgbClr>
+            </a:outerShdw>
+          </a:effectLst>
+        </p:spPr>
+      </p:pic>
+      <p:pic>
+        <p:nvPicPr>
+          <p:cNvPr id="11" name="Grafik 10">
+            <a:extLst>
+              <a:ext uri="{FF2B5EF4-FFF2-40B4-BE49-F238E27FC236}">
+                <a16:creationId xmlns:a16="http://schemas.microsoft.com/office/drawing/2014/main" id="{BA4AF3EA-DECC-4404-8570-71EE678D4852}"/>
+              </a:ext>
+            </a:extLst>
+          </p:cNvPr>
+          <p:cNvPicPr>
+            <a:picLocks noChangeAspect="1"/>
+          </p:cNvPicPr>
+          <p:nvPr/>
+        </p:nvPicPr>
+        <p:blipFill>
+          <a:blip r:embed="rId6">
+            <a:extLst>
+              <a:ext uri="{28A0092B-C50C-407E-A947-70E740481C1C}">
+                <a14:useLocalDpi xmlns:a14="http://schemas.microsoft.com/office/drawing/2010/main" val="0"/>
+              </a:ext>
+            </a:extLst>
+          </a:blip>
+          <a:stretch>
+            <a:fillRect/>
+          </a:stretch>
+        </p:blipFill>
+        <p:spPr>
+          <a:xfrm>
+            <a:off x="8624732" y="4950319"/>
+            <a:ext cx="3012489" cy="1694525"/>
+          </a:xfrm>
+          <a:prstGeom prst="rect">
+            <a:avLst/>
+          </a:prstGeom>
+          <a:ln>
+            <a:noFill/>
+          </a:ln>
+          <a:effectLst>
+            <a:outerShdw blurRad="190500" algn="tl" rotWithShape="0">
+              <a:srgbClr val="000000">
+                <a:alpha val="70000"/>
+              </a:srgbClr>
+            </a:outerShdw>
+          </a:effectLst>
+        </p:spPr>
+      </p:pic>
+      <p:pic>
+        <p:nvPicPr>
+          <p:cNvPr id="13" name="Grafik 12">
+            <a:extLst>
+              <a:ext uri="{FF2B5EF4-FFF2-40B4-BE49-F238E27FC236}">
+                <a16:creationId xmlns:a16="http://schemas.microsoft.com/office/drawing/2014/main" id="{DB0207F8-1C2F-47A1-BC10-61FF51A07A5F}"/>
+              </a:ext>
+            </a:extLst>
+          </p:cNvPr>
+          <p:cNvPicPr>
+            <a:picLocks noChangeAspect="1"/>
+          </p:cNvPicPr>
+          <p:nvPr/>
+        </p:nvPicPr>
+        <p:blipFill>
+          <a:blip r:embed="rId7">
+            <a:extLst>
+              <a:ext uri="{28A0092B-C50C-407E-A947-70E740481C1C}">
+                <a14:useLocalDpi xmlns:a14="http://schemas.microsoft.com/office/drawing/2010/main" val="0"/>
+              </a:ext>
+            </a:extLst>
+          </a:blip>
+          <a:stretch>
+            <a:fillRect/>
+          </a:stretch>
+        </p:blipFill>
+        <p:spPr>
+          <a:xfrm>
+            <a:off x="6694697" y="3429000"/>
+            <a:ext cx="704830" cy="953980"/>
+          </a:xfrm>
+          <a:prstGeom prst="rect">
+            <a:avLst/>
+          </a:prstGeom>
+        </p:spPr>
+      </p:pic>
+      <p:pic>
+        <p:nvPicPr>
+          <p:cNvPr id="15" name="Grafik 14">
+            <a:extLst>
+              <a:ext uri="{FF2B5EF4-FFF2-40B4-BE49-F238E27FC236}">
+                <a16:creationId xmlns:a16="http://schemas.microsoft.com/office/drawing/2014/main" id="{8932A9E5-593B-4E81-B25D-03DDA8E6FDBF}"/>
+              </a:ext>
+            </a:extLst>
+          </p:cNvPr>
+          <p:cNvPicPr>
+            <a:picLocks noChangeAspect="1"/>
+          </p:cNvPicPr>
+          <p:nvPr/>
+        </p:nvPicPr>
+        <p:blipFill>
+          <a:blip r:embed="rId8">
+            <a:extLst>
+              <a:ext uri="{28A0092B-C50C-407E-A947-70E740481C1C}">
+                <a14:useLocalDpi xmlns:a14="http://schemas.microsoft.com/office/drawing/2010/main" val="0"/>
+              </a:ext>
+            </a:extLst>
+          </a:blip>
+          <a:stretch>
+            <a:fillRect/>
+          </a:stretch>
+        </p:blipFill>
+        <p:spPr>
+          <a:xfrm>
+            <a:off x="5886137" y="1031699"/>
+            <a:ext cx="1160975" cy="1160975"/>
+          </a:xfrm>
+          <a:prstGeom prst="rect">
+            <a:avLst/>
+          </a:prstGeom>
+        </p:spPr>
+      </p:pic>
+      <p:pic>
+        <p:nvPicPr>
+          <p:cNvPr id="17" name="Grafik 16">
+            <a:extLst>
+              <a:ext uri="{FF2B5EF4-FFF2-40B4-BE49-F238E27FC236}">
+                <a16:creationId xmlns:a16="http://schemas.microsoft.com/office/drawing/2014/main" id="{9DA8FEAF-1262-4C81-967B-7B58CDECCDAE}"/>
+              </a:ext>
+            </a:extLst>
+          </p:cNvPr>
+          <p:cNvPicPr>
+            <a:picLocks noChangeAspect="1"/>
+          </p:cNvPicPr>
+          <p:nvPr/>
+        </p:nvPicPr>
+        <p:blipFill>
+          <a:blip r:embed="rId9">
+            <a:extLst>
+              <a:ext uri="{28A0092B-C50C-407E-A947-70E740481C1C}">
+                <a14:useLocalDpi xmlns:a14="http://schemas.microsoft.com/office/drawing/2010/main" val="0"/>
+              </a:ext>
+            </a:extLst>
+          </a:blip>
+          <a:stretch>
+            <a:fillRect/>
+          </a:stretch>
+        </p:blipFill>
+        <p:spPr>
+          <a:xfrm>
+            <a:off x="1004185" y="5088384"/>
+            <a:ext cx="2378328" cy="1981940"/>
+          </a:xfrm>
+          <a:prstGeom prst="rect">
+            <a:avLst/>
+          </a:prstGeom>
+        </p:spPr>
+      </p:pic>
+      <p:pic>
+        <p:nvPicPr>
+          <p:cNvPr id="19" name="Grafik 18">
+            <a:extLst>
+              <a:ext uri="{FF2B5EF4-FFF2-40B4-BE49-F238E27FC236}">
+                <a16:creationId xmlns:a16="http://schemas.microsoft.com/office/drawing/2014/main" id="{7DE09503-C069-4C82-B511-EDDE6CCC1A51}"/>
+              </a:ext>
+            </a:extLst>
+          </p:cNvPr>
+          <p:cNvPicPr>
+            <a:picLocks noChangeAspect="1"/>
+          </p:cNvPicPr>
+          <p:nvPr/>
+        </p:nvPicPr>
+        <p:blipFill>
+          <a:blip r:embed="rId10">
+            <a:extLst>
+              <a:ext uri="{28A0092B-C50C-407E-A947-70E740481C1C}">
+                <a14:useLocalDpi xmlns:a14="http://schemas.microsoft.com/office/drawing/2010/main" val="0"/>
+              </a:ext>
+            </a:extLst>
+          </a:blip>
+          <a:stretch>
+            <a:fillRect/>
+          </a:stretch>
+        </p:blipFill>
+        <p:spPr>
+          <a:xfrm>
+            <a:off x="2953713" y="5293818"/>
+            <a:ext cx="2574756" cy="1447013"/>
+          </a:xfrm>
+          <a:prstGeom prst="rect">
+            <a:avLst/>
+          </a:prstGeom>
+        </p:spPr>
+      </p:pic>
+      <p:pic>
+        <p:nvPicPr>
+          <p:cNvPr id="21" name="Grafik 20">
+            <a:extLst>
+              <a:ext uri="{FF2B5EF4-FFF2-40B4-BE49-F238E27FC236}">
+                <a16:creationId xmlns:a16="http://schemas.microsoft.com/office/drawing/2014/main" id="{4CFFC375-4472-472C-98F6-6368BA50AF58}"/>
+              </a:ext>
+            </a:extLst>
+          </p:cNvPr>
+          <p:cNvPicPr>
+            <a:picLocks noChangeAspect="1"/>
+          </p:cNvPicPr>
+          <p:nvPr/>
+        </p:nvPicPr>
+        <p:blipFill>
+          <a:blip r:embed="rId11">
+            <a:extLst>
+              <a:ext uri="{28A0092B-C50C-407E-A947-70E740481C1C}">
+                <a14:useLocalDpi xmlns:a14="http://schemas.microsoft.com/office/drawing/2010/main" val="0"/>
+              </a:ext>
+            </a:extLst>
+          </a:blip>
+          <a:stretch>
+            <a:fillRect/>
+          </a:stretch>
+        </p:blipFill>
+        <p:spPr>
+          <a:xfrm>
+            <a:off x="5580158" y="5657424"/>
+            <a:ext cx="1496442" cy="1029552"/>
+          </a:xfrm>
+          <a:prstGeom prst="rect">
+            <a:avLst/>
+          </a:prstGeom>
+        </p:spPr>
+      </p:pic>
+      <p:pic>
+        <p:nvPicPr>
+          <p:cNvPr id="23" name="Grafik 22">
+            <a:extLst>
+              <a:ext uri="{FF2B5EF4-FFF2-40B4-BE49-F238E27FC236}">
+                <a16:creationId xmlns:a16="http://schemas.microsoft.com/office/drawing/2014/main" id="{ABFE2C1B-ADDB-4250-BC2F-CE87025C612D}"/>
+              </a:ext>
+            </a:extLst>
+          </p:cNvPr>
+          <p:cNvPicPr>
+            <a:picLocks noChangeAspect="1"/>
+          </p:cNvPicPr>
+          <p:nvPr/>
+        </p:nvPicPr>
+        <p:blipFill>
+          <a:blip r:embed="rId12">
+            <a:extLst>
+              <a:ext uri="{28A0092B-C50C-407E-A947-70E740481C1C}">
+                <a14:useLocalDpi xmlns:a14="http://schemas.microsoft.com/office/drawing/2010/main" val="0"/>
+              </a:ext>
+            </a:extLst>
+          </a:blip>
+          <a:stretch>
+            <a:fillRect/>
+          </a:stretch>
+        </p:blipFill>
+        <p:spPr>
+          <a:xfrm>
+            <a:off x="4241091" y="813993"/>
+            <a:ext cx="1197151" cy="1197151"/>
           </a:xfrm>
           <a:prstGeom prst="rect">
             <a:avLst/>
@@ -5091,13 +6099,25 @@
     </p:spTree>
     <p:extLst>
       <p:ext uri="{BB962C8B-B14F-4D97-AF65-F5344CB8AC3E}">
-        <p14:creationId xmlns:p14="http://schemas.microsoft.com/office/powerpoint/2010/main" val="2199885513"/>
+        <p14:creationId xmlns:p14="http://schemas.microsoft.com/office/powerpoint/2010/main" val="4124534789"/>
       </p:ext>
     </p:extLst>
   </p:cSld>
   <p:clrMapOvr>
     <a:masterClrMapping/>
   </p:clrMapOvr>
+  <mc:AlternateContent xmlns:mc="http://schemas.openxmlformats.org/markup-compatibility/2006">
+    <mc:Choice xmlns:p159="http://schemas.microsoft.com/office/powerpoint/2015/09/main" Requires="p159">
+      <p:transition xmlns:p14="http://schemas.microsoft.com/office/powerpoint/2010/main" spd="slow" p14:dur="2000">
+        <p159:morph option="byObject"/>
+      </p:transition>
+    </mc:Choice>
+    <mc:Fallback>
+      <p:transition spd="slow">
+        <p:fade/>
+      </p:transition>
+    </mc:Fallback>
+  </mc:AlternateContent>
 </p:sld>
 </file>
 
@@ -5123,6 +6143,162 @@
           <p:cNvPr id="2" name="Titel 1">
             <a:extLst>
               <a:ext uri="{FF2B5EF4-FFF2-40B4-BE49-F238E27FC236}">
+                <a16:creationId xmlns:a16="http://schemas.microsoft.com/office/drawing/2014/main" id="{76052A65-C7B5-4439-AFE0-82E678AE946D}"/>
+              </a:ext>
+            </a:extLst>
+          </p:cNvPr>
+          <p:cNvSpPr>
+            <a:spLocks noGrp="1"/>
+          </p:cNvSpPr>
+          <p:nvPr>
+            <p:ph type="title"/>
+          </p:nvPr>
+        </p:nvSpPr>
+        <p:spPr/>
+        <p:txBody>
+          <a:bodyPr/>
+          <a:lstStyle/>
+          <a:p>
+            <a:r>
+              <a:rPr lang="de-AT" dirty="0">
+                <a:effectLst>
+                  <a:outerShdw blurRad="38100" dist="38100" dir="2700000" algn="tl">
+                    <a:srgbClr val="000000">
+                      <a:alpha val="43137"/>
+                    </a:srgbClr>
+                  </a:outerShdw>
+                </a:effectLst>
+                <a:latin typeface="Good Times" panose="00000400000000000000" pitchFamily="2" charset="0"/>
+              </a:rPr>
+              <a:t>Erklärung</a:t>
+            </a:r>
+          </a:p>
+        </p:txBody>
+      </p:sp>
+      <p:sp>
+        <p:nvSpPr>
+          <p:cNvPr id="3" name="Inhaltsplatzhalter 2">
+            <a:extLst>
+              <a:ext uri="{FF2B5EF4-FFF2-40B4-BE49-F238E27FC236}">
+                <a16:creationId xmlns:a16="http://schemas.microsoft.com/office/drawing/2014/main" id="{19DBFD5D-9E89-4BB9-A683-D11E4E294F4A}"/>
+              </a:ext>
+            </a:extLst>
+          </p:cNvPr>
+          <p:cNvSpPr>
+            <a:spLocks noGrp="1"/>
+          </p:cNvSpPr>
+          <p:nvPr>
+            <p:ph idx="1"/>
+          </p:nvPr>
+        </p:nvSpPr>
+        <p:spPr/>
+        <p:txBody>
+          <a:bodyPr/>
+          <a:lstStyle/>
+          <a:p>
+            <a:pPr>
+              <a:lnSpc>
+                <a:spcPct val="150000"/>
+              </a:lnSpc>
+            </a:pPr>
+            <a:r>
+              <a:rPr lang="de-AT" dirty="0"/>
+              <a:t>Background</a:t>
+            </a:r>
+          </a:p>
+          <a:p>
+            <a:pPr>
+              <a:lnSpc>
+                <a:spcPct val="150000"/>
+              </a:lnSpc>
+            </a:pPr>
+            <a:r>
+              <a:rPr lang="de-AT" dirty="0"/>
+              <a:t>Sprite</a:t>
+            </a:r>
+          </a:p>
+          <a:p>
+            <a:pPr>
+              <a:lnSpc>
+                <a:spcPct val="150000"/>
+              </a:lnSpc>
+            </a:pPr>
+            <a:r>
+              <a:rPr lang="de-AT" dirty="0"/>
+              <a:t>Movement der Gegenstände</a:t>
+            </a:r>
+          </a:p>
+          <a:p>
+            <a:pPr>
+              <a:lnSpc>
+                <a:spcPct val="150000"/>
+              </a:lnSpc>
+            </a:pPr>
+            <a:r>
+              <a:rPr lang="de-AT" dirty="0"/>
+              <a:t>Kollision</a:t>
+            </a:r>
+          </a:p>
+          <a:p>
+            <a:pPr>
+              <a:lnSpc>
+                <a:spcPct val="150000"/>
+              </a:lnSpc>
+            </a:pPr>
+            <a:r>
+              <a:rPr lang="de-AT" dirty="0"/>
+              <a:t>Musik</a:t>
+            </a:r>
+          </a:p>
+        </p:txBody>
+      </p:sp>
+    </p:spTree>
+    <p:extLst>
+      <p:ext uri="{BB962C8B-B14F-4D97-AF65-F5344CB8AC3E}">
+        <p14:creationId xmlns:p14="http://schemas.microsoft.com/office/powerpoint/2010/main" val="2199885513"/>
+      </p:ext>
+    </p:extLst>
+  </p:cSld>
+  <p:clrMapOvr>
+    <a:masterClrMapping/>
+  </p:clrMapOvr>
+  <mc:AlternateContent xmlns:mc="http://schemas.openxmlformats.org/markup-compatibility/2006">
+    <mc:Choice xmlns:p159="http://schemas.microsoft.com/office/powerpoint/2015/09/main" Requires="p159">
+      <p:transition xmlns:p14="http://schemas.microsoft.com/office/powerpoint/2010/main" spd="slow" p14:dur="2000">
+        <p159:morph option="byObject"/>
+      </p:transition>
+    </mc:Choice>
+    <mc:Fallback>
+      <p:transition spd="slow">
+        <p:fade/>
+      </p:transition>
+    </mc:Fallback>
+  </mc:AlternateContent>
+</p:sld>
+</file>
+
+<file path=ppt/slides/slide8.xml><?xml version="1.0" encoding="utf-8"?>
+<p:sld xmlns:a="http://schemas.openxmlformats.org/drawingml/2006/main" xmlns:r="http://schemas.openxmlformats.org/officeDocument/2006/relationships" xmlns:p="http://schemas.openxmlformats.org/presentationml/2006/main">
+  <p:cSld>
+    <p:spTree>
+      <p:nvGrpSpPr>
+        <p:cNvPr id="1" name=""/>
+        <p:cNvGrpSpPr/>
+        <p:nvPr/>
+      </p:nvGrpSpPr>
+      <p:grpSpPr>
+        <a:xfrm>
+          <a:off x="0" y="0"/>
+          <a:ext cx="0" cy="0"/>
+          <a:chOff x="0" y="0"/>
+          <a:chExt cx="0" cy="0"/>
+        </a:xfrm>
+      </p:grpSpPr>
+      <p:sp>
+        <p:nvSpPr>
+          <p:cNvPr id="2" name="Titel 1">
+            <a:extLst>
+              <a:ext uri="{FF2B5EF4-FFF2-40B4-BE49-F238E27FC236}">
                 <a16:creationId xmlns:a16="http://schemas.microsoft.com/office/drawing/2014/main" id="{59E486EC-B6E2-4253-9386-CDA112939EF9}"/>
               </a:ext>
             </a:extLst>
@@ -5134,46 +6310,39 @@
             <p:ph type="title"/>
           </p:nvPr>
         </p:nvSpPr>
-        <p:spPr/>
+        <p:spPr>
+          <a:xfrm>
+            <a:off x="838200" y="1101191"/>
+            <a:ext cx="10515600" cy="1325563"/>
+          </a:xfrm>
+        </p:spPr>
         <p:txBody>
           <a:bodyPr/>
           <a:lstStyle/>
           <a:p>
-            <a:endParaRPr lang="de-AT"/>
-          </a:p>
-        </p:txBody>
-      </p:sp>
-      <p:sp>
-        <p:nvSpPr>
-          <p:cNvPr id="3" name="Inhaltsplatzhalter 2">
+            <a:pPr algn="ctr"/>
+            <a:r>
+              <a:rPr lang="de-AT" dirty="0">
+                <a:effectLst>
+                  <a:outerShdw blurRad="38100" dist="38100" dir="2700000" algn="tl">
+                    <a:srgbClr val="000000">
+                      <a:alpha val="43137"/>
+                    </a:srgbClr>
+                  </a:outerShdw>
+                </a:effectLst>
+                <a:latin typeface="Good Times" panose="00000400000000000000" pitchFamily="2" charset="0"/>
+              </a:rPr>
+              <a:t>Wir bedanken uns für eure Aufmerksamkeit!</a:t>
+            </a:r>
+          </a:p>
+        </p:txBody>
+      </p:sp>
+      <p:pic>
+        <p:nvPicPr>
+          <p:cNvPr id="6" name="Grafik 5">
             <a:extLst>
               <a:ext uri="{FF2B5EF4-FFF2-40B4-BE49-F238E27FC236}">
-                <a16:creationId xmlns:a16="http://schemas.microsoft.com/office/drawing/2014/main" id="{359E7C8E-23B1-46F5-871F-0BBC71DEE3F6}"/>
-              </a:ext>
-            </a:extLst>
-          </p:cNvPr>
-          <p:cNvSpPr>
-            <a:spLocks noGrp="1"/>
-          </p:cNvSpPr>
-          <p:nvPr>
-            <p:ph idx="1"/>
-          </p:nvPr>
-        </p:nvSpPr>
-        <p:spPr/>
-        <p:txBody>
-          <a:bodyPr/>
-          <a:lstStyle/>
-          <a:p>
-            <a:endParaRPr lang="de-AT"/>
-          </a:p>
-        </p:txBody>
-      </p:sp>
-      <p:pic>
-        <p:nvPicPr>
-          <p:cNvPr id="4" name="Grafik 3">
-            <a:extLst>
-              <a:ext uri="{FF2B5EF4-FFF2-40B4-BE49-F238E27FC236}">
-                <a16:creationId xmlns:a16="http://schemas.microsoft.com/office/drawing/2014/main" id="{B5FC2262-2856-4597-820B-D5D6F6FC1E54}"/>
+                <a16:creationId xmlns:a16="http://schemas.microsoft.com/office/drawing/2014/main" id="{BE0F4673-10F0-42E0-9CF2-40BAD4EDAF54}"/>
               </a:ext>
             </a:extLst>
           </p:cNvPr>
@@ -5190,60 +6359,24 @@
         </p:blipFill>
         <p:spPr>
           <a:xfrm>
-            <a:off x="0" y="0"/>
-            <a:ext cx="12192000" cy="6858000"/>
+            <a:off x="3248025" y="2877130"/>
+            <a:ext cx="5695950" cy="3619500"/>
           </a:xfrm>
           <a:prstGeom prst="rect">
             <a:avLst/>
           </a:prstGeom>
+          <a:ln>
+            <a:noFill/>
+          </a:ln>
+          <a:effectLst>
+            <a:outerShdw blurRad="292100" dist="139700" dir="2700000" algn="tl" rotWithShape="0">
+              <a:srgbClr val="333333">
+                <a:alpha val="65000"/>
+              </a:srgbClr>
+            </a:outerShdw>
+          </a:effectLst>
         </p:spPr>
       </p:pic>
-      <p:sp>
-        <p:nvSpPr>
-          <p:cNvPr id="5" name="Rechteck 4">
-            <a:extLst>
-              <a:ext uri="{FF2B5EF4-FFF2-40B4-BE49-F238E27FC236}">
-                <a16:creationId xmlns:a16="http://schemas.microsoft.com/office/drawing/2014/main" id="{ECDED7DB-BE13-4E0F-9151-F12FD3DB7195}"/>
-              </a:ext>
-            </a:extLst>
-          </p:cNvPr>
-          <p:cNvSpPr/>
-          <p:nvPr/>
-        </p:nvSpPr>
-        <p:spPr>
-          <a:xfrm>
-            <a:off x="7912359" y="681037"/>
-            <a:ext cx="3965510" cy="1477328"/>
-          </a:xfrm>
-          <a:prstGeom prst="rect">
-            <a:avLst/>
-          </a:prstGeom>
-        </p:spPr>
-        <p:txBody>
-          <a:bodyPr wrap="square">
-            <a:spAutoFit/>
-          </a:bodyPr>
-          <a:lstStyle/>
-          <a:p>
-            <a:endParaRPr lang="de-AT" dirty="0">
-              <a:solidFill>
-                <a:schemeClr val="bg1"/>
-              </a:solidFill>
-            </a:endParaRPr>
-          </a:p>
-          <a:p>
-            <a:r>
-              <a:rPr lang="de-AT" sz="3600" dirty="0">
-                <a:solidFill>
-                  <a:schemeClr val="bg1"/>
-                </a:solidFill>
-              </a:rPr>
-              <a:t>Beschreibung der Verloren Klasse</a:t>
-            </a:r>
-            <a:endParaRPr lang="de-AT" sz="3600" dirty="0"/>
-          </a:p>
-        </p:txBody>
-      </p:sp>
     </p:spTree>
     <p:extLst>
       <p:ext uri="{BB962C8B-B14F-4D97-AF65-F5344CB8AC3E}">
@@ -5254,13 +6387,25 @@
   <p:clrMapOvr>
     <a:masterClrMapping/>
   </p:clrMapOvr>
+  <mc:AlternateContent xmlns:mc="http://schemas.openxmlformats.org/markup-compatibility/2006">
+    <mc:Choice xmlns:p159="http://schemas.microsoft.com/office/powerpoint/2015/09/main" Requires="p159">
+      <p:transition xmlns:p14="http://schemas.microsoft.com/office/powerpoint/2010/main" spd="slow" p14:dur="2000">
+        <p159:morph option="byObject"/>
+      </p:transition>
+    </mc:Choice>
+    <mc:Fallback>
+      <p:transition spd="slow">
+        <p:fade/>
+      </p:transition>
+    </mc:Fallback>
+  </mc:AlternateContent>
 </p:sld>
 </file>
 
 <file path=ppt/theme/theme1.xml><?xml version="1.0" encoding="utf-8"?>
-<a:theme xmlns:a="http://schemas.openxmlformats.org/drawingml/2006/main" name="Office">
+<a:theme xmlns:a="http://schemas.openxmlformats.org/drawingml/2006/main" name="Ausschnitt">
   <a:themeElements>
-    <a:clrScheme name="Office">
+    <a:clrScheme name="Ausschnitt">
       <a:dk1>
         <a:sysClr val="windowText" lastClr="000000"/>
       </a:dk1>
@@ -5268,100 +6413,48 @@
         <a:sysClr val="window" lastClr="FFFFFF"/>
       </a:lt1>
       <a:dk2>
-        <a:srgbClr val="44546A"/>
+        <a:srgbClr val="191B0E"/>
       </a:dk2>
       <a:lt2>
-        <a:srgbClr val="E7E6E6"/>
+        <a:srgbClr val="EFEDE3"/>
       </a:lt2>
       <a:accent1>
-        <a:srgbClr val="4472C4"/>
+        <a:srgbClr val="8C8D86"/>
       </a:accent1>
       <a:accent2>
-        <a:srgbClr val="ED7D31"/>
+        <a:srgbClr val="E6C069"/>
       </a:accent2>
       <a:accent3>
-        <a:srgbClr val="A5A5A5"/>
+        <a:srgbClr val="897B61"/>
       </a:accent3>
       <a:accent4>
-        <a:srgbClr val="FFC000"/>
+        <a:srgbClr val="8DAB8E"/>
       </a:accent4>
       <a:accent5>
-        <a:srgbClr val="5B9BD5"/>
+        <a:srgbClr val="77A2BB"/>
       </a:accent5>
       <a:accent6>
-        <a:srgbClr val="70AD47"/>
+        <a:srgbClr val="E28394"/>
       </a:accent6>
       <a:hlink>
-        <a:srgbClr val="0563C1"/>
+        <a:srgbClr val="77A2BB"/>
       </a:hlink>
       <a:folHlink>
-        <a:srgbClr val="954F72"/>
+        <a:srgbClr val="957A99"/>
       </a:folHlink>
     </a:clrScheme>
-    <a:fontScheme name="Office">
+    <a:fontScheme name="Ausschnitt">
       <a:majorFont>
-        <a:latin typeface="Calibri Light" panose="020F0302020204030204"/>
+        <a:latin typeface="Franklin Gothic Book" panose="020B0503020102020204"/>
         <a:ea typeface=""/>
         <a:cs typeface=""/>
-        <a:font script="Jpan" typeface="游ゴシック Light"/>
-        <a:font script="Hang" typeface="맑은 고딕"/>
-        <a:font script="Hans" typeface="等线 Light"/>
-        <a:font script="Hant" typeface="新細明體"/>
-        <a:font script="Arab" typeface="Times New Roman"/>
-        <a:font script="Hebr" typeface="Times New Roman"/>
-        <a:font script="Thai" typeface="Angsana New"/>
-        <a:font script="Ethi" typeface="Nyala"/>
-        <a:font script="Beng" typeface="Vrinda"/>
-        <a:font script="Gujr" typeface="Shruti"/>
-        <a:font script="Khmr" typeface="MoolBoran"/>
-        <a:font script="Knda" typeface="Tunga"/>
-        <a:font script="Guru" typeface="Raavi"/>
-        <a:font script="Cans" typeface="Euphemia"/>
-        <a:font script="Cher" typeface="Plantagenet Cherokee"/>
-        <a:font script="Yiii" typeface="Microsoft Yi Baiti"/>
-        <a:font script="Tibt" typeface="Microsoft Himalaya"/>
-        <a:font script="Thaa" typeface="MV Boli"/>
-        <a:font script="Deva" typeface="Mangal"/>
-        <a:font script="Telu" typeface="Gautami"/>
-        <a:font script="Taml" typeface="Latha"/>
-        <a:font script="Syrc" typeface="Estrangelo Edessa"/>
-        <a:font script="Orya" typeface="Kalinga"/>
-        <a:font script="Mlym" typeface="Kartika"/>
-        <a:font script="Laoo" typeface="DokChampa"/>
-        <a:font script="Sinh" typeface="Iskoola Pota"/>
-        <a:font script="Mong" typeface="Mongolian Baiti"/>
-        <a:font script="Viet" typeface="Times New Roman"/>
-        <a:font script="Uigh" typeface="Microsoft Uighur"/>
-        <a:font script="Geor" typeface="Sylfaen"/>
-        <a:font script="Armn" typeface="Arial"/>
-        <a:font script="Bugi" typeface="Leelawadee UI"/>
-        <a:font script="Bopo" typeface="Microsoft JhengHei"/>
-        <a:font script="Java" typeface="Javanese Text"/>
-        <a:font script="Lisu" typeface="Segoe UI"/>
-        <a:font script="Mymr" typeface="Myanmar Text"/>
-        <a:font script="Nkoo" typeface="Ebrima"/>
-        <a:font script="Olck" typeface="Nirmala UI"/>
-        <a:font script="Osma" typeface="Ebrima"/>
-        <a:font script="Phag" typeface="Phagspa"/>
-        <a:font script="Syrn" typeface="Estrangelo Edessa"/>
-        <a:font script="Syrj" typeface="Estrangelo Edessa"/>
-        <a:font script="Syre" typeface="Estrangelo Edessa"/>
-        <a:font script="Sora" typeface="Nirmala UI"/>
-        <a:font script="Tale" typeface="Microsoft Tai Le"/>
-        <a:font script="Talu" typeface="Microsoft New Tai Lue"/>
-        <a:font script="Tfng" typeface="Ebrima"/>
-      </a:majorFont>
-      <a:minorFont>
-        <a:latin typeface="Calibri" panose="020F0502020204030204"/>
-        <a:ea typeface=""/>
-        <a:cs typeface=""/>
-        <a:font script="Jpan" typeface="游ゴシック"/>
-        <a:font script="Hang" typeface="맑은 고딕"/>
-        <a:font script="Hans" typeface="等线"/>
-        <a:font script="Hant" typeface="新細明體"/>
-        <a:font script="Arab" typeface="Arial"/>
-        <a:font script="Hebr" typeface="Arial"/>
-        <a:font script="Thai" typeface="Cordia New"/>
+        <a:font script="Jpan" typeface="メイリオ"/>
+        <a:font script="Hang" typeface="돋움"/>
+        <a:font script="Hans" typeface="华文楷体"/>
+        <a:font script="Hant" typeface="微軟正黑體"/>
+        <a:font script="Arab" typeface="Tahoma"/>
+        <a:font script="Hebr" typeface="Aharoni"/>
+        <a:font script="Thai" typeface="LilyUPC"/>
         <a:font script="Ethi" typeface="Nyala"/>
         <a:font script="Beng" typeface="Vrinda"/>
         <a:font script="Gujr" typeface="Shruti"/>
@@ -5382,29 +6475,47 @@
         <a:font script="Laoo" typeface="DokChampa"/>
         <a:font script="Sinh" typeface="Iskoola Pota"/>
         <a:font script="Mong" typeface="Mongolian Baiti"/>
-        <a:font script="Viet" typeface="Arial"/>
+        <a:font script="Viet" typeface="Tahoma"/>
         <a:font script="Uigh" typeface="Microsoft Uighur"/>
         <a:font script="Geor" typeface="Sylfaen"/>
-        <a:font script="Armn" typeface="Arial"/>
-        <a:font script="Bugi" typeface="Leelawadee UI"/>
-        <a:font script="Bopo" typeface="Microsoft JhengHei"/>
-        <a:font script="Java" typeface="Javanese Text"/>
-        <a:font script="Lisu" typeface="Segoe UI"/>
-        <a:font script="Mymr" typeface="Myanmar Text"/>
-        <a:font script="Nkoo" typeface="Ebrima"/>
-        <a:font script="Olck" typeface="Nirmala UI"/>
-        <a:font script="Osma" typeface="Ebrima"/>
-        <a:font script="Phag" typeface="Phagspa"/>
-        <a:font script="Syrn" typeface="Estrangelo Edessa"/>
-        <a:font script="Syrj" typeface="Estrangelo Edessa"/>
-        <a:font script="Syre" typeface="Estrangelo Edessa"/>
-        <a:font script="Sora" typeface="Nirmala UI"/>
-        <a:font script="Tale" typeface="Microsoft Tai Le"/>
-        <a:font script="Talu" typeface="Microsoft New Tai Lue"/>
-        <a:font script="Tfng" typeface="Ebrima"/>
+      </a:majorFont>
+      <a:minorFont>
+        <a:latin typeface="Franklin Gothic Book" panose="020B0503020102020204"/>
+        <a:ea typeface=""/>
+        <a:cs typeface=""/>
+        <a:font script="Jpan" typeface="メイリオ"/>
+        <a:font script="Hang" typeface="돋움"/>
+        <a:font script="Hans" typeface="华文楷体"/>
+        <a:font script="Hant" typeface="微軟正黑體"/>
+        <a:font script="Arab" typeface="Tahoma"/>
+        <a:font script="Hebr" typeface="Aharoni"/>
+        <a:font script="Thai" typeface="LilyUPC"/>
+        <a:font script="Ethi" typeface="Nyala"/>
+        <a:font script="Beng" typeface="Vrinda"/>
+        <a:font script="Gujr" typeface="Shruti"/>
+        <a:font script="Khmr" typeface="DaunPenh"/>
+        <a:font script="Knda" typeface="Tunga"/>
+        <a:font script="Guru" typeface="Raavi"/>
+        <a:font script="Cans" typeface="Euphemia"/>
+        <a:font script="Cher" typeface="Plantagenet Cherokee"/>
+        <a:font script="Yiii" typeface="Microsoft Yi Baiti"/>
+        <a:font script="Tibt" typeface="Microsoft Himalaya"/>
+        <a:font script="Thaa" typeface="MV Boli"/>
+        <a:font script="Deva" typeface="Mangal"/>
+        <a:font script="Telu" typeface="Gautami"/>
+        <a:font script="Taml" typeface="Latha"/>
+        <a:font script="Syrc" typeface="Estrangelo Edessa"/>
+        <a:font script="Orya" typeface="Kalinga"/>
+        <a:font script="Mlym" typeface="Kartika"/>
+        <a:font script="Laoo" typeface="DokChampa"/>
+        <a:font script="Sinh" typeface="Iskoola Pota"/>
+        <a:font script="Mong" typeface="Mongolian Baiti"/>
+        <a:font script="Viet" typeface="Tahoma"/>
+        <a:font script="Uigh" typeface="Microsoft Uighur"/>
+        <a:font script="Geor" typeface="Sylfaen"/>
       </a:minorFont>
     </a:fontScheme>
-    <a:fmtScheme name="Office">
+    <a:fmtScheme name="Ausschnitt">
       <a:fillStyleLst>
         <a:solidFill>
           <a:schemeClr val="phClr"/>
@@ -5413,23 +6524,23 @@
           <a:gsLst>
             <a:gs pos="0">
               <a:schemeClr val="phClr">
+                <a:tint val="67000"/>
+                <a:satMod val="105000"/>
                 <a:lumMod val="110000"/>
-                <a:satMod val="105000"/>
-                <a:tint val="67000"/>
               </a:schemeClr>
             </a:gs>
             <a:gs pos="50000">
               <a:schemeClr val="phClr">
+                <a:tint val="73000"/>
+                <a:satMod val="103000"/>
                 <a:lumMod val="105000"/>
-                <a:satMod val="103000"/>
-                <a:tint val="73000"/>
               </a:schemeClr>
             </a:gs>
             <a:gs pos="100000">
               <a:schemeClr val="phClr">
+                <a:tint val="81000"/>
+                <a:satMod val="109000"/>
                 <a:lumMod val="105000"/>
-                <a:satMod val="109000"/>
-                <a:tint val="81000"/>
               </a:schemeClr>
             </a:gs>
           </a:gsLst>
@@ -5439,23 +6550,23 @@
           <a:gsLst>
             <a:gs pos="0">
               <a:schemeClr val="phClr">
+                <a:tint val="94000"/>
                 <a:satMod val="103000"/>
                 <a:lumMod val="102000"/>
-                <a:tint val="94000"/>
               </a:schemeClr>
             </a:gs>
             <a:gs pos="50000">
               <a:schemeClr val="phClr">
+                <a:shade val="100000"/>
                 <a:satMod val="110000"/>
                 <a:lumMod val="100000"/>
-                <a:shade val="100000"/>
               </a:schemeClr>
             </a:gs>
             <a:gs pos="100000">
               <a:schemeClr val="phClr">
+                <a:shade val="78000"/>
+                <a:satMod val="120000"/>
                 <a:lumMod val="99000"/>
-                <a:satMod val="120000"/>
-                <a:shade val="78000"/>
               </a:schemeClr>
             </a:gs>
           </a:gsLst>
@@ -5463,26 +6574,23 @@
         </a:gradFill>
       </a:fillStyleLst>
       <a:lnStyleLst>
-        <a:ln w="6350" cap="flat" cmpd="sng" algn="ctr">
+        <a:ln w="6350" cap="flat" cmpd="sng" algn="in">
           <a:solidFill>
             <a:schemeClr val="phClr"/>
           </a:solidFill>
           <a:prstDash val="solid"/>
-          <a:miter lim="800000"/>
         </a:ln>
-        <a:ln w="12700" cap="flat" cmpd="sng" algn="ctr">
+        <a:ln w="34925" cap="flat" cmpd="sng" algn="in">
           <a:solidFill>
             <a:schemeClr val="phClr"/>
           </a:solidFill>
           <a:prstDash val="solid"/>
-          <a:miter lim="800000"/>
         </a:ln>
-        <a:ln w="19050" cap="flat" cmpd="sng" algn="ctr">
+        <a:ln w="19050" cap="flat" cmpd="sng" algn="in">
           <a:solidFill>
             <a:schemeClr val="phClr"/>
           </a:solidFill>
           <a:prstDash val="solid"/>
-          <a:miter lim="800000"/>
         </a:ln>
       </a:lnStyleLst>
       <a:effectStyleLst>
@@ -5496,7 +6604,7 @@
           <a:effectLst>
             <a:outerShdw blurRad="57150" dist="19050" dir="5400000" algn="ctr" rotWithShape="0">
               <a:srgbClr val="000000">
-                <a:alpha val="63000"/>
+                <a:alpha val="35000"/>
               </a:srgbClr>
             </a:outerShdw>
           </a:effectLst>
@@ -5517,16 +6625,16 @@
             <a:gs pos="0">
               <a:schemeClr val="phClr">
                 <a:tint val="93000"/>
+                <a:shade val="98000"/>
                 <a:satMod val="150000"/>
-                <a:shade val="98000"/>
                 <a:lumMod val="102000"/>
               </a:schemeClr>
             </a:gs>
             <a:gs pos="50000">
               <a:schemeClr val="phClr">
                 <a:tint val="98000"/>
+                <a:shade val="90000"/>
                 <a:satMod val="130000"/>
-                <a:shade val="90000"/>
                 <a:lumMod val="103000"/>
               </a:schemeClr>
             </a:gs>
@@ -5546,7 +6654,7 @@
   <a:extraClrSchemeLst/>
   <a:extLst>
     <a:ext uri="{05A4C25C-085E-4340-85A3-A5531E510DB2}">
-      <thm15:themeFamily xmlns:thm15="http://schemas.microsoft.com/office/thememl/2012/main" name="Office Theme" id="{62F939B6-93AF-4DB8-9C6B-D6C7DFDC589F}" vid="{4A3C46E8-61CC-4603-A589-7422A47A8E4A}"/>
+      <thm15:themeFamily xmlns:thm15="http://schemas.microsoft.com/office/thememl/2012/main" name="Crop" id="{EC9488ED-E761-4D60-9AC4-764D1FE2C171}" vid="{CE19780C-D67D-4C13-9DE9-A52BC3BA51B4}"/>
     </a:ext>
   </a:extLst>
 </a:theme>
